--- a/Fase 2/Evidencias_Proyecto/Presentación proyecto.pptx
+++ b/Fase 2/Evidencias_Proyecto/Presentación proyecto.pptx
@@ -21,9 +21,6 @@
     <p:sldId id="266" r:id="rId15"/>
     <p:sldId id="267" r:id="rId16"/>
     <p:sldId id="268" r:id="rId17"/>
-    <p:sldId id="269" r:id="rId18"/>
-    <p:sldId id="270" r:id="rId19"/>
-    <p:sldId id="271" r:id="rId20"/>
   </p:sldIdLst>
   <p:sldSz cy="6858000" cx="12192000"/>
   <p:notesSz cx="6858000" cy="9144000"/>
@@ -258,7 +255,7 @@
   </p:defaultTextStyle>
   <p:extLst>
     <p:ext uri="GoogleSlidesCustomDataVersion2">
-      <go:slidesCustomData xmlns:go="http://customooxmlschemas.google.com/" r:id="rId21" roundtripDataSignature="AMtx7mjO6KbJ7NCRBMv7oIrRNFcD7xrZUg=="/>
+      <go:slidesCustomData xmlns:go="http://customooxmlschemas.google.com/" r:id="rId18" roundtripDataSignature="AMtx7mjuOc72F35r0PB9vUquEX6QqAx9vQ=="/>
     </p:ext>
   </p:extLst>
 </p:presentation>
@@ -947,7 +944,7 @@
   <p:cSld>
     <p:spTree>
       <p:nvGrpSpPr>
-        <p:cNvPr id="173" name="Shape 173"/>
+        <p:cNvPr id="174" name="Shape 174"/>
         <p:cNvGrpSpPr/>
         <p:nvPr/>
       </p:nvGrpSpPr>
@@ -961,7 +958,7 @@
       </p:grpSpPr>
       <p:sp>
         <p:nvSpPr>
-          <p:cNvPr id="174" name="Google Shape;174;g38e2c4947a4_0_28:notes"/>
+          <p:cNvPr id="175" name="Google Shape;175;g38e2c4947a4_0_28:notes"/>
           <p:cNvSpPr txBox="1"/>
           <p:nvPr>
             <p:ph idx="1" type="body"/>
@@ -1008,7 +1005,7 @@
       </p:sp>
       <p:sp>
         <p:nvSpPr>
-          <p:cNvPr id="175" name="Google Shape;175;g38e2c4947a4_0_28:notes"/>
+          <p:cNvPr id="176" name="Google Shape;176;g38e2c4947a4_0_28:notes"/>
           <p:cNvSpPr/>
           <p:nvPr>
             <p:ph idx="2" type="sldImg"/>
@@ -1064,7 +1061,7 @@
   <p:cSld>
     <p:spTree>
       <p:nvGrpSpPr>
-        <p:cNvPr id="187" name="Shape 187"/>
+        <p:cNvPr id="189" name="Shape 189"/>
         <p:cNvGrpSpPr/>
         <p:nvPr/>
       </p:nvGrpSpPr>
@@ -1078,7 +1075,7 @@
       </p:grpSpPr>
       <p:sp>
         <p:nvSpPr>
-          <p:cNvPr id="188" name="Google Shape;188;p8:notes"/>
+          <p:cNvPr id="190" name="Google Shape;190;g38e2c4947a4_0_288:notes"/>
           <p:cNvSpPr txBox="1"/>
           <p:nvPr>
             <p:ph idx="1" type="body"/>
@@ -1125,7 +1122,7 @@
       </p:sp>
       <p:sp>
         <p:nvSpPr>
-          <p:cNvPr id="189" name="Google Shape;189;p8:notes"/>
+          <p:cNvPr id="191" name="Google Shape;191;g38e2c4947a4_0_288:notes"/>
           <p:cNvSpPr/>
           <p:nvPr>
             <p:ph idx="2" type="sldImg"/>
@@ -1134,7 +1131,7 @@
         <p:spPr>
           <a:xfrm>
             <a:off x="1143225" y="685800"/>
-            <a:ext cx="4572225" cy="3429000"/>
+            <a:ext cx="4572300" cy="3429000"/>
           </a:xfrm>
           <a:custGeom>
             <a:rect b="b" l="l" r="r" t="t"/>
@@ -1195,7 +1192,7 @@
       </p:grpSpPr>
       <p:sp>
         <p:nvSpPr>
-          <p:cNvPr id="197" name="Google Shape;197;g38e2c4947a4_0_288:notes"/>
+          <p:cNvPr id="197" name="Google Shape;197;g38e2c4947a4_0_48:notes"/>
           <p:cNvSpPr txBox="1"/>
           <p:nvPr>
             <p:ph idx="1" type="body"/>
@@ -1209,6 +1206,10 @@
           <a:prstGeom prst="rect">
             <a:avLst/>
           </a:prstGeom>
+          <a:noFill/>
+          <a:ln>
+            <a:noFill/>
+          </a:ln>
         </p:spPr>
         <p:txBody>
           <a:bodyPr anchorCtr="0" anchor="t" bIns="91425" lIns="91425" spcFirstLastPara="1" rIns="91425" wrap="square" tIns="91425">
@@ -1217,12 +1218,16 @@
           <a:lstStyle/>
           <a:p>
             <a:pPr indent="0" lvl="0" marL="0" rtl="0" algn="l">
-              <a:spcBef>
-                <a:spcPts val="0"/>
-              </a:spcBef>
-              <a:spcAft>
-                <a:spcPts val="0"/>
-              </a:spcAft>
+              <a:lnSpc>
+                <a:spcPct val="100000"/>
+              </a:lnSpc>
+              <a:spcBef>
+                <a:spcPts val="0"/>
+              </a:spcBef>
+              <a:spcAft>
+                <a:spcPts val="0"/>
+              </a:spcAft>
+              <a:buSzPts val="1100"/>
               <a:buNone/>
             </a:pPr>
             <a:r>
@@ -1234,7 +1239,7 @@
       </p:sp>
       <p:sp>
         <p:nvSpPr>
-          <p:cNvPr id="198" name="Google Shape;198;g38e2c4947a4_0_288:notes"/>
+          <p:cNvPr id="198" name="Google Shape;198;g38e2c4947a4_0_48:notes"/>
           <p:cNvSpPr/>
           <p:nvPr>
             <p:ph idx="2" type="sldImg"/>
@@ -1265,6 +1270,16 @@
               </a:path>
             </a:pathLst>
           </a:custGeom>
+          <a:noFill/>
+          <a:ln cap="flat" cmpd="sng" w="9525">
+            <a:solidFill>
+              <a:srgbClr val="000000"/>
+            </a:solidFill>
+            <a:prstDash val="solid"/>
+            <a:round/>
+            <a:headEnd len="sm" w="sm" type="none"/>
+            <a:tailEnd len="sm" w="sm" type="none"/>
+          </a:ln>
         </p:spPr>
       </p:sp>
     </p:spTree>
@@ -1294,304 +1309,7 @@
       </p:grpSpPr>
       <p:sp>
         <p:nvSpPr>
-          <p:cNvPr id="204" name="Google Shape;204;g38e2c4947a4_0_208:notes"/>
-          <p:cNvSpPr txBox="1"/>
-          <p:nvPr>
-            <p:ph idx="1" type="body"/>
-          </p:nvPr>
-        </p:nvSpPr>
-        <p:spPr>
-          <a:xfrm>
-            <a:off x="685800" y="4343400"/>
-            <a:ext cx="5486400" cy="4114800"/>
-          </a:xfrm>
-          <a:prstGeom prst="rect">
-            <a:avLst/>
-          </a:prstGeom>
-        </p:spPr>
-        <p:txBody>
-          <a:bodyPr anchorCtr="0" anchor="t" bIns="91425" lIns="91425" spcFirstLastPara="1" rIns="91425" wrap="square" tIns="91425">
-            <a:noAutofit/>
-          </a:bodyPr>
-          <a:lstStyle/>
-          <a:p>
-            <a:pPr indent="0" lvl="0" marL="0" rtl="0" algn="l">
-              <a:spcBef>
-                <a:spcPts val="0"/>
-              </a:spcBef>
-              <a:spcAft>
-                <a:spcPts val="0"/>
-              </a:spcAft>
-              <a:buNone/>
-            </a:pPr>
-            <a:r>
-              <a:t/>
-            </a:r>
-            <a:endParaRPr/>
-          </a:p>
-        </p:txBody>
-      </p:sp>
-      <p:sp>
-        <p:nvSpPr>
-          <p:cNvPr id="205" name="Google Shape;205;g38e2c4947a4_0_208:notes"/>
-          <p:cNvSpPr/>
-          <p:nvPr>
-            <p:ph idx="2" type="sldImg"/>
-          </p:nvPr>
-        </p:nvSpPr>
-        <p:spPr>
-          <a:xfrm>
-            <a:off x="1143225" y="685800"/>
-            <a:ext cx="4572300" cy="3429000"/>
-          </a:xfrm>
-          <a:custGeom>
-            <a:rect b="b" l="l" r="r" t="t"/>
-            <a:pathLst>
-              <a:path extrusionOk="0" h="120000" w="120000">
-                <a:moveTo>
-                  <a:pt x="0" y="0"/>
-                </a:moveTo>
-                <a:lnTo>
-                  <a:pt x="120000" y="0"/>
-                </a:lnTo>
-                <a:lnTo>
-                  <a:pt x="120000" y="120000"/>
-                </a:lnTo>
-                <a:lnTo>
-                  <a:pt x="0" y="120000"/>
-                </a:lnTo>
-                <a:close/>
-              </a:path>
-            </a:pathLst>
-          </a:custGeom>
-        </p:spPr>
-      </p:sp>
-    </p:spTree>
-  </p:cSld>
-  <p:clrMapOvr>
-    <a:masterClrMapping/>
-  </p:clrMapOvr>
-</p:notes>
-</file>
-
-<file path=ppt/notesSlides/notesSlide14.xml><?xml version="1.0" encoding="utf-8"?>
-<p:notes xmlns:a="http://schemas.openxmlformats.org/drawingml/2006/main" xmlns:r="http://schemas.openxmlformats.org/officeDocument/2006/relationships" xmlns:mc="http://schemas.openxmlformats.org/markup-compatibility/2006" xmlns:mv="urn:schemas-microsoft-com:mac:vml" xmlns:p="http://schemas.openxmlformats.org/presentationml/2006/main" xmlns:c="http://schemas.openxmlformats.org/drawingml/2006/chart" xmlns:dgm="http://schemas.openxmlformats.org/drawingml/2006/diagram" xmlns:o="urn:schemas-microsoft-com:office:office" xmlns:v="urn:schemas-microsoft-com:vml" xmlns:pvml="urn:schemas-microsoft-com:office:powerpoint" xmlns:com="http://schemas.openxmlformats.org/drawingml/2006/compatibility" xmlns:p14="http://schemas.microsoft.com/office/powerpoint/2010/main" xmlns:p15="http://schemas.microsoft.com/office/powerpoint/2012/main" xmlns:ahyp="http://schemas.microsoft.com/office/drawing/2018/hyperlinkcolor" showMasterPhAnim="0" showMasterSp="0">
-  <p:cSld>
-    <p:spTree>
-      <p:nvGrpSpPr>
-        <p:cNvPr id="210" name="Shape 210"/>
-        <p:cNvGrpSpPr/>
-        <p:nvPr/>
-      </p:nvGrpSpPr>
-      <p:grpSpPr>
-        <a:xfrm>
-          <a:off x="0" y="0"/>
-          <a:ext cx="0" cy="0"/>
-          <a:chOff x="0" y="0"/>
-          <a:chExt cx="0" cy="0"/>
-        </a:xfrm>
-      </p:grpSpPr>
-      <p:sp>
-        <p:nvSpPr>
-          <p:cNvPr id="211" name="Google Shape;211;g38e2c4947a4_0_128:notes"/>
-          <p:cNvSpPr txBox="1"/>
-          <p:nvPr>
-            <p:ph idx="1" type="body"/>
-          </p:nvPr>
-        </p:nvSpPr>
-        <p:spPr>
-          <a:xfrm>
-            <a:off x="685800" y="4343400"/>
-            <a:ext cx="5486400" cy="4114800"/>
-          </a:xfrm>
-          <a:prstGeom prst="rect">
-            <a:avLst/>
-          </a:prstGeom>
-        </p:spPr>
-        <p:txBody>
-          <a:bodyPr anchorCtr="0" anchor="t" bIns="91425" lIns="91425" spcFirstLastPara="1" rIns="91425" wrap="square" tIns="91425">
-            <a:noAutofit/>
-          </a:bodyPr>
-          <a:lstStyle/>
-          <a:p>
-            <a:pPr indent="0" lvl="0" marL="0" rtl="0" algn="l">
-              <a:spcBef>
-                <a:spcPts val="0"/>
-              </a:spcBef>
-              <a:spcAft>
-                <a:spcPts val="0"/>
-              </a:spcAft>
-              <a:buNone/>
-            </a:pPr>
-            <a:r>
-              <a:t/>
-            </a:r>
-            <a:endParaRPr/>
-          </a:p>
-        </p:txBody>
-      </p:sp>
-      <p:sp>
-        <p:nvSpPr>
-          <p:cNvPr id="212" name="Google Shape;212;g38e2c4947a4_0_128:notes"/>
-          <p:cNvSpPr/>
-          <p:nvPr>
-            <p:ph idx="2" type="sldImg"/>
-          </p:nvPr>
-        </p:nvSpPr>
-        <p:spPr>
-          <a:xfrm>
-            <a:off x="1143225" y="685800"/>
-            <a:ext cx="4572300" cy="3429000"/>
-          </a:xfrm>
-          <a:custGeom>
-            <a:rect b="b" l="l" r="r" t="t"/>
-            <a:pathLst>
-              <a:path extrusionOk="0" h="120000" w="120000">
-                <a:moveTo>
-                  <a:pt x="0" y="0"/>
-                </a:moveTo>
-                <a:lnTo>
-                  <a:pt x="120000" y="0"/>
-                </a:lnTo>
-                <a:lnTo>
-                  <a:pt x="120000" y="120000"/>
-                </a:lnTo>
-                <a:lnTo>
-                  <a:pt x="0" y="120000"/>
-                </a:lnTo>
-                <a:close/>
-              </a:path>
-            </a:pathLst>
-          </a:custGeom>
-        </p:spPr>
-      </p:sp>
-    </p:spTree>
-  </p:cSld>
-  <p:clrMapOvr>
-    <a:masterClrMapping/>
-  </p:clrMapOvr>
-</p:notes>
-</file>
-
-<file path=ppt/notesSlides/notesSlide15.xml><?xml version="1.0" encoding="utf-8"?>
-<p:notes xmlns:a="http://schemas.openxmlformats.org/drawingml/2006/main" xmlns:r="http://schemas.openxmlformats.org/officeDocument/2006/relationships" xmlns:mc="http://schemas.openxmlformats.org/markup-compatibility/2006" xmlns:mv="urn:schemas-microsoft-com:mac:vml" xmlns:p="http://schemas.openxmlformats.org/presentationml/2006/main" xmlns:c="http://schemas.openxmlformats.org/drawingml/2006/chart" xmlns:dgm="http://schemas.openxmlformats.org/drawingml/2006/diagram" xmlns:o="urn:schemas-microsoft-com:office:office" xmlns:v="urn:schemas-microsoft-com:vml" xmlns:pvml="urn:schemas-microsoft-com:office:powerpoint" xmlns:com="http://schemas.openxmlformats.org/drawingml/2006/compatibility" xmlns:p14="http://schemas.microsoft.com/office/powerpoint/2010/main" xmlns:p15="http://schemas.microsoft.com/office/powerpoint/2012/main" xmlns:ahyp="http://schemas.microsoft.com/office/drawing/2018/hyperlinkcolor" showMasterPhAnim="0" showMasterSp="0">
-  <p:cSld>
-    <p:spTree>
-      <p:nvGrpSpPr>
-        <p:cNvPr id="218" name="Shape 218"/>
-        <p:cNvGrpSpPr/>
-        <p:nvPr/>
-      </p:nvGrpSpPr>
-      <p:grpSpPr>
-        <a:xfrm>
-          <a:off x="0" y="0"/>
-          <a:ext cx="0" cy="0"/>
-          <a:chOff x="0" y="0"/>
-          <a:chExt cx="0" cy="0"/>
-        </a:xfrm>
-      </p:grpSpPr>
-      <p:sp>
-        <p:nvSpPr>
-          <p:cNvPr id="219" name="Google Shape;219;g38e2c4947a4_0_48:notes"/>
-          <p:cNvSpPr txBox="1"/>
-          <p:nvPr>
-            <p:ph idx="1" type="body"/>
-          </p:nvPr>
-        </p:nvSpPr>
-        <p:spPr>
-          <a:xfrm>
-            <a:off x="685800" y="4343400"/>
-            <a:ext cx="5486400" cy="4114800"/>
-          </a:xfrm>
-          <a:prstGeom prst="rect">
-            <a:avLst/>
-          </a:prstGeom>
-        </p:spPr>
-        <p:txBody>
-          <a:bodyPr anchorCtr="0" anchor="t" bIns="91425" lIns="91425" spcFirstLastPara="1" rIns="91425" wrap="square" tIns="91425">
-            <a:noAutofit/>
-          </a:bodyPr>
-          <a:lstStyle/>
-          <a:p>
-            <a:pPr indent="0" lvl="0" marL="0" rtl="0" algn="l">
-              <a:spcBef>
-                <a:spcPts val="0"/>
-              </a:spcBef>
-              <a:spcAft>
-                <a:spcPts val="0"/>
-              </a:spcAft>
-              <a:buNone/>
-            </a:pPr>
-            <a:r>
-              <a:t/>
-            </a:r>
-            <a:endParaRPr/>
-          </a:p>
-        </p:txBody>
-      </p:sp>
-      <p:sp>
-        <p:nvSpPr>
-          <p:cNvPr id="220" name="Google Shape;220;g38e2c4947a4_0_48:notes"/>
-          <p:cNvSpPr/>
-          <p:nvPr>
-            <p:ph idx="2" type="sldImg"/>
-          </p:nvPr>
-        </p:nvSpPr>
-        <p:spPr>
-          <a:xfrm>
-            <a:off x="1143225" y="685800"/>
-            <a:ext cx="4572300" cy="3429000"/>
-          </a:xfrm>
-          <a:custGeom>
-            <a:rect b="b" l="l" r="r" t="t"/>
-            <a:pathLst>
-              <a:path extrusionOk="0" h="120000" w="120000">
-                <a:moveTo>
-                  <a:pt x="0" y="0"/>
-                </a:moveTo>
-                <a:lnTo>
-                  <a:pt x="120000" y="0"/>
-                </a:lnTo>
-                <a:lnTo>
-                  <a:pt x="120000" y="120000"/>
-                </a:lnTo>
-                <a:lnTo>
-                  <a:pt x="0" y="120000"/>
-                </a:lnTo>
-                <a:close/>
-              </a:path>
-            </a:pathLst>
-          </a:custGeom>
-        </p:spPr>
-      </p:sp>
-    </p:spTree>
-  </p:cSld>
-  <p:clrMapOvr>
-    <a:masterClrMapping/>
-  </p:clrMapOvr>
-</p:notes>
-</file>
-
-<file path=ppt/notesSlides/notesSlide16.xml><?xml version="1.0" encoding="utf-8"?>
-<p:notes xmlns:a="http://schemas.openxmlformats.org/drawingml/2006/main" xmlns:r="http://schemas.openxmlformats.org/officeDocument/2006/relationships" xmlns:mc="http://schemas.openxmlformats.org/markup-compatibility/2006" xmlns:mv="urn:schemas-microsoft-com:mac:vml" xmlns:p="http://schemas.openxmlformats.org/presentationml/2006/main" xmlns:c="http://schemas.openxmlformats.org/drawingml/2006/chart" xmlns:dgm="http://schemas.openxmlformats.org/drawingml/2006/diagram" xmlns:o="urn:schemas-microsoft-com:office:office" xmlns:v="urn:schemas-microsoft-com:vml" xmlns:pvml="urn:schemas-microsoft-com:office:powerpoint" xmlns:com="http://schemas.openxmlformats.org/drawingml/2006/compatibility" xmlns:p14="http://schemas.microsoft.com/office/powerpoint/2010/main" xmlns:p15="http://schemas.microsoft.com/office/powerpoint/2012/main" xmlns:ahyp="http://schemas.microsoft.com/office/drawing/2018/hyperlinkcolor" showMasterPhAnim="0" showMasterSp="0">
-  <p:cSld>
-    <p:spTree>
-      <p:nvGrpSpPr>
-        <p:cNvPr id="225" name="Shape 225"/>
-        <p:cNvGrpSpPr/>
-        <p:nvPr/>
-      </p:nvGrpSpPr>
-      <p:grpSpPr>
-        <a:xfrm>
-          <a:off x="0" y="0"/>
-          <a:ext cx="0" cy="0"/>
-          <a:chOff x="0" y="0"/>
-          <a:chExt cx="0" cy="0"/>
-        </a:xfrm>
-      </p:grpSpPr>
-      <p:sp>
-        <p:nvSpPr>
-          <p:cNvPr id="226" name="Google Shape;226;p14:notes"/>
+          <p:cNvPr id="204" name="Google Shape;204;p14:notes"/>
           <p:cNvSpPr txBox="1"/>
           <p:nvPr>
             <p:ph idx="1" type="body"/>
@@ -1638,7 +1356,7 @@
       </p:sp>
       <p:sp>
         <p:nvSpPr>
-          <p:cNvPr id="227" name="Google Shape;227;p14:notes"/>
+          <p:cNvPr id="205" name="Google Shape;205;p14:notes"/>
           <p:cNvSpPr/>
           <p:nvPr>
             <p:ph idx="2" type="sldImg"/>
@@ -2059,7 +1777,7 @@
       </p:grpSpPr>
       <p:sp>
         <p:nvSpPr>
-          <p:cNvPr id="126" name="Google Shape;126;g38e28c1fc90_0_0:notes"/>
+          <p:cNvPr id="126" name="Google Shape;126;g38e2c4947a4_0_0:notes"/>
           <p:cNvSpPr txBox="1"/>
           <p:nvPr>
             <p:ph idx="1" type="body"/>
@@ -2106,7 +1824,7 @@
       </p:sp>
       <p:sp>
         <p:nvSpPr>
-          <p:cNvPr id="127" name="Google Shape;127;g38e28c1fc90_0_0:notes"/>
+          <p:cNvPr id="127" name="Google Shape;127;g38e2c4947a4_0_0:notes"/>
           <p:cNvSpPr/>
           <p:nvPr>
             <p:ph idx="2" type="sldImg"/>
@@ -2162,7 +1880,7 @@
   <p:cSld>
     <p:spTree>
       <p:nvGrpSpPr>
-        <p:cNvPr id="134" name="Shape 134"/>
+        <p:cNvPr id="137" name="Shape 137"/>
         <p:cNvGrpSpPr/>
         <p:nvPr/>
       </p:nvGrpSpPr>
@@ -2176,7 +1894,7 @@
       </p:grpSpPr>
       <p:sp>
         <p:nvSpPr>
-          <p:cNvPr id="135" name="Google Shape;135;g38e2c4947a4_0_0:notes"/>
+          <p:cNvPr id="138" name="Google Shape;138;g37c31d335ee_0_63:notes"/>
           <p:cNvSpPr txBox="1"/>
           <p:nvPr>
             <p:ph idx="1" type="body"/>
@@ -2223,7 +1941,7 @@
       </p:sp>
       <p:sp>
         <p:nvSpPr>
-          <p:cNvPr id="136" name="Google Shape;136;g38e2c4947a4_0_0:notes"/>
+          <p:cNvPr id="139" name="Google Shape;139;g37c31d335ee_0_63:notes"/>
           <p:cNvSpPr/>
           <p:nvPr>
             <p:ph idx="2" type="sldImg"/>
@@ -2279,7 +1997,7 @@
   <p:cSld>
     <p:spTree>
       <p:nvGrpSpPr>
-        <p:cNvPr id="143" name="Shape 143"/>
+        <p:cNvPr id="146" name="Shape 146"/>
         <p:cNvGrpSpPr/>
         <p:nvPr/>
       </p:nvGrpSpPr>
@@ -2293,7 +2011,7 @@
       </p:grpSpPr>
       <p:sp>
         <p:nvSpPr>
-          <p:cNvPr id="144" name="Google Shape;144;g37c31d335ee_0_63:notes"/>
+          <p:cNvPr id="147" name="Google Shape;147;g38e2c4947a4_0_385:notes"/>
           <p:cNvSpPr txBox="1"/>
           <p:nvPr>
             <p:ph idx="1" type="body"/>
@@ -2340,7 +2058,7 @@
       </p:sp>
       <p:sp>
         <p:nvSpPr>
-          <p:cNvPr id="145" name="Google Shape;145;g37c31d335ee_0_63:notes"/>
+          <p:cNvPr id="148" name="Google Shape;148;g38e2c4947a4_0_385:notes"/>
           <p:cNvSpPr/>
           <p:nvPr>
             <p:ph idx="2" type="sldImg"/>
@@ -2396,7 +2114,7 @@
   <p:cSld>
     <p:spTree>
       <p:nvGrpSpPr>
-        <p:cNvPr id="152" name="Shape 152"/>
+        <p:cNvPr id="155" name="Shape 155"/>
         <p:cNvGrpSpPr/>
         <p:nvPr/>
       </p:nvGrpSpPr>
@@ -2410,7 +2128,7 @@
       </p:grpSpPr>
       <p:sp>
         <p:nvSpPr>
-          <p:cNvPr id="153" name="Google Shape;153;g38e2c4947a4_0_385:notes"/>
+          <p:cNvPr id="156" name="Google Shape;156;p8:notes"/>
           <p:cNvSpPr txBox="1"/>
           <p:nvPr>
             <p:ph idx="1" type="body"/>
@@ -2457,7 +2175,7 @@
       </p:sp>
       <p:sp>
         <p:nvSpPr>
-          <p:cNvPr id="154" name="Google Shape;154;g38e2c4947a4_0_385:notes"/>
+          <p:cNvPr id="157" name="Google Shape;157;p8:notes"/>
           <p:cNvSpPr/>
           <p:nvPr>
             <p:ph idx="2" type="sldImg"/>
@@ -2466,7 +2184,7 @@
         <p:spPr>
           <a:xfrm>
             <a:off x="1143225" y="685800"/>
-            <a:ext cx="4572300" cy="3429000"/>
+            <a:ext cx="4572225" cy="3429000"/>
           </a:xfrm>
           <a:custGeom>
             <a:rect b="b" l="l" r="r" t="t"/>
@@ -2513,7 +2231,7 @@
   <p:cSld>
     <p:spTree>
       <p:nvGrpSpPr>
-        <p:cNvPr id="162" name="Shape 162"/>
+        <p:cNvPr id="165" name="Shape 165"/>
         <p:cNvGrpSpPr/>
         <p:nvPr/>
       </p:nvGrpSpPr>
@@ -2527,7 +2245,7 @@
       </p:grpSpPr>
       <p:sp>
         <p:nvSpPr>
-          <p:cNvPr id="163" name="Google Shape;163;g38e2c4947a4_0_20:notes"/>
+          <p:cNvPr id="166" name="Google Shape;166;g39d9aee7fe7_0_0:notes"/>
           <p:cNvSpPr txBox="1"/>
           <p:nvPr>
             <p:ph idx="1" type="body"/>
@@ -2574,7 +2292,7 @@
       </p:sp>
       <p:sp>
         <p:nvSpPr>
-          <p:cNvPr id="164" name="Google Shape;164;g38e2c4947a4_0_20:notes"/>
+          <p:cNvPr id="167" name="Google Shape;167;g39d9aee7fe7_0_0:notes"/>
           <p:cNvSpPr/>
           <p:nvPr>
             <p:ph idx="2" type="sldImg"/>
@@ -15956,7 +15674,7 @@
   <p:cSld>
     <p:spTree>
       <p:nvGrpSpPr>
-        <p:cNvPr id="176" name="Shape 176"/>
+        <p:cNvPr id="177" name="Shape 177"/>
         <p:cNvGrpSpPr/>
         <p:nvPr/>
       </p:nvGrpSpPr>
@@ -15970,7 +15688,7 @@
       </p:grpSpPr>
       <p:pic>
         <p:nvPicPr>
-          <p:cNvPr descr="EscuelaIT Duoc UC - Escuela de Informática y Telecomunicaciones Duoc UC - Duoc  UC | LinkedIn" id="177" name="Google Shape;177;g38e2c4947a4_0_28"/>
+          <p:cNvPr descr="EscuelaIT Duoc UC - Escuela de Informática y Telecomunicaciones Duoc UC - Duoc  UC | LinkedIn" id="178" name="Google Shape;178;g38e2c4947a4_0_28"/>
           <p:cNvPicPr preferRelativeResize="0"/>
           <p:nvPr/>
         </p:nvPicPr>
@@ -15997,7 +15715,7 @@
       </p:pic>
       <p:sp>
         <p:nvSpPr>
-          <p:cNvPr id="178" name="Google Shape;178;g38e2c4947a4_0_28"/>
+          <p:cNvPr id="179" name="Google Shape;179;g38e2c4947a4_0_28"/>
           <p:cNvSpPr txBox="1"/>
           <p:nvPr/>
         </p:nvSpPr>
@@ -16063,7 +15781,7 @@
       </p:sp>
       <p:sp>
         <p:nvSpPr>
-          <p:cNvPr id="179" name="Google Shape;179;g38e2c4947a4_0_28"/>
+          <p:cNvPr id="180" name="Google Shape;180;g38e2c4947a4_0_28"/>
           <p:cNvSpPr txBox="1"/>
           <p:nvPr/>
         </p:nvSpPr>
@@ -16104,7 +15822,7 @@
               <a:buNone/>
             </a:pPr>
             <a:r>
-              <a:rPr lang="es-MX" sz="3600">
+              <a:rPr b="0" i="0" lang="es-MX" sz="3600" u="none" cap="none" strike="noStrike">
                 <a:solidFill>
                   <a:schemeClr val="dk1"/>
                 </a:solidFill>
@@ -16129,7 +15847,7 @@
       </p:sp>
       <p:cxnSp>
         <p:nvCxnSpPr>
-          <p:cNvPr id="180" name="Google Shape;180;g38e2c4947a4_0_28"/>
+          <p:cNvPr id="181" name="Google Shape;181;g38e2c4947a4_0_28"/>
           <p:cNvCxnSpPr/>
           <p:nvPr/>
         </p:nvCxnSpPr>
@@ -16155,13 +15873,13 @@
       </p:cxnSp>
       <p:sp>
         <p:nvSpPr>
-          <p:cNvPr id="181" name="Google Shape;181;g38e2c4947a4_0_28"/>
+          <p:cNvPr id="182" name="Google Shape;182;g38e2c4947a4_0_28"/>
           <p:cNvSpPr/>
           <p:nvPr/>
         </p:nvSpPr>
         <p:spPr>
           <a:xfrm>
-            <a:off x="1114820" y="2177325"/>
+            <a:off x="936420" y="1978550"/>
             <a:ext cx="10146000" cy="4092600"/>
           </a:xfrm>
           <a:prstGeom prst="roundRect">
@@ -16182,34 +15900,336 @@
           </a:bodyPr>
           <a:lstStyle/>
           <a:p>
-            <a:pPr indent="0" lvl="0" marL="0" rtl="0" algn="l">
+            <a:pPr indent="-355600" lvl="0" marL="457200" marR="0" rtl="0" algn="l">
               <a:lnSpc>
                 <a:spcPct val="115833"/>
               </a:lnSpc>
               <a:spcBef>
-                <a:spcPts val="0"/>
-              </a:spcBef>
-              <a:spcAft>
-                <a:spcPts val="0"/>
-              </a:spcAft>
-              <a:buNone/>
+                <a:spcPts val="800"/>
+              </a:spcBef>
+              <a:spcAft>
+                <a:spcPts val="0"/>
+              </a:spcAft>
+              <a:buClr>
+                <a:schemeClr val="dk1"/>
+              </a:buClr>
+              <a:buSzPts val="2000"/>
+              <a:buFont typeface="Arial"/>
+              <a:buChar char="●"/>
             </a:pPr>
             <a:r>
-              <a:t/>
+              <a:rPr b="0" i="0" lang="es-MX" sz="2000" u="none" cap="none" strike="noStrike">
+                <a:solidFill>
+                  <a:schemeClr val="dk1"/>
+                </a:solidFill>
+                <a:latin typeface="Arial"/>
+                <a:ea typeface="Arial"/>
+                <a:cs typeface="Arial"/>
+                <a:sym typeface="Arial"/>
+              </a:rPr>
+              <a:t>Frontend</a:t>
             </a:r>
-            <a:endParaRPr sz="1800">
+            <a:r>
+              <a:rPr b="0" i="0" lang="es-MX" sz="2000" u="none" cap="none" strike="noStrike">
+                <a:solidFill>
+                  <a:schemeClr val="dk1"/>
+                </a:solidFill>
+                <a:latin typeface="Arial"/>
+                <a:ea typeface="Arial"/>
+                <a:cs typeface="Arial"/>
+                <a:sym typeface="Arial"/>
+              </a:rPr>
+              <a:t>: React + Vite</a:t>
+            </a:r>
+            <a:endParaRPr b="0" i="0" sz="2000" u="none" cap="none" strike="noStrike">
+              <a:solidFill>
+                <a:schemeClr val="dk1"/>
+              </a:solidFill>
+              <a:latin typeface="Arial"/>
+              <a:ea typeface="Arial"/>
+              <a:cs typeface="Arial"/>
+              <a:sym typeface="Arial"/>
+            </a:endParaRPr>
+          </a:p>
+          <a:p>
+            <a:pPr indent="-355600" lvl="0" marL="457200" marR="0" rtl="0" algn="l">
+              <a:lnSpc>
+                <a:spcPct val="115833"/>
+              </a:lnSpc>
+              <a:spcBef>
+                <a:spcPts val="0"/>
+              </a:spcBef>
+              <a:spcAft>
+                <a:spcPts val="0"/>
+              </a:spcAft>
+              <a:buClr>
+                <a:schemeClr val="dk1"/>
+              </a:buClr>
+              <a:buSzPts val="2000"/>
+              <a:buFont typeface="Arial"/>
+              <a:buChar char="●"/>
+            </a:pPr>
+            <a:r>
+              <a:rPr b="0" i="0" lang="es-MX" sz="2000" u="none" cap="none" strike="noStrike">
+                <a:solidFill>
+                  <a:schemeClr val="dk1"/>
+                </a:solidFill>
+                <a:latin typeface="Arial"/>
+                <a:ea typeface="Arial"/>
+                <a:cs typeface="Arial"/>
+                <a:sym typeface="Arial"/>
+              </a:rPr>
+              <a:t>Backend: Java/Spring Boot/REST</a:t>
+            </a:r>
+            <a:endParaRPr b="0" i="0" sz="2000" u="none" cap="none" strike="noStrike">
+              <a:solidFill>
+                <a:schemeClr val="dk1"/>
+              </a:solidFill>
+              <a:latin typeface="Arial"/>
+              <a:ea typeface="Arial"/>
+              <a:cs typeface="Arial"/>
+              <a:sym typeface="Arial"/>
+            </a:endParaRPr>
+          </a:p>
+          <a:p>
+            <a:pPr indent="-355600" lvl="0" marL="457200" marR="0" rtl="0" algn="l">
+              <a:lnSpc>
+                <a:spcPct val="115833"/>
+              </a:lnSpc>
+              <a:spcBef>
+                <a:spcPts val="0"/>
+              </a:spcBef>
+              <a:spcAft>
+                <a:spcPts val="0"/>
+              </a:spcAft>
+              <a:buClr>
+                <a:schemeClr val="dk1"/>
+              </a:buClr>
+              <a:buSzPts val="2000"/>
+              <a:buFont typeface="Arial"/>
+              <a:buChar char="●"/>
+            </a:pPr>
+            <a:r>
+              <a:rPr b="0" i="0" lang="es-MX" sz="2000" u="none" cap="none" strike="noStrike">
+                <a:solidFill>
+                  <a:schemeClr val="dk1"/>
+                </a:solidFill>
+                <a:latin typeface="Arial"/>
+                <a:ea typeface="Arial"/>
+                <a:cs typeface="Arial"/>
+                <a:sym typeface="Arial"/>
+              </a:rPr>
+              <a:t>BD: PostgreSQL</a:t>
+            </a:r>
+            <a:endParaRPr b="0" i="0" sz="2000" u="none" cap="none" strike="noStrike">
+              <a:solidFill>
+                <a:schemeClr val="dk1"/>
+              </a:solidFill>
+              <a:latin typeface="Arial"/>
+              <a:ea typeface="Arial"/>
+              <a:cs typeface="Arial"/>
+              <a:sym typeface="Arial"/>
+            </a:endParaRPr>
+          </a:p>
+          <a:p>
+            <a:pPr indent="-355600" lvl="0" marL="457200" marR="0" rtl="0" algn="l">
+              <a:lnSpc>
+                <a:spcPct val="115833"/>
+              </a:lnSpc>
+              <a:spcBef>
+                <a:spcPts val="0"/>
+              </a:spcBef>
+              <a:spcAft>
+                <a:spcPts val="0"/>
+              </a:spcAft>
+              <a:buClr>
+                <a:schemeClr val="dk1"/>
+              </a:buClr>
+              <a:buSzPts val="2000"/>
+              <a:buFont typeface="Arial"/>
+              <a:buChar char="●"/>
+            </a:pPr>
+            <a:r>
+              <a:rPr b="0" i="0" lang="es-MX" sz="2000" u="none" cap="none" strike="noStrike">
+                <a:solidFill>
+                  <a:schemeClr val="dk1"/>
+                </a:solidFill>
+                <a:latin typeface="Arial"/>
+                <a:ea typeface="Arial"/>
+                <a:cs typeface="Arial"/>
+                <a:sym typeface="Arial"/>
+              </a:rPr>
+              <a:t>Infraestructura: GCP</a:t>
+            </a:r>
+            <a:endParaRPr b="0" i="0" sz="2000" u="none" cap="none" strike="noStrike">
+              <a:solidFill>
+                <a:schemeClr val="dk1"/>
+              </a:solidFill>
+              <a:latin typeface="Arial"/>
+              <a:ea typeface="Arial"/>
+              <a:cs typeface="Arial"/>
+              <a:sym typeface="Arial"/>
+            </a:endParaRPr>
+          </a:p>
+          <a:p>
+            <a:pPr indent="-355600" lvl="0" marL="457200" marR="0" rtl="0" algn="l">
+              <a:lnSpc>
+                <a:spcPct val="115833"/>
+              </a:lnSpc>
+              <a:spcBef>
+                <a:spcPts val="0"/>
+              </a:spcBef>
+              <a:spcAft>
+                <a:spcPts val="0"/>
+              </a:spcAft>
+              <a:buClr>
+                <a:schemeClr val="dk1"/>
+              </a:buClr>
+              <a:buSzPts val="2000"/>
+              <a:buFont typeface="Arial"/>
+              <a:buChar char="●"/>
+            </a:pPr>
+            <a:r>
+              <a:rPr b="0" i="0" lang="es-MX" sz="2000" u="none" cap="none" strike="noStrike">
+                <a:solidFill>
+                  <a:schemeClr val="dk1"/>
+                </a:solidFill>
+                <a:latin typeface="Arial"/>
+                <a:ea typeface="Arial"/>
+                <a:cs typeface="Arial"/>
+                <a:sym typeface="Arial"/>
+              </a:rPr>
+              <a:t>Testing y QA: Mockito</a:t>
+            </a:r>
+            <a:endParaRPr b="0" i="0" sz="2000" u="none" cap="none" strike="noStrike">
+              <a:solidFill>
+                <a:schemeClr val="dk1"/>
+              </a:solidFill>
+              <a:latin typeface="Arial"/>
+              <a:ea typeface="Arial"/>
+              <a:cs typeface="Arial"/>
+              <a:sym typeface="Arial"/>
+            </a:endParaRPr>
+          </a:p>
+          <a:p>
+            <a:pPr indent="-355600" lvl="0" marL="457200" marR="0" rtl="0" algn="l">
+              <a:lnSpc>
+                <a:spcPct val="115833"/>
+              </a:lnSpc>
+              <a:spcBef>
+                <a:spcPts val="0"/>
+              </a:spcBef>
+              <a:spcAft>
+                <a:spcPts val="0"/>
+              </a:spcAft>
+              <a:buClr>
+                <a:schemeClr val="dk1"/>
+              </a:buClr>
+              <a:buSzPts val="2000"/>
+              <a:buFont typeface="Arial"/>
+              <a:buChar char="●"/>
+            </a:pPr>
+            <a:r>
+              <a:rPr b="0" i="0" lang="es-MX" sz="2000" u="none" cap="none" strike="noStrike">
+                <a:solidFill>
+                  <a:schemeClr val="dk1"/>
+                </a:solidFill>
+                <a:latin typeface="Arial"/>
+                <a:ea typeface="Arial"/>
+                <a:cs typeface="Arial"/>
+                <a:sym typeface="Arial"/>
+              </a:rPr>
+              <a:t>Control de versiones: GIT + GitHub/Git Kraken</a:t>
+            </a:r>
+            <a:endParaRPr b="0" i="0" sz="2000" u="none" cap="none" strike="noStrike">
+              <a:solidFill>
+                <a:schemeClr val="dk1"/>
+              </a:solidFill>
+              <a:latin typeface="Arial"/>
+              <a:ea typeface="Arial"/>
+              <a:cs typeface="Arial"/>
+              <a:sym typeface="Arial"/>
+            </a:endParaRPr>
+          </a:p>
+          <a:p>
+            <a:pPr indent="-355600" lvl="0" marL="457200" marR="0" rtl="0" algn="l">
+              <a:lnSpc>
+                <a:spcPct val="115833"/>
+              </a:lnSpc>
+              <a:spcBef>
+                <a:spcPts val="0"/>
+              </a:spcBef>
+              <a:spcAft>
+                <a:spcPts val="0"/>
+              </a:spcAft>
+              <a:buClr>
+                <a:schemeClr val="dk1"/>
+              </a:buClr>
+              <a:buSzPts val="2000"/>
+              <a:buFont typeface="Arial"/>
+              <a:buChar char="●"/>
+            </a:pPr>
+            <a:r>
+              <a:rPr b="0" i="0" lang="es-MX" sz="2000" u="none" cap="none" strike="noStrike">
+                <a:solidFill>
+                  <a:schemeClr val="dk1"/>
+                </a:solidFill>
+                <a:latin typeface="Arial"/>
+                <a:ea typeface="Arial"/>
+                <a:cs typeface="Arial"/>
+                <a:sym typeface="Arial"/>
+              </a:rPr>
+              <a:t>OpenAI + Langchain</a:t>
+            </a:r>
+            <a:endParaRPr b="0" i="0" sz="2000" u="none" cap="none" strike="noStrike">
+              <a:solidFill>
+                <a:schemeClr val="dk1"/>
+              </a:solidFill>
+              <a:latin typeface="Arial"/>
+              <a:ea typeface="Arial"/>
+              <a:cs typeface="Arial"/>
+              <a:sym typeface="Arial"/>
+            </a:endParaRPr>
+          </a:p>
+          <a:p>
+            <a:pPr indent="-355600" lvl="0" marL="457200" marR="0" rtl="0" algn="l">
+              <a:lnSpc>
+                <a:spcPct val="115833"/>
+              </a:lnSpc>
+              <a:spcBef>
+                <a:spcPts val="0"/>
+              </a:spcBef>
+              <a:spcAft>
+                <a:spcPts val="0"/>
+              </a:spcAft>
+              <a:buClr>
+                <a:schemeClr val="dk1"/>
+              </a:buClr>
+              <a:buSzPts val="2000"/>
+              <a:buFont typeface="Arial"/>
+              <a:buChar char="●"/>
+            </a:pPr>
+            <a:r>
+              <a:rPr lang="es-MX" sz="2000">
+                <a:solidFill>
+                  <a:schemeClr val="dk1"/>
+                </a:solidFill>
+              </a:rPr>
+              <a:t>FIGMA</a:t>
+            </a:r>
+            <a:endParaRPr sz="2000">
               <a:solidFill>
                 <a:schemeClr val="dk1"/>
               </a:solidFill>
             </a:endParaRPr>
           </a:p>
           <a:p>
-            <a:pPr indent="-355600" lvl="0" marL="457200" rtl="0" algn="l">
+            <a:pPr indent="-355600" lvl="0" marL="457200" marR="0" rtl="0" algn="l">
               <a:lnSpc>
                 <a:spcPct val="115833"/>
               </a:lnSpc>
               <a:spcBef>
-                <a:spcPts val="800"/>
+                <a:spcPts val="0"/>
               </a:spcBef>
               <a:spcAft>
                 <a:spcPts val="0"/>
@@ -16226,162 +16246,7 @@
                   <a:schemeClr val="dk1"/>
                 </a:solidFill>
               </a:rPr>
-              <a:t>Frontend: React + Vite</a:t>
-            </a:r>
-            <a:endParaRPr sz="2000">
-              <a:solidFill>
-                <a:schemeClr val="dk1"/>
-              </a:solidFill>
-            </a:endParaRPr>
-          </a:p>
-          <a:p>
-            <a:pPr indent="-355600" lvl="0" marL="457200" rtl="0" algn="l">
-              <a:lnSpc>
-                <a:spcPct val="115833"/>
-              </a:lnSpc>
-              <a:spcBef>
-                <a:spcPts val="0"/>
-              </a:spcBef>
-              <a:spcAft>
-                <a:spcPts val="0"/>
-              </a:spcAft>
-              <a:buClr>
-                <a:schemeClr val="dk1"/>
-              </a:buClr>
-              <a:buSzPts val="2000"/>
-              <a:buChar char="●"/>
-            </a:pPr>
-            <a:r>
-              <a:rPr lang="es-MX" sz="2000">
-                <a:solidFill>
-                  <a:schemeClr val="dk1"/>
-                </a:solidFill>
-              </a:rPr>
-              <a:t>Backend: Java/Spring Boot/REST</a:t>
-            </a:r>
-            <a:endParaRPr sz="2000">
-              <a:solidFill>
-                <a:schemeClr val="dk1"/>
-              </a:solidFill>
-            </a:endParaRPr>
-          </a:p>
-          <a:p>
-            <a:pPr indent="-355600" lvl="0" marL="457200" rtl="0" algn="l">
-              <a:lnSpc>
-                <a:spcPct val="115833"/>
-              </a:lnSpc>
-              <a:spcBef>
-                <a:spcPts val="0"/>
-              </a:spcBef>
-              <a:spcAft>
-                <a:spcPts val="0"/>
-              </a:spcAft>
-              <a:buClr>
-                <a:schemeClr val="dk1"/>
-              </a:buClr>
-              <a:buSzPts val="2000"/>
-              <a:buChar char="●"/>
-            </a:pPr>
-            <a:r>
-              <a:rPr lang="es-MX" sz="2000">
-                <a:solidFill>
-                  <a:schemeClr val="dk1"/>
-                </a:solidFill>
-              </a:rPr>
-              <a:t>BD: PostgreSQL</a:t>
-            </a:r>
-            <a:endParaRPr sz="2000">
-              <a:solidFill>
-                <a:schemeClr val="dk1"/>
-              </a:solidFill>
-            </a:endParaRPr>
-          </a:p>
-          <a:p>
-            <a:pPr indent="-355600" lvl="0" marL="457200" rtl="0" algn="l">
-              <a:lnSpc>
-                <a:spcPct val="115833"/>
-              </a:lnSpc>
-              <a:spcBef>
-                <a:spcPts val="0"/>
-              </a:spcBef>
-              <a:spcAft>
-                <a:spcPts val="0"/>
-              </a:spcAft>
-              <a:buClr>
-                <a:schemeClr val="dk1"/>
-              </a:buClr>
-              <a:buSzPts val="2000"/>
-              <a:buChar char="●"/>
-            </a:pPr>
-            <a:r>
-              <a:rPr lang="es-MX" sz="2000">
-                <a:solidFill>
-                  <a:schemeClr val="dk1"/>
-                </a:solidFill>
-              </a:rPr>
-              <a:t>Infraestructura: GCP</a:t>
-            </a:r>
-            <a:endParaRPr sz="2000">
-              <a:solidFill>
-                <a:schemeClr val="dk1"/>
-              </a:solidFill>
-            </a:endParaRPr>
-          </a:p>
-          <a:p>
-            <a:pPr indent="-355600" lvl="0" marL="457200" rtl="0" algn="l">
-              <a:lnSpc>
-                <a:spcPct val="115833"/>
-              </a:lnSpc>
-              <a:spcBef>
-                <a:spcPts val="0"/>
-              </a:spcBef>
-              <a:spcAft>
-                <a:spcPts val="0"/>
-              </a:spcAft>
-              <a:buClr>
-                <a:schemeClr val="dk1"/>
-              </a:buClr>
-              <a:buSzPts val="2000"/>
-              <a:buChar char="●"/>
-            </a:pPr>
-            <a:r>
-              <a:rPr lang="es-MX" sz="2000">
-                <a:solidFill>
-                  <a:schemeClr val="dk1"/>
-                </a:solidFill>
-              </a:rPr>
-              <a:t>Testing y QA: </a:t>
-            </a:r>
-            <a:endParaRPr sz="2000">
-              <a:solidFill>
-                <a:schemeClr val="dk1"/>
-              </a:solidFill>
-            </a:endParaRPr>
-          </a:p>
-          <a:p>
-            <a:pPr indent="-355600" lvl="0" marL="457200" rtl="0" algn="l">
-              <a:lnSpc>
-                <a:spcPct val="115833"/>
-              </a:lnSpc>
-              <a:spcBef>
-                <a:spcPts val="0"/>
-              </a:spcBef>
-              <a:spcAft>
-                <a:spcPts val="0"/>
-              </a:spcAft>
-              <a:buClr>
-                <a:schemeClr val="dk1"/>
-              </a:buClr>
-              <a:buSzPts val="2000"/>
-              <a:buChar char="●"/>
-            </a:pPr>
-            <a:r>
-              <a:rPr lang="es-MX" sz="2000">
-                <a:solidFill>
-                  <a:schemeClr val="dk1"/>
-                </a:solidFill>
-              </a:rPr>
-              <a:t>Control de versiones: GIT + GitHub/Git Kraken</a:t>
+              <a:t>Trello</a:t>
             </a:r>
             <a:endParaRPr sz="2000">
               <a:solidFill>
@@ -16393,7 +16258,7 @@
       </p:sp>
       <p:pic>
         <p:nvPicPr>
-          <p:cNvPr id="182" name="Google Shape;182;g38e2c4947a4_0_28"/>
+          <p:cNvPr id="183" name="Google Shape;183;g38e2c4947a4_0_28"/>
           <p:cNvPicPr preferRelativeResize="0"/>
           <p:nvPr/>
         </p:nvPicPr>
@@ -16401,7 +16266,7 @@
           <a:blip r:embed="rId4">
             <a:alphaModFix/>
           </a:blip>
-          <a:srcRect b="11335" l="14524" r="18879" t="11343"/>
+          <a:srcRect b="11335" l="14524" r="18878" t="11343"/>
           <a:stretch/>
         </p:blipFill>
         <p:spPr>
@@ -16422,42 +16287,12 @@
       </p:pic>
       <p:pic>
         <p:nvPicPr>
-          <p:cNvPr id="183" name="Google Shape;183;g38e2c4947a4_0_28"/>
-          <p:cNvPicPr preferRelativeResize="0"/>
-          <p:nvPr/>
-        </p:nvPicPr>
-        <p:blipFill>
-          <a:blip r:embed="rId5">
-            <a:alphaModFix/>
-          </a:blip>
-          <a:stretch>
-            <a:fillRect/>
-          </a:stretch>
-        </p:blipFill>
-        <p:spPr>
-          <a:xfrm>
-            <a:off x="10151850" y="3573813"/>
-            <a:ext cx="1108975" cy="1108975"/>
-          </a:xfrm>
-          <a:prstGeom prst="rect">
-            <a:avLst/>
-          </a:prstGeom>
-          <a:solidFill>
-            <a:schemeClr val="lt1"/>
-          </a:solidFill>
-          <a:ln>
-            <a:noFill/>
-          </a:ln>
-        </p:spPr>
-      </p:pic>
-      <p:pic>
-        <p:nvPicPr>
           <p:cNvPr id="184" name="Google Shape;184;g38e2c4947a4_0_28"/>
           <p:cNvPicPr preferRelativeResize="0"/>
           <p:nvPr/>
         </p:nvPicPr>
         <p:blipFill rotWithShape="1">
-          <a:blip r:embed="rId6">
+          <a:blip r:embed="rId5">
             <a:alphaModFix/>
           </a:blip>
           <a:srcRect b="18138" l="12826" r="16661" t="14408"/>
@@ -16486,7 +16321,7 @@
           <p:nvPr/>
         </p:nvPicPr>
         <p:blipFill rotWithShape="1">
-          <a:blip r:embed="rId7">
+          <a:blip r:embed="rId6">
             <a:alphaModFix/>
           </a:blip>
           <a:srcRect b="308" l="14428" r="12364" t="298"/>
@@ -16494,7 +16329,7 @@
         </p:blipFill>
         <p:spPr>
           <a:xfrm>
-            <a:off x="8158075" y="3531816"/>
+            <a:off x="9825400" y="3510841"/>
             <a:ext cx="1673751" cy="1192996"/>
           </a:xfrm>
           <a:prstGeom prst="rect">
@@ -16514,6 +16349,35 @@
           <p:cNvPicPr preferRelativeResize="0"/>
           <p:nvPr/>
         </p:nvPicPr>
+        <p:blipFill rotWithShape="1">
+          <a:blip r:embed="rId7">
+            <a:alphaModFix/>
+          </a:blip>
+          <a:srcRect b="0" l="0" r="0" t="0"/>
+          <a:stretch/>
+        </p:blipFill>
+        <p:spPr>
+          <a:xfrm>
+            <a:off x="5971875" y="5165184"/>
+            <a:ext cx="3141400" cy="989541"/>
+          </a:xfrm>
+          <a:prstGeom prst="rect">
+            <a:avLst/>
+          </a:prstGeom>
+          <a:solidFill>
+            <a:schemeClr val="lt1"/>
+          </a:solidFill>
+          <a:ln>
+            <a:noFill/>
+          </a:ln>
+        </p:spPr>
+      </p:pic>
+      <p:pic>
+        <p:nvPicPr>
+          <p:cNvPr id="187" name="Google Shape;187;g38e2c4947a4_0_28"/>
+          <p:cNvPicPr preferRelativeResize="0"/>
+          <p:nvPr/>
+        </p:nvPicPr>
         <p:blipFill>
           <a:blip r:embed="rId8">
             <a:alphaModFix/>
@@ -16524,8 +16388,38 @@
         </p:blipFill>
         <p:spPr>
           <a:xfrm>
-            <a:off x="5971875" y="5165184"/>
-            <a:ext cx="3141400" cy="989541"/>
+            <a:off x="7470525" y="1837900"/>
+            <a:ext cx="1108975" cy="1108975"/>
+          </a:xfrm>
+          <a:prstGeom prst="rect">
+            <a:avLst/>
+          </a:prstGeom>
+          <a:solidFill>
+            <a:schemeClr val="lt1"/>
+          </a:solidFill>
+          <a:ln>
+            <a:noFill/>
+          </a:ln>
+        </p:spPr>
+      </p:pic>
+      <p:pic>
+        <p:nvPicPr>
+          <p:cNvPr id="188" name="Google Shape;188;g38e2c4947a4_0_28"/>
+          <p:cNvPicPr preferRelativeResize="0"/>
+          <p:nvPr/>
+        </p:nvPicPr>
+        <p:blipFill>
+          <a:blip r:embed="rId9">
+            <a:alphaModFix/>
+          </a:blip>
+          <a:stretch>
+            <a:fillRect/>
+          </a:stretch>
+        </p:blipFill>
+        <p:spPr>
+          <a:xfrm>
+            <a:off x="7841463" y="3364150"/>
+            <a:ext cx="1983933" cy="1486375"/>
           </a:xfrm>
           <a:prstGeom prst="rect">
             <a:avLst/>
@@ -16551,7 +16445,7 @@
   <p:cSld>
     <p:spTree>
       <p:nvGrpSpPr>
-        <p:cNvPr id="190" name="Shape 190"/>
+        <p:cNvPr id="192" name="Shape 192"/>
         <p:cNvGrpSpPr/>
         <p:nvPr/>
       </p:nvGrpSpPr>
@@ -16565,7 +16459,7 @@
       </p:grpSpPr>
       <p:pic>
         <p:nvPicPr>
-          <p:cNvPr descr="EscuelaIT Duoc UC - Escuela de Informática y Telecomunicaciones Duoc UC - Duoc  UC | LinkedIn" id="191" name="Google Shape;191;p8"/>
+          <p:cNvPr descr="EscuelaIT Duoc UC - Escuela de Informática y Telecomunicaciones Duoc UC - Duoc  UC | LinkedIn" id="193" name="Google Shape;193;g38e2c4947a4_0_288"/>
           <p:cNvPicPr preferRelativeResize="0"/>
           <p:nvPr/>
         </p:nvPicPr>
@@ -16592,14 +16486,160 @@
       </p:pic>
       <p:sp>
         <p:nvSpPr>
-          <p:cNvPr id="192" name="Google Shape;192;p8"/>
+          <p:cNvPr id="194" name="Google Shape;194;g38e2c4947a4_0_288"/>
+          <p:cNvSpPr txBox="1"/>
+          <p:nvPr/>
+        </p:nvSpPr>
+        <p:spPr>
+          <a:xfrm>
+            <a:off x="1" y="2707792"/>
+            <a:ext cx="12192000" cy="1816200"/>
+          </a:xfrm>
+          <a:prstGeom prst="rect">
+            <a:avLst/>
+          </a:prstGeom>
+          <a:noFill/>
+          <a:ln>
+            <a:noFill/>
+          </a:ln>
+        </p:spPr>
+        <p:txBody>
+          <a:bodyPr anchorCtr="0" anchor="t" bIns="45700" lIns="91425" spcFirstLastPara="1" rIns="91425" wrap="square" tIns="45700">
+            <a:spAutoFit/>
+          </a:bodyPr>
+          <a:lstStyle/>
+          <a:p>
+            <a:pPr indent="0" lvl="0" marL="0" marR="0" rtl="0" algn="ctr">
+              <a:lnSpc>
+                <a:spcPct val="100000"/>
+              </a:lnSpc>
+              <a:spcBef>
+                <a:spcPts val="0"/>
+              </a:spcBef>
+              <a:spcAft>
+                <a:spcPts val="0"/>
+              </a:spcAft>
+              <a:buClr>
+                <a:srgbClr val="000000"/>
+              </a:buClr>
+              <a:buSzPts val="4400"/>
+              <a:buFont typeface="Arial"/>
+              <a:buNone/>
+            </a:pPr>
+            <a:r>
+              <a:rPr b="0" i="0" lang="es-MX" sz="4400" u="none" cap="none" strike="noStrike">
+                <a:solidFill>
+                  <a:schemeClr val="dk1"/>
+                </a:solidFill>
+                <a:latin typeface="Calibri"/>
+                <a:ea typeface="Calibri"/>
+                <a:cs typeface="Calibri"/>
+                <a:sym typeface="Calibri"/>
+              </a:rPr>
+              <a:t>DEMOSTRACIÓN DEL RESULTADO </a:t>
+            </a:r>
+            <a:endParaRPr b="0" i="0" sz="4400" u="none" cap="none" strike="noStrike">
+              <a:solidFill>
+                <a:schemeClr val="dk1"/>
+              </a:solidFill>
+              <a:latin typeface="Calibri"/>
+              <a:ea typeface="Calibri"/>
+              <a:cs typeface="Calibri"/>
+              <a:sym typeface="Calibri"/>
+            </a:endParaRPr>
+          </a:p>
+          <a:p>
+            <a:pPr indent="0" lvl="0" marL="0" marR="0" rtl="0" algn="ctr">
+              <a:lnSpc>
+                <a:spcPct val="100000"/>
+              </a:lnSpc>
+              <a:spcBef>
+                <a:spcPts val="0"/>
+              </a:spcBef>
+              <a:spcAft>
+                <a:spcPts val="0"/>
+              </a:spcAft>
+              <a:buClr>
+                <a:srgbClr val="000000"/>
+              </a:buClr>
+              <a:buSzPts val="4400"/>
+              <a:buFont typeface="Arial"/>
+              <a:buNone/>
+            </a:pPr>
+            <a:r>
+              <a:rPr b="0" i="0" lang="es-MX" sz="4400" u="none" cap="none" strike="noStrike">
+                <a:solidFill>
+                  <a:schemeClr val="dk1"/>
+                </a:solidFill>
+                <a:latin typeface="Calibri"/>
+                <a:ea typeface="Calibri"/>
+                <a:cs typeface="Calibri"/>
+                <a:sym typeface="Calibri"/>
+              </a:rPr>
+              <a:t>DEL PROYECTO</a:t>
+            </a:r>
+            <a:endParaRPr b="0" i="0" sz="1400" u="none" cap="none" strike="noStrike">
+              <a:solidFill>
+                <a:srgbClr val="000000"/>
+              </a:solidFill>
+              <a:latin typeface="Arial"/>
+              <a:ea typeface="Arial"/>
+              <a:cs typeface="Arial"/>
+              <a:sym typeface="Arial"/>
+            </a:endParaRPr>
+          </a:p>
+          <a:p>
+            <a:pPr indent="0" lvl="0" marL="0" marR="0" rtl="0" algn="ctr">
+              <a:lnSpc>
+                <a:spcPct val="100000"/>
+              </a:lnSpc>
+              <a:spcBef>
+                <a:spcPts val="0"/>
+              </a:spcBef>
+              <a:spcAft>
+                <a:spcPts val="0"/>
+              </a:spcAft>
+              <a:buClr>
+                <a:srgbClr val="000000"/>
+              </a:buClr>
+              <a:buSzPts val="2400"/>
+              <a:buFont typeface="Arial"/>
+              <a:buNone/>
+            </a:pPr>
+            <a:r>
+              <a:rPr b="0" i="0" lang="es-MX" sz="2400" u="none" cap="none" strike="noStrike">
+                <a:solidFill>
+                  <a:srgbClr val="757070"/>
+                </a:solidFill>
+                <a:latin typeface="Calibri"/>
+                <a:ea typeface="Calibri"/>
+                <a:cs typeface="Calibri"/>
+                <a:sym typeface="Calibri"/>
+              </a:rPr>
+              <a:t>Exposición del sistema</a:t>
+            </a:r>
+            <a:endParaRPr b="0" i="0" sz="2400" u="none" cap="none" strike="noStrike">
+              <a:solidFill>
+                <a:srgbClr val="757070"/>
+              </a:solidFill>
+              <a:latin typeface="Calibri"/>
+              <a:ea typeface="Calibri"/>
+              <a:cs typeface="Calibri"/>
+              <a:sym typeface="Calibri"/>
+            </a:endParaRPr>
+          </a:p>
+        </p:txBody>
+      </p:sp>
+      <p:sp>
+        <p:nvSpPr>
+          <p:cNvPr id="195" name="Google Shape;195;g38e2c4947a4_0_288"/>
           <p:cNvSpPr txBox="1"/>
           <p:nvPr/>
         </p:nvSpPr>
         <p:spPr>
           <a:xfrm>
             <a:off x="136188" y="368928"/>
-            <a:ext cx="12191999" cy="369332"/>
+            <a:ext cx="12192000" cy="369300"/>
           </a:xfrm>
           <a:prstGeom prst="rect">
             <a:avLst/>
@@ -16656,219 +16696,11 @@
           </a:p>
         </p:txBody>
       </p:sp>
-      <p:sp>
-        <p:nvSpPr>
-          <p:cNvPr id="193" name="Google Shape;193;p8"/>
-          <p:cNvSpPr txBox="1"/>
-          <p:nvPr/>
-        </p:nvSpPr>
-        <p:spPr>
-          <a:xfrm>
-            <a:off x="250525" y="2464675"/>
-            <a:ext cx="2852700" cy="1754700"/>
-          </a:xfrm>
-          <a:prstGeom prst="rect">
-            <a:avLst/>
-          </a:prstGeom>
-          <a:noFill/>
-          <a:ln>
-            <a:noFill/>
-          </a:ln>
-        </p:spPr>
-        <p:txBody>
-          <a:bodyPr anchorCtr="0" anchor="t" bIns="45700" lIns="91425" spcFirstLastPara="1" rIns="91425" wrap="square" tIns="45700">
-            <a:spAutoFit/>
-          </a:bodyPr>
-          <a:lstStyle/>
-          <a:p>
-            <a:pPr indent="0" lvl="0" marL="0" marR="0" rtl="0" algn="l">
-              <a:lnSpc>
-                <a:spcPct val="100000"/>
-              </a:lnSpc>
-              <a:spcBef>
-                <a:spcPts val="0"/>
-              </a:spcBef>
-              <a:spcAft>
-                <a:spcPts val="0"/>
-              </a:spcAft>
-              <a:buClr>
-                <a:srgbClr val="000000"/>
-              </a:buClr>
-              <a:buSzPts val="3600"/>
-              <a:buFont typeface="Arial"/>
-              <a:buNone/>
-            </a:pPr>
-            <a:r>
-              <a:rPr b="0" i="0" lang="es-MX" sz="3600" u="none" cap="none" strike="noStrike">
-                <a:solidFill>
-                  <a:schemeClr val="dk1"/>
-                </a:solidFill>
-                <a:latin typeface="Calibri"/>
-                <a:ea typeface="Calibri"/>
-                <a:cs typeface="Calibri"/>
-                <a:sym typeface="Calibri"/>
-              </a:rPr>
-              <a:t>Arquitectura </a:t>
-            </a:r>
-            <a:endParaRPr b="0" i="0" sz="3600" u="none" cap="none" strike="noStrike">
-              <a:solidFill>
-                <a:schemeClr val="dk1"/>
-              </a:solidFill>
-              <a:latin typeface="Calibri"/>
-              <a:ea typeface="Calibri"/>
-              <a:cs typeface="Calibri"/>
-              <a:sym typeface="Calibri"/>
-            </a:endParaRPr>
-          </a:p>
-          <a:p>
-            <a:pPr indent="457200" lvl="0" marL="457200" marR="0" rtl="0" algn="l">
-              <a:lnSpc>
-                <a:spcPct val="100000"/>
-              </a:lnSpc>
-              <a:spcBef>
-                <a:spcPts val="0"/>
-              </a:spcBef>
-              <a:spcAft>
-                <a:spcPts val="0"/>
-              </a:spcAft>
-              <a:buClr>
-                <a:srgbClr val="000000"/>
-              </a:buClr>
-              <a:buSzPts val="3600"/>
-              <a:buFont typeface="Arial"/>
-              <a:buNone/>
-            </a:pPr>
-            <a:r>
-              <a:rPr b="0" i="0" lang="es-MX" sz="3600" u="none" cap="none" strike="noStrike">
-                <a:solidFill>
-                  <a:schemeClr val="dk1"/>
-                </a:solidFill>
-                <a:latin typeface="Calibri"/>
-                <a:ea typeface="Calibri"/>
-                <a:cs typeface="Calibri"/>
-                <a:sym typeface="Calibri"/>
-              </a:rPr>
-              <a:t>del </a:t>
-            </a:r>
-            <a:endParaRPr b="0" i="0" sz="3600" u="none" cap="none" strike="noStrike">
-              <a:solidFill>
-                <a:schemeClr val="dk1"/>
-              </a:solidFill>
-              <a:latin typeface="Calibri"/>
-              <a:ea typeface="Calibri"/>
-              <a:cs typeface="Calibri"/>
-              <a:sym typeface="Calibri"/>
-            </a:endParaRPr>
-          </a:p>
-          <a:p>
-            <a:pPr indent="457200" lvl="0" marL="0" marR="0" rtl="0" algn="l">
-              <a:lnSpc>
-                <a:spcPct val="100000"/>
-              </a:lnSpc>
-              <a:spcBef>
-                <a:spcPts val="0"/>
-              </a:spcBef>
-              <a:spcAft>
-                <a:spcPts val="0"/>
-              </a:spcAft>
-              <a:buClr>
-                <a:srgbClr val="000000"/>
-              </a:buClr>
-              <a:buSzPts val="3600"/>
-              <a:buFont typeface="Arial"/>
-              <a:buNone/>
-            </a:pPr>
-            <a:r>
-              <a:rPr b="0" i="0" lang="es-MX" sz="3600" u="none" cap="none" strike="noStrike">
-                <a:solidFill>
-                  <a:schemeClr val="dk1"/>
-                </a:solidFill>
-                <a:latin typeface="Calibri"/>
-                <a:ea typeface="Calibri"/>
-                <a:cs typeface="Calibri"/>
-                <a:sym typeface="Calibri"/>
-              </a:rPr>
-              <a:t>software</a:t>
-            </a:r>
-            <a:endParaRPr b="0" i="0" sz="1400" u="none" cap="none" strike="noStrike">
-              <a:solidFill>
-                <a:srgbClr val="000000"/>
-              </a:solidFill>
-              <a:latin typeface="Arial"/>
-              <a:ea typeface="Arial"/>
-              <a:cs typeface="Arial"/>
-              <a:sym typeface="Arial"/>
-            </a:endParaRPr>
-          </a:p>
-        </p:txBody>
-      </p:sp>
-      <p:cxnSp>
-        <p:nvCxnSpPr>
-          <p:cNvPr id="194" name="Google Shape;194;p8"/>
-          <p:cNvCxnSpPr/>
-          <p:nvPr/>
-        </p:nvCxnSpPr>
-        <p:spPr>
-          <a:xfrm>
-            <a:off x="0" y="758027"/>
-            <a:ext cx="4085617" cy="0"/>
-          </a:xfrm>
-          <a:prstGeom prst="straightConnector1">
-            <a:avLst/>
-          </a:prstGeom>
-          <a:noFill/>
-          <a:ln cap="flat" cmpd="sng" w="15875">
-            <a:solidFill>
-              <a:srgbClr val="F5F7FC"/>
-            </a:solidFill>
-            <a:prstDash val="solid"/>
-            <a:miter lim="800000"/>
-            <a:headEnd len="sm" w="sm" type="none"/>
-            <a:tailEnd len="sm" w="sm" type="none"/>
-          </a:ln>
-        </p:spPr>
-      </p:cxnSp>
-      <p:pic>
-        <p:nvPicPr>
-          <p:cNvPr id="195" name="Google Shape;195;p8" title="Arquitectura APT-low_cost.png"/>
-          <p:cNvPicPr preferRelativeResize="0"/>
-          <p:nvPr/>
-        </p:nvPicPr>
-        <p:blipFill rotWithShape="1">
-          <a:blip r:embed="rId4">
-            <a:alphaModFix/>
-          </a:blip>
-          <a:srcRect b="0" l="0" r="0" t="0"/>
-          <a:stretch/>
-        </p:blipFill>
-        <p:spPr>
-          <a:xfrm>
-            <a:off x="3103225" y="540100"/>
-            <a:ext cx="8309875" cy="6102825"/>
-          </a:xfrm>
-          <a:prstGeom prst="rect">
-            <a:avLst/>
-          </a:prstGeom>
-          <a:noFill/>
-          <a:ln cap="flat" cmpd="sng" w="9525">
-            <a:solidFill>
-              <a:schemeClr val="dk2"/>
-            </a:solidFill>
-            <a:prstDash val="solid"/>
-            <a:round/>
-            <a:headEnd len="sm" w="sm" type="none"/>
-            <a:tailEnd len="sm" w="sm" type="none"/>
-          </a:ln>
-        </p:spPr>
-      </p:pic>
     </p:spTree>
   </p:cSld>
   <p:clrMapOvr>
     <a:masterClrMapping/>
   </p:clrMapOvr>
-  <p:transition spd="slow">
-    <p:wipe dir="l"/>
-  </p:transition>
 </p:sld>
 </file>
 
@@ -16891,7 +16723,7 @@
       </p:grpSpPr>
       <p:pic>
         <p:nvPicPr>
-          <p:cNvPr descr="EscuelaIT Duoc UC - Escuela de Informática y Telecomunicaciones Duoc UC - Duoc  UC | LinkedIn" id="200" name="Google Shape;200;g38e2c4947a4_0_288"/>
+          <p:cNvPr descr="EscuelaIT Duoc UC - Escuela de Informática y Telecomunicaciones Duoc UC - Duoc  UC | LinkedIn" id="200" name="Google Shape;200;g38e2c4947a4_0_48"/>
           <p:cNvPicPr preferRelativeResize="0"/>
           <p:nvPr/>
         </p:nvPicPr>
@@ -16918,14 +16750,14 @@
       </p:pic>
       <p:sp>
         <p:nvSpPr>
-          <p:cNvPr id="201" name="Google Shape;201;g38e2c4947a4_0_288"/>
+          <p:cNvPr id="201" name="Google Shape;201;g38e2c4947a4_0_48"/>
           <p:cNvSpPr txBox="1"/>
           <p:nvPr/>
         </p:nvSpPr>
         <p:spPr>
           <a:xfrm>
-            <a:off x="1" y="2707792"/>
-            <a:ext cx="12192000" cy="1139100"/>
+            <a:off x="0" y="3044279"/>
+            <a:ext cx="12192000" cy="769500"/>
           </a:xfrm>
           <a:prstGeom prst="rect">
             <a:avLst/>
@@ -16942,16 +16774,24 @@
           <a:lstStyle/>
           <a:p>
             <a:pPr indent="0" lvl="0" marL="0" marR="0" rtl="0" algn="ctr">
-              <a:spcBef>
-                <a:spcPts val="0"/>
-              </a:spcBef>
-              <a:spcAft>
-                <a:spcPts val="0"/>
-              </a:spcAft>
+              <a:lnSpc>
+                <a:spcPct val="100000"/>
+              </a:lnSpc>
+              <a:spcBef>
+                <a:spcPts val="0"/>
+              </a:spcBef>
+              <a:spcAft>
+                <a:spcPts val="0"/>
+              </a:spcAft>
+              <a:buClr>
+                <a:srgbClr val="000000"/>
+              </a:buClr>
+              <a:buSzPts val="4400"/>
+              <a:buFont typeface="Arial"/>
               <a:buNone/>
             </a:pPr>
             <a:r>
-              <a:rPr lang="es-MX" sz="4400">
+              <a:rPr b="0" i="0" lang="es-MX" sz="4400" u="none" cap="none" strike="noStrike">
                 <a:solidFill>
                   <a:schemeClr val="dk1"/>
                 </a:solidFill>
@@ -16960,47 +16800,23 @@
                 <a:cs typeface="Calibri"/>
                 <a:sym typeface="Calibri"/>
               </a:rPr>
-              <a:t>DEMOSTRACIÓN DEL RESULTADO DEL PROYECTO</a:t>
+              <a:t>PREGUNTAS DE LA COMISIÓN</a:t>
             </a:r>
-            <a:endParaRPr/>
-          </a:p>
-          <a:p>
-            <a:pPr indent="0" lvl="0" marL="0" marR="0" rtl="0" algn="ctr">
-              <a:spcBef>
-                <a:spcPts val="0"/>
-              </a:spcBef>
-              <a:spcAft>
-                <a:spcPts val="0"/>
-              </a:spcAft>
-              <a:buNone/>
-            </a:pPr>
-            <a:r>
-              <a:rPr lang="es-MX" sz="2400">
-                <a:solidFill>
-                  <a:srgbClr val="757070"/>
-                </a:solidFill>
-                <a:latin typeface="Calibri"/>
-                <a:ea typeface="Calibri"/>
-                <a:cs typeface="Calibri"/>
-                <a:sym typeface="Calibri"/>
-              </a:rPr>
-              <a:t>*Exposición del sistema</a:t>
-            </a:r>
-            <a:endParaRPr sz="2400">
+            <a:endParaRPr b="0" i="0" sz="1400" u="none" cap="none" strike="noStrike">
               <a:solidFill>
-                <a:srgbClr val="757070"/>
+                <a:srgbClr val="000000"/>
               </a:solidFill>
-              <a:latin typeface="Calibri"/>
-              <a:ea typeface="Calibri"/>
-              <a:cs typeface="Calibri"/>
-              <a:sym typeface="Calibri"/>
+              <a:latin typeface="Arial"/>
+              <a:ea typeface="Arial"/>
+              <a:cs typeface="Arial"/>
+              <a:sym typeface="Arial"/>
             </a:endParaRPr>
           </a:p>
         </p:txBody>
       </p:sp>
       <p:sp>
         <p:nvSpPr>
-          <p:cNvPr id="202" name="Google Shape;202;g38e2c4947a4_0_288"/>
+          <p:cNvPr id="202" name="Google Shape;202;g38e2c4947a4_0_48"/>
           <p:cNvSpPr txBox="1"/>
           <p:nvPr/>
         </p:nvSpPr>
@@ -17091,7 +16907,7 @@
       </p:grpSpPr>
       <p:pic>
         <p:nvPicPr>
-          <p:cNvPr descr="EscuelaIT Duoc UC - Escuela de Informática y Telecomunicaciones Duoc UC - Duoc  UC | LinkedIn" id="207" name="Google Shape;207;g38e2c4947a4_0_208"/>
+          <p:cNvPr descr="EscuelaIT Duoc UC - Escuela de Informática y Telecomunicaciones Duoc UC - Duoc  UC | LinkedIn" id="207" name="Google Shape;207;p14"/>
           <p:cNvPicPr preferRelativeResize="0"/>
           <p:nvPr/>
         </p:nvPicPr>
@@ -17118,14 +16934,14 @@
       </p:pic>
       <p:sp>
         <p:nvSpPr>
-          <p:cNvPr id="208" name="Google Shape;208;g38e2c4947a4_0_208"/>
+          <p:cNvPr id="208" name="Google Shape;208;p14"/>
           <p:cNvSpPr txBox="1"/>
           <p:nvPr/>
         </p:nvSpPr>
         <p:spPr>
           <a:xfrm>
-            <a:off x="1" y="1459095"/>
-            <a:ext cx="12192000" cy="769500"/>
+            <a:off x="3463950" y="2028300"/>
+            <a:ext cx="5264100" cy="2801400"/>
           </a:xfrm>
           <a:prstGeom prst="rect">
             <a:avLst/>
@@ -17136,22 +16952,30 @@
           </a:ln>
         </p:spPr>
         <p:txBody>
-          <a:bodyPr anchorCtr="0" anchor="t" bIns="45700" lIns="91425" spcFirstLastPara="1" rIns="91425" wrap="square" tIns="45700">
-            <a:spAutoFit/>
+          <a:bodyPr anchorCtr="0" anchor="ctr" bIns="45700" lIns="91425" spcFirstLastPara="1" rIns="91425" wrap="square" tIns="45700">
+            <a:noAutofit/>
           </a:bodyPr>
           <a:lstStyle/>
           <a:p>
             <a:pPr indent="0" lvl="0" marL="0" marR="0" rtl="0" algn="ctr">
-              <a:spcBef>
-                <a:spcPts val="0"/>
-              </a:spcBef>
-              <a:spcAft>
-                <a:spcPts val="0"/>
-              </a:spcAft>
+              <a:lnSpc>
+                <a:spcPct val="100000"/>
+              </a:lnSpc>
+              <a:spcBef>
+                <a:spcPts val="0"/>
+              </a:spcBef>
+              <a:spcAft>
+                <a:spcPts val="0"/>
+              </a:spcAft>
+              <a:buClr>
+                <a:srgbClr val="000000"/>
+              </a:buClr>
+              <a:buSzPts val="8800"/>
+              <a:buFont typeface="Arial"/>
               <a:buNone/>
             </a:pPr>
             <a:r>
-              <a:rPr lang="es-MX" sz="4400">
+              <a:rPr lang="es-MX" sz="8800">
                 <a:solidFill>
                   <a:schemeClr val="dk1"/>
                 </a:solidFill>
@@ -17160,15 +16984,75 @@
                 <a:cs typeface="Calibri"/>
                 <a:sym typeface="Calibri"/>
               </a:rPr>
-              <a:t>Resultados obtenidos</a:t>
+              <a:t>¡</a:t>
             </a:r>
-            <a:endParaRPr/>
+            <a:r>
+              <a:rPr b="0" i="0" lang="es-MX" sz="8800" u="none" cap="none" strike="noStrike">
+                <a:solidFill>
+                  <a:schemeClr val="dk1"/>
+                </a:solidFill>
+                <a:latin typeface="Calibri"/>
+                <a:ea typeface="Calibri"/>
+                <a:cs typeface="Calibri"/>
+                <a:sym typeface="Calibri"/>
+              </a:rPr>
+              <a:t>MUCHAS </a:t>
+            </a:r>
+            <a:endParaRPr b="0" i="0" sz="9200" u="none" cap="none" strike="noStrike">
+              <a:solidFill>
+                <a:schemeClr val="dk1"/>
+              </a:solidFill>
+              <a:latin typeface="Calibri"/>
+              <a:ea typeface="Calibri"/>
+              <a:cs typeface="Calibri"/>
+              <a:sym typeface="Calibri"/>
+            </a:endParaRPr>
+          </a:p>
+          <a:p>
+            <a:pPr indent="0" lvl="0" marL="0" marR="0" rtl="0" algn="ctr">
+              <a:lnSpc>
+                <a:spcPct val="100000"/>
+              </a:lnSpc>
+              <a:spcBef>
+                <a:spcPts val="0"/>
+              </a:spcBef>
+              <a:spcAft>
+                <a:spcPts val="0"/>
+              </a:spcAft>
+              <a:buClr>
+                <a:srgbClr val="000000"/>
+              </a:buClr>
+              <a:buSzPts val="8800"/>
+              <a:buFont typeface="Arial"/>
+              <a:buNone/>
+            </a:pPr>
+            <a:r>
+              <a:rPr b="0" i="0" lang="es-MX" sz="8800" u="none" cap="none" strike="noStrike">
+                <a:solidFill>
+                  <a:schemeClr val="dk1"/>
+                </a:solidFill>
+                <a:latin typeface="Calibri"/>
+                <a:ea typeface="Calibri"/>
+                <a:cs typeface="Calibri"/>
+                <a:sym typeface="Calibri"/>
+              </a:rPr>
+              <a:t>GRACIAS!</a:t>
+            </a:r>
+            <a:endParaRPr b="0" i="0" sz="9400" u="none" cap="none" strike="noStrike">
+              <a:solidFill>
+                <a:srgbClr val="000000"/>
+              </a:solidFill>
+              <a:latin typeface="Arial"/>
+              <a:ea typeface="Arial"/>
+              <a:cs typeface="Arial"/>
+              <a:sym typeface="Arial"/>
+            </a:endParaRPr>
           </a:p>
         </p:txBody>
       </p:sp>
       <p:sp>
         <p:nvSpPr>
-          <p:cNvPr id="209" name="Google Shape;209;g38e2c4947a4_0_208"/>
+          <p:cNvPr id="209" name="Google Shape;209;p14"/>
           <p:cNvSpPr txBox="1"/>
           <p:nvPr/>
         </p:nvSpPr>
@@ -17232,822 +17116,9 @@
           </a:p>
         </p:txBody>
       </p:sp>
-    </p:spTree>
-  </p:cSld>
-  <p:clrMapOvr>
-    <a:masterClrMapping/>
-  </p:clrMapOvr>
-</p:sld>
-</file>
-
-<file path=ppt/slides/slide14.xml><?xml version="1.0" encoding="utf-8"?>
-<p:sld xmlns:a="http://schemas.openxmlformats.org/drawingml/2006/main" xmlns:r="http://schemas.openxmlformats.org/officeDocument/2006/relationships" xmlns:mc="http://schemas.openxmlformats.org/markup-compatibility/2006" xmlns:mv="urn:schemas-microsoft-com:mac:vml" xmlns:p="http://schemas.openxmlformats.org/presentationml/2006/main" xmlns:c="http://schemas.openxmlformats.org/drawingml/2006/chart" xmlns:dgm="http://schemas.openxmlformats.org/drawingml/2006/diagram" xmlns:o="urn:schemas-microsoft-com:office:office" xmlns:v="urn:schemas-microsoft-com:vml" xmlns:pvml="urn:schemas-microsoft-com:office:powerpoint" xmlns:com="http://schemas.openxmlformats.org/drawingml/2006/compatibility" xmlns:p14="http://schemas.microsoft.com/office/powerpoint/2010/main" xmlns:p15="http://schemas.microsoft.com/office/powerpoint/2012/main" xmlns:ahyp="http://schemas.microsoft.com/office/drawing/2018/hyperlinkcolor">
-  <p:cSld>
-    <p:spTree>
-      <p:nvGrpSpPr>
-        <p:cNvPr id="213" name="Shape 213"/>
-        <p:cNvGrpSpPr/>
-        <p:nvPr/>
-      </p:nvGrpSpPr>
-      <p:grpSpPr>
-        <a:xfrm>
-          <a:off x="0" y="0"/>
-          <a:ext cx="0" cy="0"/>
-          <a:chOff x="0" y="0"/>
-          <a:chExt cx="0" cy="0"/>
-        </a:xfrm>
-      </p:grpSpPr>
-      <p:pic>
-        <p:nvPicPr>
-          <p:cNvPr descr="EscuelaIT Duoc UC - Escuela de Informática y Telecomunicaciones Duoc UC - Duoc  UC | LinkedIn" id="214" name="Google Shape;214;g38e2c4947a4_0_128"/>
-          <p:cNvPicPr preferRelativeResize="0"/>
-          <p:nvPr/>
-        </p:nvPicPr>
-        <p:blipFill rotWithShape="1">
-          <a:blip r:embed="rId3">
-            <a:alphaModFix/>
-          </a:blip>
-          <a:srcRect b="0" l="0" r="0" t="0"/>
-          <a:stretch/>
-        </p:blipFill>
-        <p:spPr>
-          <a:xfrm>
-            <a:off x="8772152" y="207550"/>
-            <a:ext cx="3141406" cy="785352"/>
-          </a:xfrm>
-          <a:prstGeom prst="rect">
-            <a:avLst/>
-          </a:prstGeom>
-          <a:noFill/>
-          <a:ln>
-            <a:noFill/>
-          </a:ln>
-        </p:spPr>
-      </p:pic>
-      <p:sp>
-        <p:nvSpPr>
-          <p:cNvPr id="215" name="Google Shape;215;g38e2c4947a4_0_128"/>
-          <p:cNvSpPr txBox="1"/>
-          <p:nvPr/>
-        </p:nvSpPr>
-        <p:spPr>
-          <a:xfrm>
-            <a:off x="1" y="1166948"/>
-            <a:ext cx="12192000" cy="769500"/>
-          </a:xfrm>
-          <a:prstGeom prst="rect">
-            <a:avLst/>
-          </a:prstGeom>
-          <a:noFill/>
-          <a:ln>
-            <a:noFill/>
-          </a:ln>
-        </p:spPr>
-        <p:txBody>
-          <a:bodyPr anchorCtr="0" anchor="t" bIns="45700" lIns="91425" spcFirstLastPara="1" rIns="91425" wrap="square" tIns="45700">
-            <a:spAutoFit/>
-          </a:bodyPr>
-          <a:lstStyle/>
-          <a:p>
-            <a:pPr indent="0" lvl="0" marL="0" marR="0" rtl="0" algn="ctr">
-              <a:spcBef>
-                <a:spcPts val="0"/>
-              </a:spcBef>
-              <a:spcAft>
-                <a:spcPts val="0"/>
-              </a:spcAft>
-              <a:buNone/>
-            </a:pPr>
-            <a:r>
-              <a:rPr lang="es-MX" sz="4400">
-                <a:solidFill>
-                  <a:schemeClr val="dk1"/>
-                </a:solidFill>
-                <a:latin typeface="Calibri"/>
-                <a:ea typeface="Calibri"/>
-                <a:cs typeface="Calibri"/>
-                <a:sym typeface="Calibri"/>
-              </a:rPr>
-              <a:t>Obstáculos presentados durante el desarrollo</a:t>
-            </a:r>
-            <a:endParaRPr/>
-          </a:p>
-        </p:txBody>
-      </p:sp>
-      <p:sp>
-        <p:nvSpPr>
-          <p:cNvPr id="216" name="Google Shape;216;g38e2c4947a4_0_128"/>
-          <p:cNvSpPr/>
-          <p:nvPr/>
-        </p:nvSpPr>
-        <p:spPr>
-          <a:xfrm>
-            <a:off x="1159195" y="2110500"/>
-            <a:ext cx="10146000" cy="4092600"/>
-          </a:xfrm>
-          <a:prstGeom prst="roundRect">
-            <a:avLst>
-              <a:gd fmla="val 10901" name="adj"/>
-            </a:avLst>
-          </a:prstGeom>
-          <a:solidFill>
-            <a:schemeClr val="lt1"/>
-          </a:solidFill>
-          <a:ln cap="flat" cmpd="sng" w="19050">
-            <a:solidFill>
-              <a:schemeClr val="accent1"/>
-            </a:solidFill>
-            <a:prstDash val="solid"/>
-            <a:miter lim="800000"/>
-            <a:headEnd len="sm" w="sm" type="none"/>
-            <a:tailEnd len="sm" w="sm" type="none"/>
-          </a:ln>
-        </p:spPr>
-        <p:txBody>
-          <a:bodyPr anchorCtr="0" anchor="ctr" bIns="45700" lIns="91425" spcFirstLastPara="1" rIns="91425" wrap="square" tIns="45700">
-            <a:noAutofit/>
-          </a:bodyPr>
-          <a:lstStyle/>
-          <a:p>
-            <a:pPr indent="-336550" lvl="0" marL="457200" rtl="0" algn="just">
-              <a:lnSpc>
-                <a:spcPct val="115000"/>
-              </a:lnSpc>
-              <a:spcBef>
-                <a:spcPts val="1200"/>
-              </a:spcBef>
-              <a:spcAft>
-                <a:spcPts val="0"/>
-              </a:spcAft>
-              <a:buClr>
-                <a:schemeClr val="dk1"/>
-              </a:buClr>
-              <a:buSzPts val="1700"/>
-              <a:buChar char="●"/>
-            </a:pPr>
-            <a:r>
-              <a:rPr b="1" lang="es-MX" sz="1700">
-                <a:solidFill>
-                  <a:schemeClr val="dk1"/>
-                </a:solidFill>
-              </a:rPr>
-              <a:t>Integración entre backend y frontend:</a:t>
-            </a:r>
-            <a:r>
-              <a:rPr lang="es-MX" sz="1700">
-                <a:solidFill>
-                  <a:schemeClr val="dk1"/>
-                </a:solidFill>
-              </a:rPr>
-              <a:t> se presentaron dificultades para conectar correctamente los datos generados por la IA con la visualización de los quizzes en la interfaz.</a:t>
-            </a:r>
-            <a:endParaRPr sz="1700">
-              <a:solidFill>
-                <a:schemeClr val="dk1"/>
-              </a:solidFill>
-            </a:endParaRPr>
-          </a:p>
-          <a:p>
-            <a:pPr indent="-336550" lvl="0" marL="457200" rtl="0" algn="just">
-              <a:lnSpc>
-                <a:spcPct val="115000"/>
-              </a:lnSpc>
-              <a:spcBef>
-                <a:spcPts val="0"/>
-              </a:spcBef>
-              <a:spcAft>
-                <a:spcPts val="0"/>
-              </a:spcAft>
-              <a:buClr>
-                <a:schemeClr val="dk1"/>
-              </a:buClr>
-              <a:buSzPts val="1700"/>
-              <a:buChar char="●"/>
-            </a:pPr>
-            <a:r>
-              <a:rPr b="1" lang="es-MX" sz="1700">
-                <a:solidFill>
-                  <a:schemeClr val="dk1"/>
-                </a:solidFill>
-              </a:rPr>
-              <a:t>Problemas de diseño visual en el frontend:</a:t>
-            </a:r>
-            <a:r>
-              <a:rPr lang="es-MX" sz="1700">
-                <a:solidFill>
-                  <a:schemeClr val="dk1"/>
-                </a:solidFill>
-              </a:rPr>
-              <a:t> la organización de preguntas y opciones en pantalla requirió varios ajustes para mejorar la usabilidad.</a:t>
-            </a:r>
-            <a:endParaRPr sz="1700">
-              <a:solidFill>
-                <a:schemeClr val="dk1"/>
-              </a:solidFill>
-            </a:endParaRPr>
-          </a:p>
-          <a:p>
-            <a:pPr indent="-336550" lvl="0" marL="457200" rtl="0" algn="just">
-              <a:lnSpc>
-                <a:spcPct val="115000"/>
-              </a:lnSpc>
-              <a:spcBef>
-                <a:spcPts val="0"/>
-              </a:spcBef>
-              <a:spcAft>
-                <a:spcPts val="0"/>
-              </a:spcAft>
-              <a:buClr>
-                <a:schemeClr val="dk1"/>
-              </a:buClr>
-              <a:buSzPts val="1700"/>
-              <a:buChar char="●"/>
-            </a:pPr>
-            <a:r>
-              <a:rPr b="1" lang="es-MX" sz="1700">
-                <a:solidFill>
-                  <a:schemeClr val="dk1"/>
-                </a:solidFill>
-              </a:rPr>
-              <a:t>Retrasos:</a:t>
-            </a:r>
-            <a:r>
-              <a:rPr lang="es-MX" sz="1700">
-                <a:solidFill>
-                  <a:schemeClr val="dk1"/>
-                </a:solidFill>
-              </a:rPr>
-              <a:t> la disponibilidad de tiempo del equipo fue limitada, lo que afectó algunos plazos de los sprints.</a:t>
-            </a:r>
-            <a:endParaRPr sz="1700">
-              <a:solidFill>
-                <a:schemeClr val="dk1"/>
-              </a:solidFill>
-            </a:endParaRPr>
-          </a:p>
-          <a:p>
-            <a:pPr indent="-336550" lvl="0" marL="457200" rtl="0" algn="just">
-              <a:lnSpc>
-                <a:spcPct val="115000"/>
-              </a:lnSpc>
-              <a:spcBef>
-                <a:spcPts val="0"/>
-              </a:spcBef>
-              <a:spcAft>
-                <a:spcPts val="0"/>
-              </a:spcAft>
-              <a:buClr>
-                <a:schemeClr val="dk1"/>
-              </a:buClr>
-              <a:buSzPts val="1700"/>
-              <a:buChar char="●"/>
-            </a:pPr>
-            <a:r>
-              <a:rPr b="1" lang="es-MX" sz="1700">
-                <a:solidFill>
-                  <a:schemeClr val="dk1"/>
-                </a:solidFill>
-              </a:rPr>
-              <a:t>Errores en la sincronización de datos:</a:t>
-            </a:r>
-            <a:r>
-              <a:rPr lang="es-MX" sz="1700">
-                <a:solidFill>
-                  <a:schemeClr val="dk1"/>
-                </a:solidFill>
-              </a:rPr>
-              <a:t> al crear y actualizar módulos de estudio, surgieron conflictos en la comunicación con la base de datos.</a:t>
-            </a:r>
-            <a:endParaRPr sz="1700">
-              <a:solidFill>
-                <a:schemeClr val="dk1"/>
-              </a:solidFill>
-            </a:endParaRPr>
-          </a:p>
-          <a:p>
-            <a:pPr indent="-336550" lvl="0" marL="457200" rtl="0" algn="just">
-              <a:lnSpc>
-                <a:spcPct val="115000"/>
-              </a:lnSpc>
-              <a:spcBef>
-                <a:spcPts val="0"/>
-              </a:spcBef>
-              <a:spcAft>
-                <a:spcPts val="0"/>
-              </a:spcAft>
-              <a:buClr>
-                <a:schemeClr val="dk1"/>
-              </a:buClr>
-              <a:buSzPts val="1700"/>
-              <a:buChar char="●"/>
-            </a:pPr>
-            <a:r>
-              <a:rPr b="1" lang="es-MX" sz="1700">
-                <a:solidFill>
-                  <a:schemeClr val="dk1"/>
-                </a:solidFill>
-              </a:rPr>
-              <a:t>Curva de aprendizaje técnica:</a:t>
-            </a:r>
-            <a:r>
-              <a:rPr lang="es-MX" sz="1700">
-                <a:solidFill>
-                  <a:schemeClr val="dk1"/>
-                </a:solidFill>
-              </a:rPr>
-              <a:t> la integración del modelo de IA y su conexión con el backend implicaron tiempo adicional de estudio y pruebas.</a:t>
-            </a:r>
-            <a:endParaRPr sz="2300">
-              <a:solidFill>
-                <a:schemeClr val="dk1"/>
-              </a:solidFill>
-            </a:endParaRPr>
-          </a:p>
-          <a:p>
-            <a:pPr indent="0" lvl="0" marL="0" rtl="0" algn="l">
-              <a:lnSpc>
-                <a:spcPct val="115000"/>
-              </a:lnSpc>
-              <a:spcBef>
-                <a:spcPts val="1200"/>
-              </a:spcBef>
-              <a:spcAft>
-                <a:spcPts val="0"/>
-              </a:spcAft>
-              <a:buNone/>
-            </a:pPr>
-            <a:r>
-              <a:t/>
-            </a:r>
-            <a:endParaRPr sz="1700">
-              <a:solidFill>
-                <a:schemeClr val="dk1"/>
-              </a:solidFill>
-            </a:endParaRPr>
-          </a:p>
-        </p:txBody>
-      </p:sp>
-      <p:sp>
-        <p:nvSpPr>
-          <p:cNvPr id="217" name="Google Shape;217;g38e2c4947a4_0_128"/>
-          <p:cNvSpPr txBox="1"/>
-          <p:nvPr/>
-        </p:nvSpPr>
-        <p:spPr>
-          <a:xfrm>
-            <a:off x="136188" y="368928"/>
-            <a:ext cx="12192000" cy="369300"/>
-          </a:xfrm>
-          <a:prstGeom prst="rect">
-            <a:avLst/>
-          </a:prstGeom>
-          <a:noFill/>
-          <a:ln>
-            <a:noFill/>
-          </a:ln>
-        </p:spPr>
-        <p:txBody>
-          <a:bodyPr anchorCtr="0" anchor="t" bIns="45700" lIns="91425" spcFirstLastPara="1" rIns="91425" wrap="square" tIns="45700">
-            <a:spAutoFit/>
-          </a:bodyPr>
-          <a:lstStyle/>
-          <a:p>
-            <a:pPr indent="0" lvl="0" marL="0" marR="0" rtl="0" algn="l">
-              <a:lnSpc>
-                <a:spcPct val="100000"/>
-              </a:lnSpc>
-              <a:spcBef>
-                <a:spcPts val="0"/>
-              </a:spcBef>
-              <a:spcAft>
-                <a:spcPts val="0"/>
-              </a:spcAft>
-              <a:buClr>
-                <a:srgbClr val="000000"/>
-              </a:buClr>
-              <a:buSzPts val="1800"/>
-              <a:buFont typeface="Arial"/>
-              <a:buNone/>
-            </a:pPr>
-            <a:r>
-              <a:rPr b="0" i="0" lang="es-MX" sz="1800" u="none" cap="none" strike="noStrike">
-                <a:solidFill>
-                  <a:srgbClr val="757070"/>
-                </a:solidFill>
-                <a:latin typeface="Calibri"/>
-                <a:ea typeface="Calibri"/>
-                <a:cs typeface="Calibri"/>
-                <a:sym typeface="Calibri"/>
-              </a:rPr>
-              <a:t>PROYECTO VGD LEARN</a:t>
-            </a:r>
-            <a:endParaRPr b="0" i="0" sz="1400" u="none" cap="none" strike="noStrike">
-              <a:solidFill>
-                <a:srgbClr val="000000"/>
-              </a:solidFill>
-              <a:latin typeface="Arial"/>
-              <a:ea typeface="Arial"/>
-              <a:cs typeface="Arial"/>
-              <a:sym typeface="Arial"/>
-            </a:endParaRPr>
-          </a:p>
-        </p:txBody>
-      </p:sp>
-    </p:spTree>
-  </p:cSld>
-  <p:clrMapOvr>
-    <a:masterClrMapping/>
-  </p:clrMapOvr>
-</p:sld>
-</file>
-
-<file path=ppt/slides/slide15.xml><?xml version="1.0" encoding="utf-8"?>
-<p:sld xmlns:a="http://schemas.openxmlformats.org/drawingml/2006/main" xmlns:r="http://schemas.openxmlformats.org/officeDocument/2006/relationships" xmlns:mc="http://schemas.openxmlformats.org/markup-compatibility/2006" xmlns:mv="urn:schemas-microsoft-com:mac:vml" xmlns:p="http://schemas.openxmlformats.org/presentationml/2006/main" xmlns:c="http://schemas.openxmlformats.org/drawingml/2006/chart" xmlns:dgm="http://schemas.openxmlformats.org/drawingml/2006/diagram" xmlns:o="urn:schemas-microsoft-com:office:office" xmlns:v="urn:schemas-microsoft-com:vml" xmlns:pvml="urn:schemas-microsoft-com:office:powerpoint" xmlns:com="http://schemas.openxmlformats.org/drawingml/2006/compatibility" xmlns:p14="http://schemas.microsoft.com/office/powerpoint/2010/main" xmlns:p15="http://schemas.microsoft.com/office/powerpoint/2012/main" xmlns:ahyp="http://schemas.microsoft.com/office/drawing/2018/hyperlinkcolor">
-  <p:cSld>
-    <p:spTree>
-      <p:nvGrpSpPr>
-        <p:cNvPr id="221" name="Shape 221"/>
-        <p:cNvGrpSpPr/>
-        <p:nvPr/>
-      </p:nvGrpSpPr>
-      <p:grpSpPr>
-        <a:xfrm>
-          <a:off x="0" y="0"/>
-          <a:ext cx="0" cy="0"/>
-          <a:chOff x="0" y="0"/>
-          <a:chExt cx="0" cy="0"/>
-        </a:xfrm>
-      </p:grpSpPr>
-      <p:pic>
-        <p:nvPicPr>
-          <p:cNvPr descr="EscuelaIT Duoc UC - Escuela de Informática y Telecomunicaciones Duoc UC - Duoc  UC | LinkedIn" id="222" name="Google Shape;222;g38e2c4947a4_0_48"/>
-          <p:cNvPicPr preferRelativeResize="0"/>
-          <p:nvPr/>
-        </p:nvPicPr>
-        <p:blipFill rotWithShape="1">
-          <a:blip r:embed="rId3">
-            <a:alphaModFix/>
-          </a:blip>
-          <a:srcRect b="0" l="0" r="0" t="0"/>
-          <a:stretch/>
-        </p:blipFill>
-        <p:spPr>
-          <a:xfrm>
-            <a:off x="8772152" y="207550"/>
-            <a:ext cx="3141406" cy="785352"/>
-          </a:xfrm>
-          <a:prstGeom prst="rect">
-            <a:avLst/>
-          </a:prstGeom>
-          <a:noFill/>
-          <a:ln>
-            <a:noFill/>
-          </a:ln>
-        </p:spPr>
-      </p:pic>
-      <p:sp>
-        <p:nvSpPr>
-          <p:cNvPr id="223" name="Google Shape;223;g38e2c4947a4_0_48"/>
-          <p:cNvSpPr txBox="1"/>
-          <p:nvPr/>
-        </p:nvSpPr>
-        <p:spPr>
-          <a:xfrm>
-            <a:off x="0" y="3044279"/>
-            <a:ext cx="12192000" cy="769500"/>
-          </a:xfrm>
-          <a:prstGeom prst="rect">
-            <a:avLst/>
-          </a:prstGeom>
-          <a:noFill/>
-          <a:ln>
-            <a:noFill/>
-          </a:ln>
-        </p:spPr>
-        <p:txBody>
-          <a:bodyPr anchorCtr="0" anchor="t" bIns="45700" lIns="91425" spcFirstLastPara="1" rIns="91425" wrap="square" tIns="45700">
-            <a:spAutoFit/>
-          </a:bodyPr>
-          <a:lstStyle/>
-          <a:p>
-            <a:pPr indent="0" lvl="0" marL="0" marR="0" rtl="0" algn="ctr">
-              <a:spcBef>
-                <a:spcPts val="0"/>
-              </a:spcBef>
-              <a:spcAft>
-                <a:spcPts val="0"/>
-              </a:spcAft>
-              <a:buNone/>
-            </a:pPr>
-            <a:r>
-              <a:rPr lang="es-MX" sz="4400">
-                <a:solidFill>
-                  <a:schemeClr val="dk1"/>
-                </a:solidFill>
-                <a:latin typeface="Calibri"/>
-                <a:ea typeface="Calibri"/>
-                <a:cs typeface="Calibri"/>
-                <a:sym typeface="Calibri"/>
-              </a:rPr>
-              <a:t>PREGUNTAS DE LA COMISIÓN</a:t>
-            </a:r>
-            <a:endParaRPr/>
-          </a:p>
-        </p:txBody>
-      </p:sp>
-      <p:sp>
-        <p:nvSpPr>
-          <p:cNvPr id="224" name="Google Shape;224;g38e2c4947a4_0_48"/>
-          <p:cNvSpPr txBox="1"/>
-          <p:nvPr/>
-        </p:nvSpPr>
-        <p:spPr>
-          <a:xfrm>
-            <a:off x="136188" y="368928"/>
-            <a:ext cx="12192000" cy="369300"/>
-          </a:xfrm>
-          <a:prstGeom prst="rect">
-            <a:avLst/>
-          </a:prstGeom>
-          <a:noFill/>
-          <a:ln>
-            <a:noFill/>
-          </a:ln>
-        </p:spPr>
-        <p:txBody>
-          <a:bodyPr anchorCtr="0" anchor="t" bIns="45700" lIns="91425" spcFirstLastPara="1" rIns="91425" wrap="square" tIns="45700">
-            <a:spAutoFit/>
-          </a:bodyPr>
-          <a:lstStyle/>
-          <a:p>
-            <a:pPr indent="0" lvl="0" marL="0" marR="0" rtl="0" algn="l">
-              <a:lnSpc>
-                <a:spcPct val="100000"/>
-              </a:lnSpc>
-              <a:spcBef>
-                <a:spcPts val="0"/>
-              </a:spcBef>
-              <a:spcAft>
-                <a:spcPts val="0"/>
-              </a:spcAft>
-              <a:buClr>
-                <a:srgbClr val="000000"/>
-              </a:buClr>
-              <a:buSzPts val="1800"/>
-              <a:buFont typeface="Arial"/>
-              <a:buNone/>
-            </a:pPr>
-            <a:r>
-              <a:rPr b="0" i="0" lang="es-MX" sz="1800" u="none" cap="none" strike="noStrike">
-                <a:solidFill>
-                  <a:srgbClr val="757070"/>
-                </a:solidFill>
-                <a:latin typeface="Calibri"/>
-                <a:ea typeface="Calibri"/>
-                <a:cs typeface="Calibri"/>
-                <a:sym typeface="Calibri"/>
-              </a:rPr>
-              <a:t>PROYECTO VGD LEARN</a:t>
-            </a:r>
-            <a:endParaRPr b="0" i="0" sz="1400" u="none" cap="none" strike="noStrike">
-              <a:solidFill>
-                <a:srgbClr val="000000"/>
-              </a:solidFill>
-              <a:latin typeface="Arial"/>
-              <a:ea typeface="Arial"/>
-              <a:cs typeface="Arial"/>
-              <a:sym typeface="Arial"/>
-            </a:endParaRPr>
-          </a:p>
-        </p:txBody>
-      </p:sp>
-    </p:spTree>
-  </p:cSld>
-  <p:clrMapOvr>
-    <a:masterClrMapping/>
-  </p:clrMapOvr>
-</p:sld>
-</file>
-
-<file path=ppt/slides/slide16.xml><?xml version="1.0" encoding="utf-8"?>
-<p:sld xmlns:a="http://schemas.openxmlformats.org/drawingml/2006/main" xmlns:r="http://schemas.openxmlformats.org/officeDocument/2006/relationships" xmlns:mc="http://schemas.openxmlformats.org/markup-compatibility/2006" xmlns:mv="urn:schemas-microsoft-com:mac:vml" xmlns:p="http://schemas.openxmlformats.org/presentationml/2006/main" xmlns:c="http://schemas.openxmlformats.org/drawingml/2006/chart" xmlns:dgm="http://schemas.openxmlformats.org/drawingml/2006/diagram" xmlns:o="urn:schemas-microsoft-com:office:office" xmlns:v="urn:schemas-microsoft-com:vml" xmlns:pvml="urn:schemas-microsoft-com:office:powerpoint" xmlns:com="http://schemas.openxmlformats.org/drawingml/2006/compatibility" xmlns:p14="http://schemas.microsoft.com/office/powerpoint/2010/main" xmlns:p15="http://schemas.microsoft.com/office/powerpoint/2012/main" xmlns:ahyp="http://schemas.microsoft.com/office/drawing/2018/hyperlinkcolor">
-  <p:cSld>
-    <p:spTree>
-      <p:nvGrpSpPr>
-        <p:cNvPr id="228" name="Shape 228"/>
-        <p:cNvGrpSpPr/>
-        <p:nvPr/>
-      </p:nvGrpSpPr>
-      <p:grpSpPr>
-        <a:xfrm>
-          <a:off x="0" y="0"/>
-          <a:ext cx="0" cy="0"/>
-          <a:chOff x="0" y="0"/>
-          <a:chExt cx="0" cy="0"/>
-        </a:xfrm>
-      </p:grpSpPr>
-      <p:pic>
-        <p:nvPicPr>
-          <p:cNvPr descr="EscuelaIT Duoc UC - Escuela de Informática y Telecomunicaciones Duoc UC - Duoc  UC | LinkedIn" id="229" name="Google Shape;229;p14"/>
-          <p:cNvPicPr preferRelativeResize="0"/>
-          <p:nvPr/>
-        </p:nvPicPr>
-        <p:blipFill rotWithShape="1">
-          <a:blip r:embed="rId3">
-            <a:alphaModFix/>
-          </a:blip>
-          <a:srcRect b="0" l="0" r="0" t="0"/>
-          <a:stretch/>
-        </p:blipFill>
-        <p:spPr>
-          <a:xfrm>
-            <a:off x="8772152" y="207550"/>
-            <a:ext cx="3141406" cy="785352"/>
-          </a:xfrm>
-          <a:prstGeom prst="rect">
-            <a:avLst/>
-          </a:prstGeom>
-          <a:noFill/>
-          <a:ln>
-            <a:noFill/>
-          </a:ln>
-        </p:spPr>
-      </p:pic>
-      <p:sp>
-        <p:nvSpPr>
-          <p:cNvPr id="230" name="Google Shape;230;p14"/>
-          <p:cNvSpPr txBox="1"/>
-          <p:nvPr/>
-        </p:nvSpPr>
-        <p:spPr>
-          <a:xfrm>
-            <a:off x="3463950" y="2028300"/>
-            <a:ext cx="5264100" cy="2801400"/>
-          </a:xfrm>
-          <a:prstGeom prst="rect">
-            <a:avLst/>
-          </a:prstGeom>
-          <a:noFill/>
-          <a:ln>
-            <a:noFill/>
-          </a:ln>
-        </p:spPr>
-        <p:txBody>
-          <a:bodyPr anchorCtr="0" anchor="ctr" bIns="45700" lIns="91425" spcFirstLastPara="1" rIns="91425" wrap="square" tIns="45700">
-            <a:noAutofit/>
-          </a:bodyPr>
-          <a:lstStyle/>
-          <a:p>
-            <a:pPr indent="0" lvl="0" marL="0" marR="0" rtl="0" algn="ctr">
-              <a:lnSpc>
-                <a:spcPct val="100000"/>
-              </a:lnSpc>
-              <a:spcBef>
-                <a:spcPts val="0"/>
-              </a:spcBef>
-              <a:spcAft>
-                <a:spcPts val="0"/>
-              </a:spcAft>
-              <a:buClr>
-                <a:srgbClr val="000000"/>
-              </a:buClr>
-              <a:buSzPts val="8800"/>
-              <a:buFont typeface="Arial"/>
-              <a:buNone/>
-            </a:pPr>
-            <a:r>
-              <a:rPr b="0" i="0" lang="es-MX" sz="8800" u="none" cap="none" strike="noStrike">
-                <a:solidFill>
-                  <a:schemeClr val="dk1"/>
-                </a:solidFill>
-                <a:latin typeface="Calibri"/>
-                <a:ea typeface="Calibri"/>
-                <a:cs typeface="Calibri"/>
-                <a:sym typeface="Calibri"/>
-              </a:rPr>
-              <a:t>MUCHAS </a:t>
-            </a:r>
-            <a:endParaRPr b="0" i="0" sz="9200" u="none" cap="none" strike="noStrike">
-              <a:solidFill>
-                <a:schemeClr val="dk1"/>
-              </a:solidFill>
-              <a:latin typeface="Calibri"/>
-              <a:ea typeface="Calibri"/>
-              <a:cs typeface="Calibri"/>
-              <a:sym typeface="Calibri"/>
-            </a:endParaRPr>
-          </a:p>
-          <a:p>
-            <a:pPr indent="0" lvl="0" marL="0" marR="0" rtl="0" algn="ctr">
-              <a:lnSpc>
-                <a:spcPct val="100000"/>
-              </a:lnSpc>
-              <a:spcBef>
-                <a:spcPts val="0"/>
-              </a:spcBef>
-              <a:spcAft>
-                <a:spcPts val="0"/>
-              </a:spcAft>
-              <a:buClr>
-                <a:srgbClr val="000000"/>
-              </a:buClr>
-              <a:buSzPts val="8800"/>
-              <a:buFont typeface="Arial"/>
-              <a:buNone/>
-            </a:pPr>
-            <a:r>
-              <a:rPr b="0" i="0" lang="es-MX" sz="8800" u="none" cap="none" strike="noStrike">
-                <a:solidFill>
-                  <a:schemeClr val="dk1"/>
-                </a:solidFill>
-                <a:latin typeface="Calibri"/>
-                <a:ea typeface="Calibri"/>
-                <a:cs typeface="Calibri"/>
-                <a:sym typeface="Calibri"/>
-              </a:rPr>
-              <a:t>GRACIAS</a:t>
-            </a:r>
-            <a:endParaRPr b="0" i="0" sz="9400" u="none" cap="none" strike="noStrike">
-              <a:solidFill>
-                <a:srgbClr val="000000"/>
-              </a:solidFill>
-              <a:latin typeface="Arial"/>
-              <a:ea typeface="Arial"/>
-              <a:cs typeface="Arial"/>
-              <a:sym typeface="Arial"/>
-            </a:endParaRPr>
-          </a:p>
-        </p:txBody>
-      </p:sp>
-      <p:sp>
-        <p:nvSpPr>
-          <p:cNvPr id="231" name="Google Shape;231;p14"/>
-          <p:cNvSpPr txBox="1"/>
-          <p:nvPr/>
-        </p:nvSpPr>
-        <p:spPr>
-          <a:xfrm>
-            <a:off x="136188" y="368928"/>
-            <a:ext cx="12192000" cy="369300"/>
-          </a:xfrm>
-          <a:prstGeom prst="rect">
-            <a:avLst/>
-          </a:prstGeom>
-          <a:noFill/>
-          <a:ln>
-            <a:noFill/>
-          </a:ln>
-        </p:spPr>
-        <p:txBody>
-          <a:bodyPr anchorCtr="0" anchor="t" bIns="45700" lIns="91425" spcFirstLastPara="1" rIns="91425" wrap="square" tIns="45700">
-            <a:spAutoFit/>
-          </a:bodyPr>
-          <a:lstStyle/>
-          <a:p>
-            <a:pPr indent="0" lvl="0" marL="0" marR="0" rtl="0" algn="l">
-              <a:lnSpc>
-                <a:spcPct val="100000"/>
-              </a:lnSpc>
-              <a:spcBef>
-                <a:spcPts val="0"/>
-              </a:spcBef>
-              <a:spcAft>
-                <a:spcPts val="0"/>
-              </a:spcAft>
-              <a:buClr>
-                <a:srgbClr val="000000"/>
-              </a:buClr>
-              <a:buSzPts val="1800"/>
-              <a:buFont typeface="Arial"/>
-              <a:buNone/>
-            </a:pPr>
-            <a:r>
-              <a:rPr b="0" i="0" lang="es-MX" sz="1800" u="none" cap="none" strike="noStrike">
-                <a:solidFill>
-                  <a:srgbClr val="757070"/>
-                </a:solidFill>
-                <a:latin typeface="Calibri"/>
-                <a:ea typeface="Calibri"/>
-                <a:cs typeface="Calibri"/>
-                <a:sym typeface="Calibri"/>
-              </a:rPr>
-              <a:t>PROYECTO VGD LEARN</a:t>
-            </a:r>
-            <a:endParaRPr b="0" i="0" sz="1400" u="none" cap="none" strike="noStrike">
-              <a:solidFill>
-                <a:srgbClr val="000000"/>
-              </a:solidFill>
-              <a:latin typeface="Arial"/>
-              <a:ea typeface="Arial"/>
-              <a:cs typeface="Arial"/>
-              <a:sym typeface="Arial"/>
-            </a:endParaRPr>
-          </a:p>
-        </p:txBody>
-      </p:sp>
       <p:cxnSp>
         <p:nvCxnSpPr>
-          <p:cNvPr id="232" name="Google Shape;232;p14"/>
+          <p:cNvPr id="210" name="Google Shape;210;p14"/>
           <p:cNvCxnSpPr/>
           <p:nvPr/>
         </p:nvCxnSpPr>
@@ -18162,7 +17233,7 @@
           <a:effectLst>
             <a:outerShdw blurRad="57150" rotWithShape="0" algn="ctr" dir="5400000" dist="19050">
               <a:srgbClr val="000000">
-                <a:alpha val="62352"/>
+                <a:alpha val="61960"/>
               </a:srgbClr>
             </a:outerShdw>
           </a:effectLst>
@@ -18376,7 +17447,7 @@
           <a:effectLst>
             <a:outerShdw blurRad="57150" rotWithShape="0" algn="ctr" dir="5400000" dist="19050">
               <a:srgbClr val="000000">
-                <a:alpha val="62352"/>
+                <a:alpha val="61960"/>
               </a:srgbClr>
             </a:outerShdw>
           </a:effectLst>
@@ -18452,7 +17523,7 @@
           <a:effectLst>
             <a:outerShdw blurRad="57150" rotWithShape="0" algn="ctr" dir="5400000" dist="19050">
               <a:srgbClr val="000000">
-                <a:alpha val="62352"/>
+                <a:alpha val="61960"/>
               </a:srgbClr>
             </a:outerShdw>
           </a:effectLst>
@@ -18587,7 +17658,7 @@
                 <a:cs typeface="Calibri"/>
                 <a:sym typeface="Calibri"/>
               </a:rPr>
-              <a:t>Programador Frontend</a:t>
+              <a:t>Product Owner y Programador Frontend</a:t>
             </a:r>
             <a:endParaRPr b="0" i="0" sz="2000" u="none" cap="none" strike="noStrike">
               <a:solidFill>
@@ -18627,7 +17698,7 @@
                 <a:cs typeface="Calibri"/>
                 <a:sym typeface="Calibri"/>
               </a:rPr>
-              <a:t>Diseño y desarrollo de interfaces.</a:t>
+              <a:t>Líder y desarrollador de interfaces.</a:t>
             </a:r>
             <a:endParaRPr b="0" i="0" sz="2000" u="none" cap="none" strike="noStrike">
               <a:solidFill>
@@ -18666,7 +17737,7 @@
           <a:effectLst>
             <a:outerShdw blurRad="57150" rotWithShape="0" algn="ctr" dir="5400000" dist="19050">
               <a:srgbClr val="000000">
-                <a:alpha val="62352"/>
+                <a:alpha val="61960"/>
               </a:srgbClr>
             </a:outerShdw>
           </a:effectLst>
@@ -18742,7 +17813,7 @@
           <a:effectLst>
             <a:outerShdw blurRad="57150" rotWithShape="0" algn="ctr" dir="5400000" dist="19050">
               <a:srgbClr val="000000">
-                <a:alpha val="62352"/>
+                <a:alpha val="61960"/>
               </a:srgbClr>
             </a:outerShdw>
           </a:effectLst>
@@ -18956,7 +18027,7 @@
           <a:effectLst>
             <a:outerShdw blurRad="57150" rotWithShape="0" algn="ctr" dir="5400000" dist="19050">
               <a:srgbClr val="000000">
-                <a:alpha val="62352"/>
+                <a:alpha val="61960"/>
               </a:srgbClr>
             </a:outerShdw>
           </a:effectLst>
@@ -19494,7 +18565,7 @@
               <a:buNone/>
             </a:pPr>
             <a:r>
-              <a:rPr b="0" i="0" lang="es-MX" sz="1800" u="none" cap="none" strike="noStrike">
+              <a:rPr b="0" i="0" lang="es-MX" sz="1700" u="none" cap="none" strike="noStrike">
                 <a:solidFill>
                   <a:schemeClr val="dk1"/>
                 </a:solidFill>
@@ -19506,7 +18577,7 @@
               <a:t>Los estudiantes cuentan con escasos recursos de aprendizaje, </a:t>
             </a:r>
             <a:r>
-              <a:rPr b="1" i="0" lang="es-MX" sz="1800" u="none" cap="none" strike="noStrike">
+              <a:rPr b="1" i="0" lang="es-MX" sz="1700" u="none" cap="none" strike="noStrike">
                 <a:solidFill>
                   <a:schemeClr val="dk1"/>
                 </a:solidFill>
@@ -19518,7 +18589,7 @@
               <a:t>no cuentan con una herramienta unificada que les permita organizar su estudio, practicar de forma personalizada y medir su progreso de manera clara</a:t>
             </a:r>
             <a:r>
-              <a:rPr b="0" i="0" lang="es-MX" sz="1800" u="none" cap="none" strike="noStrike">
+              <a:rPr b="0" i="0" lang="es-MX" sz="1700" u="none" cap="none" strike="noStrike">
                 <a:solidFill>
                   <a:schemeClr val="dk1"/>
                 </a:solidFill>
@@ -19529,7 +18600,7 @@
               </a:rPr>
               <a:t>. Esto hace que el aprendizaje sea desordenado y poco efectivo, y que la tecnología educativa no se aproveche al máximo.</a:t>
             </a:r>
-            <a:endParaRPr b="0" i="0" sz="2500" u="none" cap="none" strike="noStrike">
+            <a:endParaRPr b="0" i="0" sz="1700" u="none" cap="none" strike="noStrike">
               <a:solidFill>
                 <a:schemeClr val="dk1"/>
               </a:solidFill>
@@ -19696,7 +18767,7 @@
               <a:buNone/>
             </a:pPr>
             <a:r>
-              <a:rPr b="0" i="0" lang="es-MX" sz="1800" u="none" cap="none" strike="noStrike">
+              <a:rPr b="0" i="0" lang="es-MX" sz="1700" u="none" cap="none" strike="noStrike">
                 <a:solidFill>
                   <a:schemeClr val="dk1"/>
                 </a:solidFill>
@@ -19708,7 +18779,7 @@
               <a:t>Una herramienta que ayude a los estudiantes a </a:t>
             </a:r>
             <a:r>
-              <a:rPr b="1" i="0" lang="es-MX" sz="1800" u="none" cap="none" strike="noStrike">
+              <a:rPr b="1" i="0" lang="es-MX" sz="1700" u="none" cap="none" strike="noStrike">
                 <a:solidFill>
                   <a:schemeClr val="dk1"/>
                 </a:solidFill>
@@ -19720,7 +18791,7 @@
               <a:t>organizar sus materiales en módulos temáticos, haciendo que el estudio sea más ordenado</a:t>
             </a:r>
             <a:r>
-              <a:rPr b="0" i="0" lang="es-MX" sz="1800" u="none" cap="none" strike="noStrike">
+              <a:rPr b="0" i="0" lang="es-MX" sz="1700" u="none" cap="none" strike="noStrike">
                 <a:solidFill>
                   <a:schemeClr val="dk1"/>
                 </a:solidFill>
@@ -19731,7 +18802,7 @@
               </a:rPr>
               <a:t> y personalizado usando inteligencia artificial, y el contenido que ellos subirán. También se mostrarán gráficas con los resultados para ver qué temas dominan y cuáles necesitan reforzar.</a:t>
             </a:r>
-            <a:endParaRPr b="0" i="0" sz="2500" u="none" cap="none" strike="noStrike">
+            <a:endParaRPr b="0" i="0" sz="2400" u="none" cap="none" strike="noStrike">
               <a:solidFill>
                 <a:schemeClr val="dk1"/>
               </a:solidFill>
@@ -19819,177 +18890,6 @@
   <p:transition spd="slow">
     <p:wipe dir="l"/>
   </p:transition>
-  <p:timing>
-    <p:tnLst>
-      <p:par>
-        <p:cTn dur="indefinite" nodeType="tmRoot" restart="never">
-          <p:childTnLst>
-            <p:seq concurrent="1" nextAc="seek">
-              <p:cTn dur="indefinite" id="2" nodeType="mainSeq">
-                <p:childTnLst>
-                  <p:par>
-                    <p:cTn fill="hold">
-                      <p:stCondLst>
-                        <p:cond delay="indefinite"/>
-                      </p:stCondLst>
-                      <p:childTnLst>
-                        <p:par>
-                          <p:cTn fill="hold">
-                            <p:stCondLst>
-                              <p:cond delay="0"/>
-                            </p:stCondLst>
-                            <p:childTnLst>
-                              <p:par>
-                                <p:cTn fill="hold" nodeType="clickEffect" presetClass="entr" presetID="10" presetSubtype="0">
-                                  <p:stCondLst>
-                                    <p:cond delay="0"/>
-                                  </p:stCondLst>
-                                  <p:childTnLst>
-                                    <p:set>
-                                      <p:cBhvr>
-                                        <p:cTn dur="1" fill="hold">
-                                          <p:stCondLst>
-                                            <p:cond delay="0"/>
-                                          </p:stCondLst>
-                                        </p:cTn>
-                                        <p:tgtEl>
-                                          <p:spTgt spid="111"/>
-                                        </p:tgtEl>
-                                        <p:attrNameLst>
-                                          <p:attrName>style.visibility</p:attrName>
-                                        </p:attrNameLst>
-                                      </p:cBhvr>
-                                      <p:to>
-                                        <p:strVal val="visible"/>
-                                      </p:to>
-                                    </p:set>
-                                    <p:animEffect filter="fade" transition="in">
-                                      <p:cBhvr>
-                                        <p:cTn dur="500"/>
-                                        <p:tgtEl>
-                                          <p:spTgt spid="111"/>
-                                        </p:tgtEl>
-                                      </p:cBhvr>
-                                    </p:animEffect>
-                                  </p:childTnLst>
-                                </p:cTn>
-                              </p:par>
-                            </p:childTnLst>
-                          </p:cTn>
-                        </p:par>
-                      </p:childTnLst>
-                    </p:cTn>
-                  </p:par>
-                  <p:par>
-                    <p:cTn fill="hold">
-                      <p:stCondLst>
-                        <p:cond delay="indefinite"/>
-                      </p:stCondLst>
-                      <p:childTnLst>
-                        <p:par>
-                          <p:cTn fill="hold">
-                            <p:stCondLst>
-                              <p:cond delay="0"/>
-                            </p:stCondLst>
-                            <p:childTnLst>
-                              <p:par>
-                                <p:cTn fill="hold" nodeType="clickEffect" presetClass="entr" presetID="10" presetSubtype="0">
-                                  <p:stCondLst>
-                                    <p:cond delay="0"/>
-                                  </p:stCondLst>
-                                  <p:childTnLst>
-                                    <p:set>
-                                      <p:cBhvr>
-                                        <p:cTn dur="1" fill="hold">
-                                          <p:stCondLst>
-                                            <p:cond delay="0"/>
-                                          </p:stCondLst>
-                                        </p:cTn>
-                                        <p:tgtEl>
-                                          <p:spTgt spid="113"/>
-                                        </p:tgtEl>
-                                        <p:attrNameLst>
-                                          <p:attrName>style.visibility</p:attrName>
-                                        </p:attrNameLst>
-                                      </p:cBhvr>
-                                      <p:to>
-                                        <p:strVal val="visible"/>
-                                      </p:to>
-                                    </p:set>
-                                    <p:animEffect filter="fade" transition="in">
-                                      <p:cBhvr>
-                                        <p:cTn dur="500"/>
-                                        <p:tgtEl>
-                                          <p:spTgt spid="113"/>
-                                        </p:tgtEl>
-                                      </p:cBhvr>
-                                    </p:animEffect>
-                                  </p:childTnLst>
-                                </p:cTn>
-                              </p:par>
-                              <p:par>
-                                <p:cTn fill="hold" nodeType="withEffect" presetClass="entr" presetID="10" presetSubtype="0">
-                                  <p:stCondLst>
-                                    <p:cond delay="0"/>
-                                  </p:stCondLst>
-                                  <p:childTnLst>
-                                    <p:set>
-                                      <p:cBhvr>
-                                        <p:cTn dur="1" fill="hold">
-                                          <p:stCondLst>
-                                            <p:cond delay="0"/>
-                                          </p:stCondLst>
-                                        </p:cTn>
-                                        <p:tgtEl>
-                                          <p:spTgt spid="112"/>
-                                        </p:tgtEl>
-                                        <p:attrNameLst>
-                                          <p:attrName>style.visibility</p:attrName>
-                                        </p:attrNameLst>
-                                      </p:cBhvr>
-                                      <p:to>
-                                        <p:strVal val="visible"/>
-                                      </p:to>
-                                    </p:set>
-                                    <p:animEffect filter="fade" transition="in">
-                                      <p:cBhvr>
-                                        <p:cTn dur="500"/>
-                                        <p:tgtEl>
-                                          <p:spTgt spid="112"/>
-                                        </p:tgtEl>
-                                      </p:cBhvr>
-                                    </p:animEffect>
-                                  </p:childTnLst>
-                                </p:cTn>
-                              </p:par>
-                            </p:childTnLst>
-                          </p:cTn>
-                        </p:par>
-                      </p:childTnLst>
-                    </p:cTn>
-                  </p:par>
-                </p:childTnLst>
-              </p:cTn>
-              <p:prevCondLst>
-                <p:cond evt="onPrev">
-                  <p:tgtEl>
-                    <p:sldTgt/>
-                  </p:tgtEl>
-                </p:cond>
-              </p:prevCondLst>
-              <p:nextCondLst>
-                <p:cond evt="onNext">
-                  <p:tgtEl>
-                    <p:sldTgt/>
-                  </p:tgtEl>
-                </p:cond>
-              </p:nextCondLst>
-            </p:seq>
-          </p:childTnLst>
-        </p:cTn>
-      </p:par>
-    </p:tnLst>
-  </p:timing>
 </p:sld>
 </file>
 
@@ -20314,25 +19214,17 @@
               <a:buNone/>
             </a:pPr>
             <a:r>
-              <a:rPr b="0" i="0" lang="es-MX" sz="1900" u="none" cap="none" strike="noStrike">
+              <a:rPr i="0" lang="es-MX" sz="1600" u="none" cap="none" strike="noStrike">
                 <a:solidFill>
                   <a:schemeClr val="dk1"/>
                 </a:solidFill>
-                <a:latin typeface="Calibri"/>
-                <a:ea typeface="Calibri"/>
-                <a:cs typeface="Calibri"/>
-                <a:sym typeface="Calibri"/>
               </a:rPr>
-              <a:t>Desarrollar una plataforma digital educativa que integre inteligencia artificial y procesamiento de lenguaje natural, permitiendo a los estudiantes organizar sus materiales de estudio, generar quizzes personalizados e ilustraciones pedagógicas, y obtener métricas claras de su progreso académico.</a:t>
+              <a:t>Desarrollar una plataforma digital educativa que integre inteligencia artificial y procesamiento de lenguaje natural, permitiendo a los estudiantes organizar sus materiales de estudio, generar quizzes personalizados y obtener métricas claras de su progreso académico.</a:t>
             </a:r>
-            <a:endParaRPr b="0" i="0" sz="2100" u="none" cap="none" strike="noStrike">
+            <a:endParaRPr i="0" sz="1800" u="none" cap="none" strike="noStrike">
               <a:solidFill>
                 <a:schemeClr val="dk1"/>
               </a:solidFill>
-              <a:latin typeface="Calibri"/>
-              <a:ea typeface="Calibri"/>
-              <a:cs typeface="Calibri"/>
-              <a:sym typeface="Calibri"/>
             </a:endParaRPr>
           </a:p>
         </p:txBody>
@@ -20372,203 +19264,115 @@
           </a:bodyPr>
           <a:lstStyle/>
           <a:p>
-            <a:pPr indent="-342900" lvl="0" marL="457200" rtl="0" algn="just">
-              <a:lnSpc>
-                <a:spcPct val="107916"/>
-              </a:lnSpc>
-              <a:spcBef>
-                <a:spcPts val="0"/>
-              </a:spcBef>
-              <a:spcAft>
-                <a:spcPts val="0"/>
-              </a:spcAft>
-              <a:buClr>
-                <a:schemeClr val="dk1"/>
-              </a:buClr>
-              <a:buSzPts val="1800"/>
-              <a:buFont typeface="Calibri"/>
+            <a:pPr indent="-330200" lvl="0" marL="457200" rtl="0" algn="just">
+              <a:spcBef>
+                <a:spcPts val="800"/>
+              </a:spcBef>
+              <a:spcAft>
+                <a:spcPts val="0"/>
+              </a:spcAft>
+              <a:buClr>
+                <a:schemeClr val="dk1"/>
+              </a:buClr>
+              <a:buSzPts val="1600"/>
               <a:buChar char="●"/>
             </a:pPr>
             <a:r>
-              <a:rPr lang="es-MX" sz="1800">
+              <a:rPr lang="es-MX" sz="1600">
                 <a:solidFill>
                   <a:schemeClr val="dk1"/>
                 </a:solidFill>
-                <a:latin typeface="Calibri"/>
-                <a:ea typeface="Calibri"/>
-                <a:cs typeface="Calibri"/>
-                <a:sym typeface="Calibri"/>
               </a:rPr>
-              <a:t>Analizar las necesidades de los estudiantes en relación con la organización de sus materiales de estudio.</a:t>
+              <a:t>Organizar materiales de estudio de forma simple y accesible.</a:t>
             </a:r>
-            <a:endParaRPr sz="1800">
+            <a:endParaRPr sz="1600">
               <a:solidFill>
                 <a:schemeClr val="dk1"/>
               </a:solidFill>
-              <a:latin typeface="Calibri"/>
-              <a:ea typeface="Calibri"/>
-              <a:cs typeface="Calibri"/>
-              <a:sym typeface="Calibri"/>
             </a:endParaRPr>
           </a:p>
           <a:p>
-            <a:pPr indent="-342900" lvl="0" marL="457200" rtl="0" algn="just">
-              <a:lnSpc>
-                <a:spcPct val="107916"/>
-              </a:lnSpc>
-              <a:spcBef>
-                <a:spcPts val="0"/>
-              </a:spcBef>
-              <a:spcAft>
-                <a:spcPts val="0"/>
-              </a:spcAft>
-              <a:buClr>
-                <a:schemeClr val="dk1"/>
-              </a:buClr>
-              <a:buSzPts val="1800"/>
-              <a:buFont typeface="Calibri"/>
+            <a:pPr indent="-330200" lvl="0" marL="457200" rtl="0" algn="just">
+              <a:spcBef>
+                <a:spcPts val="800"/>
+              </a:spcBef>
+              <a:spcAft>
+                <a:spcPts val="0"/>
+              </a:spcAft>
+              <a:buClr>
+                <a:schemeClr val="dk1"/>
+              </a:buClr>
+              <a:buSzPts val="1600"/>
               <a:buChar char="●"/>
             </a:pPr>
             <a:r>
-              <a:rPr lang="es-MX" sz="1800">
+              <a:rPr lang="es-MX" sz="1600">
                 <a:solidFill>
                   <a:schemeClr val="dk1"/>
                 </a:solidFill>
-                <a:latin typeface="Calibri"/>
-                <a:ea typeface="Calibri"/>
-                <a:cs typeface="Calibri"/>
-                <a:sym typeface="Calibri"/>
               </a:rPr>
-              <a:t>Diseñar la arquitectura y experiencia de usuario de una plataforma digital que promueva el aprendizaje autónomo, accesible y adaptado a distintos perfiles cognitivos.</a:t>
+              <a:t>Generar evaluaciones según el nivel del estudiante.</a:t>
             </a:r>
-            <a:endParaRPr sz="1800">
+            <a:endParaRPr sz="1600">
               <a:solidFill>
                 <a:schemeClr val="dk1"/>
               </a:solidFill>
-              <a:latin typeface="Calibri"/>
-              <a:ea typeface="Calibri"/>
-              <a:cs typeface="Calibri"/>
-              <a:sym typeface="Calibri"/>
             </a:endParaRPr>
           </a:p>
           <a:p>
-            <a:pPr indent="-342900" lvl="0" marL="457200" rtl="0" algn="just">
-              <a:lnSpc>
-                <a:spcPct val="107916"/>
-              </a:lnSpc>
-              <a:spcBef>
-                <a:spcPts val="0"/>
-              </a:spcBef>
-              <a:spcAft>
-                <a:spcPts val="0"/>
-              </a:spcAft>
-              <a:buClr>
-                <a:schemeClr val="dk1"/>
-              </a:buClr>
-              <a:buSzPts val="1800"/>
-              <a:buFont typeface="Calibri"/>
+            <a:pPr indent="-330200" lvl="0" marL="457200" rtl="0" algn="just">
+              <a:spcBef>
+                <a:spcPts val="800"/>
+              </a:spcBef>
+              <a:spcAft>
+                <a:spcPts val="0"/>
+              </a:spcAft>
+              <a:buClr>
+                <a:schemeClr val="dk1"/>
+              </a:buClr>
+              <a:buSzPts val="1600"/>
               <a:buChar char="●"/>
             </a:pPr>
             <a:r>
-              <a:rPr lang="es-MX" sz="1800">
+              <a:rPr lang="es-MX" sz="1600">
                 <a:solidFill>
                   <a:schemeClr val="dk1"/>
                 </a:solidFill>
-                <a:latin typeface="Calibri"/>
-                <a:ea typeface="Calibri"/>
-                <a:cs typeface="Calibri"/>
-                <a:sym typeface="Calibri"/>
               </a:rPr>
-              <a:t>Aplicar técnicas de procesamiento de lenguaje natural (NLP) para generar recursos didácticos personalizados que optimicen la comprensión y retención de contenidos.</a:t>
+              <a:t>Estructurar módulos automáticamente a partir de la documentación.</a:t>
             </a:r>
-            <a:endParaRPr sz="1800">
+            <a:endParaRPr sz="1600">
               <a:solidFill>
                 <a:schemeClr val="dk1"/>
               </a:solidFill>
-              <a:latin typeface="Calibri"/>
-              <a:ea typeface="Calibri"/>
-              <a:cs typeface="Calibri"/>
-              <a:sym typeface="Calibri"/>
             </a:endParaRPr>
           </a:p>
           <a:p>
-            <a:pPr indent="-342900" lvl="0" marL="457200" rtl="0" algn="just">
-              <a:lnSpc>
-                <a:spcPct val="107916"/>
-              </a:lnSpc>
-              <a:spcBef>
-                <a:spcPts val="0"/>
-              </a:spcBef>
-              <a:spcAft>
-                <a:spcPts val="0"/>
-              </a:spcAft>
-              <a:buClr>
-                <a:schemeClr val="dk1"/>
-              </a:buClr>
-              <a:buSzPts val="1800"/>
-              <a:buFont typeface="Calibri"/>
+            <a:pPr indent="-330200" lvl="0" marL="457200" rtl="0" algn="just">
+              <a:spcBef>
+                <a:spcPts val="800"/>
+              </a:spcBef>
+              <a:spcAft>
+                <a:spcPts val="800"/>
+              </a:spcAft>
+              <a:buClr>
+                <a:schemeClr val="dk1"/>
+              </a:buClr>
+              <a:buSzPts val="1600"/>
               <a:buChar char="●"/>
             </a:pPr>
             <a:r>
-              <a:rPr lang="es-MX" sz="1800">
+              <a:rPr lang="es-MX" sz="1600">
                 <a:solidFill>
                   <a:schemeClr val="dk1"/>
                 </a:solidFill>
-                <a:latin typeface="Calibri"/>
-                <a:ea typeface="Calibri"/>
-                <a:cs typeface="Calibri"/>
-                <a:sym typeface="Calibri"/>
               </a:rPr>
-              <a:t>Implementar mecanismos de seguimiento y evaluación que permitan medir el progreso académico del usuario y generar retroalimentación significativa sobre su desempeño.</a:t>
+              <a:t>Mantener los estudios ordenados y libres de distracciones.</a:t>
             </a:r>
-            <a:endParaRPr sz="1800">
+            <a:endParaRPr sz="1600">
               <a:solidFill>
                 <a:schemeClr val="dk1"/>
               </a:solidFill>
-              <a:latin typeface="Calibri"/>
-              <a:ea typeface="Calibri"/>
-              <a:cs typeface="Calibri"/>
-              <a:sym typeface="Calibri"/>
-            </a:endParaRPr>
-          </a:p>
-          <a:p>
-            <a:pPr indent="-342900" lvl="0" marL="457200" rtl="0" algn="just">
-              <a:lnSpc>
-                <a:spcPct val="107916"/>
-              </a:lnSpc>
-              <a:spcBef>
-                <a:spcPts val="0"/>
-              </a:spcBef>
-              <a:spcAft>
-                <a:spcPts val="800"/>
-              </a:spcAft>
-              <a:buClr>
-                <a:schemeClr val="dk1"/>
-              </a:buClr>
-              <a:buSzPts val="1800"/>
-              <a:buFont typeface="Calibri"/>
-              <a:buChar char="●"/>
-            </a:pPr>
-            <a:r>
-              <a:rPr lang="es-MX" sz="1800">
-                <a:solidFill>
-                  <a:schemeClr val="dk1"/>
-                </a:solidFill>
-                <a:latin typeface="Calibri"/>
-                <a:ea typeface="Calibri"/>
-                <a:cs typeface="Calibri"/>
-                <a:sym typeface="Calibri"/>
-              </a:rPr>
-              <a:t>Gestionar el desarrollo del proyecto mediante metodología ágil SCRUM, asegurando la colaboración, adaptabilidad y cumplimiento progresivo de los objetivos planteados.</a:t>
-            </a:r>
-            <a:endParaRPr sz="1800">
-              <a:solidFill>
-                <a:schemeClr val="dk1"/>
-              </a:solidFill>
-              <a:latin typeface="Calibri"/>
-              <a:ea typeface="Calibri"/>
-              <a:cs typeface="Calibri"/>
-              <a:sym typeface="Calibri"/>
             </a:endParaRPr>
           </a:p>
         </p:txBody>
@@ -20581,124 +19385,6 @@
   <p:transition spd="slow">
     <p:wipe dir="l"/>
   </p:transition>
-  <p:timing>
-    <p:tnLst>
-      <p:par>
-        <p:cTn dur="indefinite" nodeType="tmRoot" restart="never">
-          <p:childTnLst>
-            <p:seq concurrent="1" nextAc="seek">
-              <p:cTn dur="indefinite" id="2" nodeType="mainSeq">
-                <p:childTnLst>
-                  <p:par>
-                    <p:cTn fill="hold">
-                      <p:stCondLst>
-                        <p:cond delay="indefinite"/>
-                      </p:stCondLst>
-                      <p:childTnLst>
-                        <p:par>
-                          <p:cTn fill="hold">
-                            <p:stCondLst>
-                              <p:cond delay="0"/>
-                            </p:stCondLst>
-                            <p:childTnLst>
-                              <p:par>
-                                <p:cTn fill="hold" nodeType="clickEffect" presetClass="entr" presetID="10" presetSubtype="0">
-                                  <p:stCondLst>
-                                    <p:cond delay="0"/>
-                                  </p:stCondLst>
-                                  <p:childTnLst>
-                                    <p:set>
-                                      <p:cBhvr>
-                                        <p:cTn dur="1" fill="hold">
-                                          <p:stCondLst>
-                                            <p:cond delay="0"/>
-                                          </p:stCondLst>
-                                        </p:cTn>
-                                        <p:tgtEl>
-                                          <p:spTgt spid="122"/>
-                                        </p:tgtEl>
-                                        <p:attrNameLst>
-                                          <p:attrName>style.visibility</p:attrName>
-                                        </p:attrNameLst>
-                                      </p:cBhvr>
-                                      <p:to>
-                                        <p:strVal val="visible"/>
-                                      </p:to>
-                                    </p:set>
-                                    <p:animEffect filter="fade" transition="in">
-                                      <p:cBhvr>
-                                        <p:cTn dur="500"/>
-                                        <p:tgtEl>
-                                          <p:spTgt spid="122"/>
-                                        </p:tgtEl>
-                                      </p:cBhvr>
-                                    </p:animEffect>
-                                  </p:childTnLst>
-                                </p:cTn>
-                              </p:par>
-                              <p:par>
-                                <p:cTn fill="hold" nodeType="withEffect" presetClass="entr" presetID="10" presetSubtype="0">
-                                  <p:stCondLst>
-                                    <p:cond delay="0"/>
-                                  </p:stCondLst>
-                                  <p:childTnLst>
-                                    <p:set>
-                                      <p:cBhvr>
-                                        <p:cTn dur="1" fill="hold">
-                                          <p:stCondLst>
-                                            <p:cond delay="0"/>
-                                          </p:stCondLst>
-                                        </p:cTn>
-                                        <p:tgtEl>
-                                          <p:spTgt spid="124"/>
-                                        </p:tgtEl>
-                                        <p:attrNameLst>
-                                          <p:attrName>style.visibility</p:attrName>
-                                        </p:attrNameLst>
-                                      </p:cBhvr>
-                                      <p:to>
-                                        <p:strVal val="visible"/>
-                                      </p:to>
-                                    </p:set>
-                                    <p:animEffect filter="fade" transition="in">
-                                      <p:cBhvr>
-                                        <p:cTn dur="500"/>
-                                        <p:tgtEl>
-                                          <p:spTgt spid="124"/>
-                                        </p:tgtEl>
-                                      </p:cBhvr>
-                                    </p:animEffect>
-                                  </p:childTnLst>
-                                </p:cTn>
-                              </p:par>
-                            </p:childTnLst>
-                          </p:cTn>
-                        </p:par>
-                      </p:childTnLst>
-                    </p:cTn>
-                  </p:par>
-                </p:childTnLst>
-              </p:cTn>
-              <p:prevCondLst>
-                <p:cond evt="onPrev">
-                  <p:tgtEl>
-                    <p:sldTgt/>
-                  </p:tgtEl>
-                </p:cond>
-              </p:prevCondLst>
-              <p:nextCondLst>
-                <p:cond evt="onNext">
-                  <p:tgtEl>
-                    <p:sldTgt/>
-                  </p:tgtEl>
-                </p:cond>
-              </p:nextCondLst>
-            </p:seq>
-          </p:childTnLst>
-        </p:cTn>
-      </p:par>
-    </p:tnLst>
-  </p:timing>
 </p:sld>
 </file>
 
@@ -20721,7 +19407,7 @@
       </p:grpSpPr>
       <p:pic>
         <p:nvPicPr>
-          <p:cNvPr descr="EscuelaIT Duoc UC - Escuela de Informática y Telecomunicaciones Duoc UC - Duoc  UC | LinkedIn" id="129" name="Google Shape;129;g38e28c1fc90_0_0"/>
+          <p:cNvPr descr="EscuelaIT Duoc UC - Escuela de Informática y Telecomunicaciones Duoc UC - Duoc  UC | LinkedIn" id="129" name="Google Shape;129;g38e2c4947a4_0_0"/>
           <p:cNvPicPr preferRelativeResize="0"/>
           <p:nvPr/>
         </p:nvPicPr>
@@ -20748,7 +19434,7 @@
       </p:pic>
       <p:sp>
         <p:nvSpPr>
-          <p:cNvPr id="130" name="Google Shape;130;g38e28c1fc90_0_0"/>
+          <p:cNvPr id="130" name="Google Shape;130;g38e2c4947a4_0_0"/>
           <p:cNvSpPr txBox="1"/>
           <p:nvPr/>
         </p:nvSpPr>
@@ -20814,13 +19500,13 @@
       </p:sp>
       <p:sp>
         <p:nvSpPr>
-          <p:cNvPr id="131" name="Google Shape;131;g38e28c1fc90_0_0"/>
+          <p:cNvPr id="131" name="Google Shape;131;g38e2c4947a4_0_0"/>
           <p:cNvSpPr txBox="1"/>
           <p:nvPr/>
         </p:nvSpPr>
         <p:spPr>
           <a:xfrm>
-            <a:off x="1695650" y="919800"/>
+            <a:off x="1922400" y="3818525"/>
             <a:ext cx="8619600" cy="646500"/>
           </a:xfrm>
           <a:prstGeom prst="rect">
@@ -20870,7 +19556,7 @@
                 <a:cs typeface="Calibri"/>
                 <a:sym typeface="Calibri"/>
               </a:rPr>
-              <a:t>Alcance del proyecto</a:t>
+              <a:t>Limitaciones del proyecto</a:t>
             </a:r>
             <a:endParaRPr b="0" i="0" sz="1400" u="none" cap="none" strike="noStrike">
               <a:solidFill>
@@ -20886,7 +19572,7 @@
       </p:sp>
       <p:cxnSp>
         <p:nvCxnSpPr>
-          <p:cNvPr id="132" name="Google Shape;132;g38e28c1fc90_0_0"/>
+          <p:cNvPr id="132" name="Google Shape;132;g38e2c4947a4_0_0"/>
           <p:cNvCxnSpPr/>
           <p:nvPr/>
         </p:nvCxnSpPr>
@@ -20912,14 +19598,14 @@
       </p:cxnSp>
       <p:sp>
         <p:nvSpPr>
-          <p:cNvPr id="133" name="Google Shape;133;g38e28c1fc90_0_0"/>
+          <p:cNvPr id="133" name="Google Shape;133;g38e2c4947a4_0_0"/>
           <p:cNvSpPr/>
           <p:nvPr/>
         </p:nvSpPr>
         <p:spPr>
           <a:xfrm>
-            <a:off x="632861" y="1981875"/>
-            <a:ext cx="11198700" cy="4092600"/>
+            <a:off x="615500" y="4465025"/>
+            <a:ext cx="10779900" cy="2250600"/>
           </a:xfrm>
           <a:prstGeom prst="roundRect">
             <a:avLst>
@@ -20940,118 +19626,124 @@
           </a:ln>
         </p:spPr>
         <p:txBody>
-          <a:bodyPr anchorCtr="0" anchor="t" bIns="45700" lIns="91425" spcFirstLastPara="1" rIns="91425" wrap="square" tIns="45700">
+          <a:bodyPr anchorCtr="0" anchor="ctr" bIns="45700" lIns="91425" spcFirstLastPara="1" rIns="91425" wrap="square" tIns="45700">
             <a:noAutofit/>
           </a:bodyPr>
           <a:lstStyle/>
           <a:p>
-            <a:pPr indent="0" lvl="0" marL="0" marR="0" rtl="0" algn="ctr">
-              <a:lnSpc>
-                <a:spcPct val="100000"/>
-              </a:lnSpc>
-              <a:spcBef>
-                <a:spcPts val="0"/>
-              </a:spcBef>
-              <a:spcAft>
-                <a:spcPts val="0"/>
-              </a:spcAft>
-              <a:buClr>
-                <a:srgbClr val="000000"/>
-              </a:buClr>
-              <a:buSzPts val="1800"/>
+            <a:pPr indent="-323850" lvl="0" marL="457200" marR="0" rtl="0" algn="l">
+              <a:lnSpc>
+                <a:spcPct val="115000"/>
+              </a:lnSpc>
+              <a:spcBef>
+                <a:spcPts val="0"/>
+              </a:spcBef>
+              <a:spcAft>
+                <a:spcPts val="0"/>
+              </a:spcAft>
+              <a:buClr>
+                <a:schemeClr val="dk1"/>
+              </a:buClr>
+              <a:buSzPts val="1500"/>
               <a:buFont typeface="Arial"/>
-              <a:buNone/>
+              <a:buChar char="●"/>
             </a:pPr>
             <a:r>
-              <a:t/>
+              <a:rPr lang="es-MX" sz="1500">
+                <a:solidFill>
+                  <a:schemeClr val="dk1"/>
+                </a:solidFill>
+                <a:highlight>
+                  <a:schemeClr val="lt1"/>
+                </a:highlight>
+              </a:rPr>
+              <a:t>Las actividades generadas por la plataforma (quizzes, flashcards, autocompletado) se limitan a contenido textual, sin incluir componentes gráficos ni multimedia.</a:t>
             </a:r>
-            <a:endParaRPr sz="1700">
+            <a:endParaRPr sz="1500">
               <a:solidFill>
                 <a:schemeClr val="dk1"/>
               </a:solidFill>
+              <a:highlight>
+                <a:schemeClr val="lt1"/>
+              </a:highlight>
             </a:endParaRPr>
           </a:p>
           <a:p>
-            <a:pPr indent="0" lvl="0" marL="0" marR="0" rtl="0" algn="ctr">
-              <a:lnSpc>
-                <a:spcPct val="100000"/>
-              </a:lnSpc>
-              <a:spcBef>
-                <a:spcPts val="0"/>
-              </a:spcBef>
-              <a:spcAft>
-                <a:spcPts val="0"/>
-              </a:spcAft>
-              <a:buClr>
-                <a:srgbClr val="000000"/>
-              </a:buClr>
-              <a:buSzPts val="1800"/>
-              <a:buFont typeface="Arial"/>
-              <a:buNone/>
+            <a:pPr indent="-323850" lvl="0" marL="457200" marR="0" rtl="0" algn="l">
+              <a:lnSpc>
+                <a:spcPct val="115000"/>
+              </a:lnSpc>
+              <a:spcBef>
+                <a:spcPts val="0"/>
+              </a:spcBef>
+              <a:spcAft>
+                <a:spcPts val="0"/>
+              </a:spcAft>
+              <a:buClr>
+                <a:schemeClr val="dk1"/>
+              </a:buClr>
+              <a:buSzPts val="1500"/>
+              <a:buChar char="●"/>
             </a:pPr>
             <a:r>
-              <a:rPr lang="es-MX" sz="1700">
+              <a:rPr lang="es-MX" sz="1500">
                 <a:solidFill>
                   <a:schemeClr val="dk1"/>
                 </a:solidFill>
+                <a:highlight>
+                  <a:schemeClr val="lt1"/>
+                </a:highlight>
               </a:rPr>
-              <a:t>El proyecto VGD Learn tiene como alcance el desarrollo de una </a:t>
+              <a:t>La personalización del contenido no ocurre en tiempo real; la IA trabaja con un análisis estático del material previamente cargado</a:t>
             </a:r>
-            <a:r>
-              <a:rPr b="1" lang="es-MX" sz="1700">
-                <a:solidFill>
-                  <a:schemeClr val="dk1"/>
-                </a:solidFill>
-              </a:rPr>
-              <a:t>plataforma educativa digital que integra inteligencia artificial para apoyar el aprendizaje autónomo de los estudiantes.</a:t>
-            </a:r>
-            <a:r>
-              <a:rPr lang="es-MX" sz="1700">
-                <a:solidFill>
-                  <a:schemeClr val="dk1"/>
-                </a:solidFill>
-              </a:rPr>
-              <a:t> El sistema permitirá subir materiales de estudio, procesarlos mediante un módulo de procesamiento de lenguaje natural (NLP) y generar de forma automática quizzes y actividades personalizadas según el contenido y las necesidades del usuario</a:t>
-            </a:r>
-            <a:endParaRPr sz="1600">
+            <a:endParaRPr sz="1500">
               <a:solidFill>
                 <a:schemeClr val="dk1"/>
               </a:solidFill>
+              <a:highlight>
+                <a:schemeClr val="lt1"/>
+              </a:highlight>
             </a:endParaRPr>
           </a:p>
           <a:p>
-            <a:pPr indent="-336550" lvl="0" marL="457200" rtl="0" algn="l">
+            <a:pPr indent="-323850" lvl="0" marL="457200" marR="0" rtl="0" algn="l">
               <a:lnSpc>
                 <a:spcPct val="115000"/>
               </a:lnSpc>
               <a:spcBef>
-                <a:spcPts val="1200"/>
-              </a:spcBef>
-              <a:spcAft>
-                <a:spcPts val="0"/>
-              </a:spcAft>
-              <a:buClr>
-                <a:schemeClr val="dk1"/>
-              </a:buClr>
-              <a:buSzPts val="1700"/>
+                <a:spcPts val="0"/>
+              </a:spcBef>
+              <a:spcAft>
+                <a:spcPts val="0"/>
+              </a:spcAft>
+              <a:buClr>
+                <a:schemeClr val="dk1"/>
+              </a:buClr>
+              <a:buSzPts val="1500"/>
               <a:buChar char="●"/>
             </a:pPr>
             <a:r>
-              <a:rPr lang="es-MX" sz="1700">
+              <a:rPr lang="es-MX" sz="1500">
                 <a:solidFill>
                   <a:schemeClr val="dk1"/>
                 </a:solidFill>
+                <a:highlight>
+                  <a:schemeClr val="lt1"/>
+                </a:highlight>
               </a:rPr>
-              <a:t>Backend funcional desarrollado en Spring Boot con conexión a PostgreSQL, encargado de gestionar la lógica del sistema y las solicitudes del usuario.</a:t>
+              <a:t>El alcance del proyecto se centra exclusivamente en aprendizaje individual autónomo y no contempla dinámicas colaborativas.</a:t>
             </a:r>
-            <a:endParaRPr sz="1700">
+            <a:endParaRPr sz="1500">
               <a:solidFill>
                 <a:schemeClr val="dk1"/>
               </a:solidFill>
+              <a:highlight>
+                <a:schemeClr val="lt1"/>
+              </a:highlight>
             </a:endParaRPr>
           </a:p>
           <a:p>
-            <a:pPr indent="-336550" lvl="0" marL="457200" rtl="0" algn="l">
+            <a:pPr indent="-323850" lvl="0" marL="457200" marR="0" rtl="0" algn="l">
               <a:lnSpc>
                 <a:spcPct val="115000"/>
               </a:lnSpc>
@@ -21064,212 +19756,34 @@
               <a:buClr>
                 <a:schemeClr val="dk1"/>
               </a:buClr>
-              <a:buSzPts val="1700"/>
+              <a:buSzPts val="1500"/>
               <a:buChar char="●"/>
             </a:pPr>
             <a:r>
-              <a:rPr lang="es-MX" sz="1700">
+              <a:rPr lang="es-MX" sz="1500">
                 <a:solidFill>
                   <a:schemeClr val="dk1"/>
                 </a:solidFill>
+                <a:highlight>
+                  <a:schemeClr val="lt1"/>
+                </a:highlight>
               </a:rPr>
-              <a:t>Frontend interactivo construido en React, que permite la carga de materiales y visualización de quizzes.</a:t>
+              <a:t>La versión inicial está optimizada para entorno web de escritorio; no se garantiza compatibilidad plena con dispositivos móviles.</a:t>
             </a:r>
-            <a:endParaRPr sz="1700">
+            <a:endParaRPr sz="1500">
               <a:solidFill>
                 <a:schemeClr val="dk1"/>
               </a:solidFill>
-            </a:endParaRPr>
-          </a:p>
-          <a:p>
-            <a:pPr indent="-336550" lvl="0" marL="457200" rtl="0" algn="l">
-              <a:lnSpc>
-                <a:spcPct val="115000"/>
-              </a:lnSpc>
-              <a:spcBef>
-                <a:spcPts val="0"/>
-              </a:spcBef>
-              <a:spcAft>
-                <a:spcPts val="0"/>
-              </a:spcAft>
-              <a:buClr>
-                <a:schemeClr val="dk1"/>
-              </a:buClr>
-              <a:buSzPts val="1700"/>
-              <a:buChar char="●"/>
-            </a:pPr>
-            <a:r>
-              <a:rPr lang="es-MX" sz="1700">
-                <a:solidFill>
-                  <a:schemeClr val="dk1"/>
-                </a:solidFill>
-              </a:rPr>
-              <a:t>Módulo de inteligencia artificial operativo, capaz de analizar textos y generar evaluaciones en formato dinámico.</a:t>
-            </a:r>
-            <a:endParaRPr sz="1700">
-              <a:solidFill>
-                <a:schemeClr val="dk1"/>
-              </a:solidFill>
-            </a:endParaRPr>
-          </a:p>
-          <a:p>
-            <a:pPr indent="-336550" lvl="0" marL="457200" rtl="0" algn="l">
-              <a:lnSpc>
-                <a:spcPct val="115000"/>
-              </a:lnSpc>
-              <a:spcBef>
-                <a:spcPts val="0"/>
-              </a:spcBef>
-              <a:spcAft>
-                <a:spcPts val="0"/>
-              </a:spcAft>
-              <a:buClr>
-                <a:schemeClr val="dk1"/>
-              </a:buClr>
-              <a:buSzPts val="1700"/>
-              <a:buChar char="●"/>
-            </a:pPr>
-            <a:r>
-              <a:rPr lang="es-MX" sz="1700">
-                <a:solidFill>
-                  <a:schemeClr val="dk1"/>
-                </a:solidFill>
-              </a:rPr>
-              <a:t>Panel básico de gestión de usuario, para acceder a los materiales y actividades creadas.</a:t>
-            </a:r>
-            <a:endParaRPr sz="1700">
-              <a:solidFill>
-                <a:schemeClr val="dk1"/>
-              </a:solidFill>
-            </a:endParaRPr>
-          </a:p>
-          <a:p>
-            <a:pPr indent="-336550" lvl="0" marL="457200" rtl="0" algn="l">
-              <a:lnSpc>
-                <a:spcPct val="115000"/>
-              </a:lnSpc>
-              <a:spcBef>
-                <a:spcPts val="0"/>
-              </a:spcBef>
-              <a:spcAft>
-                <a:spcPts val="0"/>
-              </a:spcAft>
-              <a:buClr>
-                <a:schemeClr val="dk1"/>
-              </a:buClr>
-              <a:buSzPts val="1700"/>
-              <a:buChar char="●"/>
-            </a:pPr>
-            <a:r>
-              <a:rPr lang="es-MX" sz="1700">
-                <a:solidFill>
-                  <a:schemeClr val="dk1"/>
-                </a:solidFill>
-              </a:rPr>
-              <a:t>Sistema de registro de progreso, que guarda las actividades realizadas por cada usuario.</a:t>
-            </a:r>
-            <a:endParaRPr sz="1700">
-              <a:solidFill>
-                <a:schemeClr val="dk1"/>
-              </a:solidFill>
-            </a:endParaRPr>
-          </a:p>
-          <a:p>
-            <a:pPr indent="0" lvl="0" marL="0" marR="0" rtl="0" algn="ctr">
-              <a:lnSpc>
-                <a:spcPct val="100000"/>
-              </a:lnSpc>
-              <a:spcBef>
-                <a:spcPts val="1200"/>
-              </a:spcBef>
-              <a:spcAft>
-                <a:spcPts val="0"/>
-              </a:spcAft>
-              <a:buClr>
-                <a:srgbClr val="000000"/>
-              </a:buClr>
-              <a:buSzPts val="1800"/>
-              <a:buFont typeface="Arial"/>
-              <a:buNone/>
-            </a:pPr>
-            <a:br>
-              <a:rPr lang="es-MX" sz="1500">
-                <a:solidFill>
-                  <a:schemeClr val="dk1"/>
-                </a:solidFill>
-              </a:rPr>
-            </a:br>
-            <a:endParaRPr b="0" i="0" sz="1500" u="none" cap="none" strike="noStrike">
-              <a:solidFill>
-                <a:schemeClr val="dk1"/>
-              </a:solidFill>
-              <a:latin typeface="Calibri"/>
-              <a:ea typeface="Calibri"/>
-              <a:cs typeface="Calibri"/>
-              <a:sym typeface="Calibri"/>
-            </a:endParaRPr>
-          </a:p>
-          <a:p>
-            <a:pPr indent="0" lvl="0" marL="0" marR="0" rtl="0" algn="ctr">
-              <a:lnSpc>
-                <a:spcPct val="100000"/>
-              </a:lnSpc>
-              <a:spcBef>
-                <a:spcPts val="0"/>
-              </a:spcBef>
-              <a:spcAft>
-                <a:spcPts val="0"/>
-              </a:spcAft>
-              <a:buClr>
-                <a:srgbClr val="000000"/>
-              </a:buClr>
-              <a:buSzPts val="1800"/>
-              <a:buFont typeface="Arial"/>
-              <a:buNone/>
-            </a:pPr>
-            <a:r>
-              <a:t/>
-            </a:r>
-            <a:endParaRPr b="0" i="0" sz="1800" u="sng" cap="none" strike="noStrike">
-              <a:solidFill>
-                <a:schemeClr val="dk1"/>
-              </a:solidFill>
-              <a:latin typeface="Calibri"/>
-              <a:ea typeface="Calibri"/>
-              <a:cs typeface="Calibri"/>
-              <a:sym typeface="Calibri"/>
+              <a:highlight>
+                <a:schemeClr val="lt1"/>
+              </a:highlight>
             </a:endParaRPr>
           </a:p>
         </p:txBody>
       </p:sp>
-    </p:spTree>
-  </p:cSld>
-  <p:clrMapOvr>
-    <a:masterClrMapping/>
-  </p:clrMapOvr>
-</p:sld>
-</file>
-
-<file path=ppt/slides/slide6.xml><?xml version="1.0" encoding="utf-8"?>
-<p:sld xmlns:a="http://schemas.openxmlformats.org/drawingml/2006/main" xmlns:r="http://schemas.openxmlformats.org/officeDocument/2006/relationships" xmlns:mc="http://schemas.openxmlformats.org/markup-compatibility/2006" xmlns:mv="urn:schemas-microsoft-com:mac:vml" xmlns:p="http://schemas.openxmlformats.org/presentationml/2006/main" xmlns:c="http://schemas.openxmlformats.org/drawingml/2006/chart" xmlns:dgm="http://schemas.openxmlformats.org/drawingml/2006/diagram" xmlns:o="urn:schemas-microsoft-com:office:office" xmlns:v="urn:schemas-microsoft-com:vml" xmlns:pvml="urn:schemas-microsoft-com:office:powerpoint" xmlns:com="http://schemas.openxmlformats.org/drawingml/2006/compatibility" xmlns:p14="http://schemas.microsoft.com/office/powerpoint/2010/main" xmlns:p15="http://schemas.microsoft.com/office/powerpoint/2012/main" xmlns:ahyp="http://schemas.microsoft.com/office/drawing/2018/hyperlinkcolor">
-  <p:cSld>
-    <p:spTree>
-      <p:nvGrpSpPr>
-        <p:cNvPr id="137" name="Shape 137"/>
-        <p:cNvGrpSpPr/>
-        <p:nvPr/>
-      </p:nvGrpSpPr>
-      <p:grpSpPr>
-        <a:xfrm>
-          <a:off x="0" y="0"/>
-          <a:ext cx="0" cy="0"/>
-          <a:chOff x="0" y="0"/>
-          <a:chExt cx="0" cy="0"/>
-        </a:xfrm>
-      </p:grpSpPr>
       <p:pic>
         <p:nvPicPr>
-          <p:cNvPr descr="EscuelaIT Duoc UC - Escuela de Informática y Telecomunicaciones Duoc UC - Duoc  UC | LinkedIn" id="138" name="Google Shape;138;g38e2c4947a4_0_0"/>
+          <p:cNvPr descr="EscuelaIT Duoc UC - Escuela de Informática y Telecomunicaciones Duoc UC - Duoc  UC | LinkedIn" id="134" name="Google Shape;134;g38e2c4947a4_0_0"/>
           <p:cNvPicPr preferRelativeResize="0"/>
           <p:nvPr/>
         </p:nvPicPr>
@@ -21296,79 +19810,13 @@
       </p:pic>
       <p:sp>
         <p:nvSpPr>
-          <p:cNvPr id="139" name="Google Shape;139;g38e2c4947a4_0_0"/>
+          <p:cNvPr id="135" name="Google Shape;135;g38e2c4947a4_0_0"/>
           <p:cNvSpPr txBox="1"/>
           <p:nvPr/>
         </p:nvSpPr>
         <p:spPr>
           <a:xfrm>
-            <a:off x="136188" y="368928"/>
-            <a:ext cx="12192000" cy="369300"/>
-          </a:xfrm>
-          <a:prstGeom prst="rect">
-            <a:avLst/>
-          </a:prstGeom>
-          <a:noFill/>
-          <a:ln>
-            <a:noFill/>
-          </a:ln>
-        </p:spPr>
-        <p:txBody>
-          <a:bodyPr anchorCtr="0" anchor="t" bIns="45700" lIns="91425" spcFirstLastPara="1" rIns="91425" wrap="square" tIns="45700">
-            <a:spAutoFit/>
-          </a:bodyPr>
-          <a:lstStyle/>
-          <a:p>
-            <a:pPr indent="0" lvl="0" marL="0" marR="0" rtl="0" algn="l">
-              <a:lnSpc>
-                <a:spcPct val="100000"/>
-              </a:lnSpc>
-              <a:spcBef>
-                <a:spcPts val="0"/>
-              </a:spcBef>
-              <a:spcAft>
-                <a:spcPts val="0"/>
-              </a:spcAft>
-              <a:buClr>
-                <a:srgbClr val="000000"/>
-              </a:buClr>
-              <a:buSzPts val="1800"/>
-              <a:buFont typeface="Arial"/>
-              <a:buNone/>
-            </a:pPr>
-            <a:r>
-              <a:rPr b="0" i="0" lang="es-MX" sz="1800" u="none" cap="none" strike="noStrike">
-                <a:solidFill>
-                  <a:srgbClr val="757070"/>
-                </a:solidFill>
-                <a:latin typeface="Calibri"/>
-                <a:ea typeface="Calibri"/>
-                <a:cs typeface="Calibri"/>
-                <a:sym typeface="Calibri"/>
-              </a:rPr>
-              <a:t>PROYECTO VGD LEARN</a:t>
-            </a:r>
-            <a:endParaRPr b="0" i="0" sz="1400" u="none" cap="none" strike="noStrike">
-              <a:solidFill>
-                <a:srgbClr val="000000"/>
-              </a:solidFill>
-              <a:latin typeface="Arial"/>
-              <a:ea typeface="Arial"/>
-              <a:cs typeface="Arial"/>
-              <a:sym typeface="Arial"/>
-            </a:endParaRPr>
-          </a:p>
-        </p:txBody>
-      </p:sp>
-      <p:sp>
-        <p:nvSpPr>
-          <p:cNvPr id="140" name="Google Shape;140;g38e2c4947a4_0_0"/>
-          <p:cNvSpPr txBox="1"/>
-          <p:nvPr/>
-        </p:nvSpPr>
-        <p:spPr>
-          <a:xfrm>
-            <a:off x="1695650" y="919800"/>
+            <a:off x="1695650" y="720625"/>
             <a:ext cx="8619600" cy="646500"/>
           </a:xfrm>
           <a:prstGeom prst="rect">
@@ -21409,7 +19857,7 @@
               <a:buNone/>
             </a:pPr>
             <a:r>
-              <a:rPr lang="es-MX" sz="3600">
+              <a:rPr b="0" i="0" lang="es-MX" sz="3600" u="none" cap="none" strike="noStrike">
                 <a:solidFill>
                   <a:schemeClr val="dk1"/>
                 </a:solidFill>
@@ -21418,19 +19866,7 @@
                 <a:cs typeface="Calibri"/>
                 <a:sym typeface="Calibri"/>
               </a:rPr>
-              <a:t>L</a:t>
-            </a:r>
-            <a:r>
-              <a:rPr b="0" i="0" lang="es-MX" sz="3600" u="none" cap="none" strike="noStrike">
-                <a:solidFill>
-                  <a:schemeClr val="dk1"/>
-                </a:solidFill>
-                <a:latin typeface="Calibri"/>
-                <a:ea typeface="Calibri"/>
-                <a:cs typeface="Calibri"/>
-                <a:sym typeface="Calibri"/>
-              </a:rPr>
-              <a:t>imitaciones del proyecto</a:t>
+              <a:t>Alcance del proyecto</a:t>
             </a:r>
             <a:endParaRPr b="0" i="0" sz="1400" u="none" cap="none" strike="noStrike">
               <a:solidFill>
@@ -21444,42 +19880,16 @@
           </a:p>
         </p:txBody>
       </p:sp>
-      <p:cxnSp>
-        <p:nvCxnSpPr>
-          <p:cNvPr id="141" name="Google Shape;141;g38e2c4947a4_0_0"/>
-          <p:cNvCxnSpPr/>
-          <p:nvPr/>
-        </p:nvCxnSpPr>
-        <p:spPr>
-          <a:xfrm>
-            <a:off x="0" y="758027"/>
-            <a:ext cx="4085700" cy="0"/>
-          </a:xfrm>
-          <a:prstGeom prst="straightConnector1">
-            <a:avLst/>
-          </a:prstGeom>
-          <a:noFill/>
-          <a:ln cap="flat" cmpd="sng" w="15875">
-            <a:solidFill>
-              <a:srgbClr val="F5F7FC"/>
-            </a:solidFill>
-            <a:prstDash val="solid"/>
-            <a:miter lim="800000"/>
-            <a:headEnd len="sm" w="sm" type="none"/>
-            <a:tailEnd len="sm" w="sm" type="none"/>
-          </a:ln>
-        </p:spPr>
-      </p:cxnSp>
       <p:sp>
         <p:nvSpPr>
-          <p:cNvPr id="142" name="Google Shape;142;g38e2c4947a4_0_0"/>
+          <p:cNvPr id="136" name="Google Shape;136;g38e2c4947a4_0_0"/>
           <p:cNvSpPr/>
           <p:nvPr/>
         </p:nvSpPr>
         <p:spPr>
           <a:xfrm>
-            <a:off x="1114820" y="2177325"/>
-            <a:ext cx="10146000" cy="4092600"/>
+            <a:off x="735200" y="1419702"/>
+            <a:ext cx="10540500" cy="2250600"/>
           </a:xfrm>
           <a:prstGeom prst="roundRect">
             <a:avLst>
@@ -21500,7 +19910,7 @@
           </a:ln>
         </p:spPr>
         <p:txBody>
-          <a:bodyPr anchorCtr="0" anchor="t" bIns="45700" lIns="91425" spcFirstLastPara="1" rIns="91425" wrap="square" tIns="45700">
+          <a:bodyPr anchorCtr="0" anchor="ctr" bIns="45700" lIns="91425" spcFirstLastPara="1" rIns="91425" wrap="square" tIns="45700">
             <a:noAutofit/>
           </a:bodyPr>
           <a:lstStyle/>
@@ -21518,21 +19928,272 @@
               <a:buClr>
                 <a:srgbClr val="000000"/>
               </a:buClr>
-              <a:buSzPts val="2800"/>
+              <a:buSzPts val="1800"/>
               <a:buFont typeface="Arial"/>
               <a:buNone/>
             </a:pPr>
             <a:r>
               <a:t/>
             </a:r>
-            <a:endParaRPr sz="2800" u="sng">
+            <a:endParaRPr b="0" i="0" sz="1700" u="none" cap="none" strike="noStrike">
               <a:solidFill>
                 <a:schemeClr val="dk1"/>
               </a:solidFill>
-              <a:latin typeface="Calibri"/>
-              <a:ea typeface="Calibri"/>
-              <a:cs typeface="Calibri"/>
-              <a:sym typeface="Calibri"/>
+              <a:latin typeface="Arial"/>
+              <a:ea typeface="Arial"/>
+              <a:cs typeface="Arial"/>
+              <a:sym typeface="Arial"/>
+            </a:endParaRPr>
+          </a:p>
+          <a:p>
+            <a:pPr indent="0" lvl="0" marL="0" rtl="0" algn="l">
+              <a:lnSpc>
+                <a:spcPct val="115000"/>
+              </a:lnSpc>
+              <a:spcBef>
+                <a:spcPts val="1200"/>
+              </a:spcBef>
+              <a:spcAft>
+                <a:spcPts val="0"/>
+              </a:spcAft>
+              <a:buClr>
+                <a:schemeClr val="dk1"/>
+              </a:buClr>
+              <a:buSzPts val="1100"/>
+              <a:buFont typeface="Arial"/>
+              <a:buNone/>
+            </a:pPr>
+            <a:r>
+              <a:rPr lang="es-MX" sz="1500">
+                <a:solidFill>
+                  <a:schemeClr val="dk1"/>
+                </a:solidFill>
+              </a:rPr>
+              <a:t>El proyecto VGD Learn tendrá como alcance el desarrollo de una plataforma educativa digital que integre inteligencia artificial y procesamiento de lenguaje natural (NLP) para apoyar el aprendizaje autónomo. La plataforma permitirá:</a:t>
+            </a:r>
+            <a:endParaRPr sz="1500">
+              <a:solidFill>
+                <a:schemeClr val="dk1"/>
+              </a:solidFill>
+            </a:endParaRPr>
+          </a:p>
+          <a:p>
+            <a:pPr indent="-323850" lvl="0" marL="457200" rtl="0" algn="l">
+              <a:lnSpc>
+                <a:spcPct val="115000"/>
+              </a:lnSpc>
+              <a:spcBef>
+                <a:spcPts val="1200"/>
+              </a:spcBef>
+              <a:spcAft>
+                <a:spcPts val="0"/>
+              </a:spcAft>
+              <a:buClr>
+                <a:schemeClr val="dk1"/>
+              </a:buClr>
+              <a:buSzPts val="1500"/>
+              <a:buChar char="●"/>
+            </a:pPr>
+            <a:r>
+              <a:rPr lang="es-MX" sz="1500">
+                <a:solidFill>
+                  <a:schemeClr val="dk1"/>
+                </a:solidFill>
+              </a:rPr>
+              <a:t>Subir y organizar materiales de estudio.</a:t>
+            </a:r>
+            <a:endParaRPr sz="1500">
+              <a:solidFill>
+                <a:schemeClr val="dk1"/>
+              </a:solidFill>
+            </a:endParaRPr>
+          </a:p>
+          <a:p>
+            <a:pPr indent="-323850" lvl="0" marL="457200" rtl="0" algn="l">
+              <a:lnSpc>
+                <a:spcPct val="115000"/>
+              </a:lnSpc>
+              <a:spcBef>
+                <a:spcPts val="0"/>
+              </a:spcBef>
+              <a:spcAft>
+                <a:spcPts val="0"/>
+              </a:spcAft>
+              <a:buClr>
+                <a:schemeClr val="dk1"/>
+              </a:buClr>
+              <a:buSzPts val="1500"/>
+              <a:buChar char="●"/>
+            </a:pPr>
+            <a:r>
+              <a:rPr lang="es-MX" sz="1500">
+                <a:solidFill>
+                  <a:schemeClr val="dk1"/>
+                </a:solidFill>
+              </a:rPr>
+              <a:t>Generar automáticamente </a:t>
+            </a:r>
+            <a:r>
+              <a:rPr b="1" lang="es-MX" sz="1500">
+                <a:solidFill>
+                  <a:schemeClr val="dk1"/>
+                </a:solidFill>
+              </a:rPr>
+              <a:t>quizzes</a:t>
+            </a:r>
+            <a:r>
+              <a:rPr lang="es-MX" sz="1500">
+                <a:solidFill>
+                  <a:schemeClr val="dk1"/>
+                </a:solidFill>
+              </a:rPr>
+              <a:t>, </a:t>
+            </a:r>
+            <a:r>
+              <a:rPr b="1" lang="es-MX" sz="1500">
+                <a:solidFill>
+                  <a:schemeClr val="dk1"/>
+                </a:solidFill>
+              </a:rPr>
+              <a:t>flashcards</a:t>
+            </a:r>
+            <a:r>
+              <a:rPr lang="es-MX" sz="1500">
+                <a:solidFill>
+                  <a:schemeClr val="dk1"/>
+                </a:solidFill>
+              </a:rPr>
+              <a:t>, </a:t>
+            </a:r>
+            <a:r>
+              <a:rPr b="1" lang="es-MX" sz="1500">
+                <a:solidFill>
+                  <a:schemeClr val="dk1"/>
+                </a:solidFill>
+              </a:rPr>
+              <a:t>resúmenes</a:t>
+            </a:r>
+            <a:r>
+              <a:rPr lang="es-MX" sz="1500">
+                <a:solidFill>
+                  <a:schemeClr val="dk1"/>
+                </a:solidFill>
+              </a:rPr>
+              <a:t> y actividades interactivas.</a:t>
+            </a:r>
+            <a:endParaRPr sz="1500">
+              <a:solidFill>
+                <a:schemeClr val="dk1"/>
+              </a:solidFill>
+            </a:endParaRPr>
+          </a:p>
+          <a:p>
+            <a:pPr indent="-323850" lvl="0" marL="457200" rtl="0" algn="l">
+              <a:lnSpc>
+                <a:spcPct val="115000"/>
+              </a:lnSpc>
+              <a:spcBef>
+                <a:spcPts val="0"/>
+              </a:spcBef>
+              <a:spcAft>
+                <a:spcPts val="0"/>
+              </a:spcAft>
+              <a:buClr>
+                <a:schemeClr val="dk1"/>
+              </a:buClr>
+              <a:buSzPts val="1500"/>
+              <a:buChar char="●"/>
+            </a:pPr>
+            <a:r>
+              <a:rPr lang="es-MX" sz="1500">
+                <a:solidFill>
+                  <a:schemeClr val="dk1"/>
+                </a:solidFill>
+              </a:rPr>
+              <a:t>Ofrecer funciones de </a:t>
+            </a:r>
+            <a:r>
+              <a:rPr b="1" lang="es-MX" sz="1500">
+                <a:solidFill>
+                  <a:schemeClr val="dk1"/>
+                </a:solidFill>
+              </a:rPr>
+              <a:t>autocompletado de palabras</a:t>
+            </a:r>
+            <a:r>
+              <a:rPr lang="es-MX" sz="1500">
+                <a:solidFill>
+                  <a:schemeClr val="dk1"/>
+                </a:solidFill>
+              </a:rPr>
+              <a:t> para reforzar vocabulario y comprensión.</a:t>
+            </a:r>
+            <a:endParaRPr sz="1500">
+              <a:solidFill>
+                <a:schemeClr val="dk1"/>
+              </a:solidFill>
+            </a:endParaRPr>
+          </a:p>
+          <a:p>
+            <a:pPr indent="-323850" lvl="0" marL="457200" rtl="0" algn="l">
+              <a:lnSpc>
+                <a:spcPct val="115000"/>
+              </a:lnSpc>
+              <a:spcBef>
+                <a:spcPts val="0"/>
+              </a:spcBef>
+              <a:spcAft>
+                <a:spcPts val="0"/>
+              </a:spcAft>
+              <a:buClr>
+                <a:schemeClr val="dk1"/>
+              </a:buClr>
+              <a:buSzPts val="1500"/>
+              <a:buChar char="●"/>
+            </a:pPr>
+            <a:r>
+              <a:rPr lang="es-MX" sz="1500">
+                <a:solidFill>
+                  <a:schemeClr val="dk1"/>
+                </a:solidFill>
+              </a:rPr>
+              <a:t>Adaptar las actividades al nivel y necesidades del estudiante.</a:t>
+            </a:r>
+            <a:endParaRPr sz="1500">
+              <a:solidFill>
+                <a:schemeClr val="dk1"/>
+              </a:solidFill>
+            </a:endParaRPr>
+          </a:p>
+          <a:p>
+            <a:pPr indent="-323850" lvl="0" marL="457200" rtl="0" algn="l">
+              <a:lnSpc>
+                <a:spcPct val="115000"/>
+              </a:lnSpc>
+              <a:spcBef>
+                <a:spcPts val="0"/>
+              </a:spcBef>
+              <a:spcAft>
+                <a:spcPts val="0"/>
+              </a:spcAft>
+              <a:buClr>
+                <a:schemeClr val="dk1"/>
+              </a:buClr>
+              <a:buSzPts val="1500"/>
+              <a:buChar char="●"/>
+            </a:pPr>
+            <a:r>
+              <a:rPr lang="es-MX" sz="1500">
+                <a:solidFill>
+                  <a:schemeClr val="dk1"/>
+                </a:solidFill>
+              </a:rPr>
+              <a:t>Proporcionar métricas claras sobre el progreso académico.</a:t>
+            </a:r>
+            <a:endParaRPr sz="1500">
+              <a:solidFill>
+                <a:schemeClr val="dk1"/>
+              </a:solidFill>
             </a:endParaRPr>
           </a:p>
           <a:p>
@@ -21541,7 +20202,7 @@
                 <a:spcPct val="100000"/>
               </a:lnSpc>
               <a:spcBef>
-                <a:spcPts val="0"/>
+                <a:spcPts val="1200"/>
               </a:spcBef>
               <a:spcAft>
                 <a:spcPts val="0"/>
@@ -21564,130 +20225,6 @@
               <a:ea typeface="Calibri"/>
               <a:cs typeface="Calibri"/>
               <a:sym typeface="Calibri"/>
-            </a:endParaRPr>
-          </a:p>
-          <a:p>
-            <a:pPr indent="-336550" lvl="0" marL="457200" rtl="0" algn="l">
-              <a:lnSpc>
-                <a:spcPct val="115000"/>
-              </a:lnSpc>
-              <a:spcBef>
-                <a:spcPts val="0"/>
-              </a:spcBef>
-              <a:spcAft>
-                <a:spcPts val="0"/>
-              </a:spcAft>
-              <a:buClr>
-                <a:schemeClr val="dk1"/>
-              </a:buClr>
-              <a:buSzPts val="1700"/>
-              <a:buAutoNum type="arabicPeriod"/>
-            </a:pPr>
-            <a:r>
-              <a:rPr lang="es-MX" sz="1700">
-                <a:solidFill>
-                  <a:schemeClr val="dk1"/>
-                </a:solidFill>
-              </a:rPr>
-              <a:t>Los quizzes serán únicamente textuales (no se incluirán imágenes, audio ni video en esta etapa).</a:t>
-            </a:r>
-            <a:endParaRPr sz="1700">
-              <a:solidFill>
-                <a:schemeClr val="dk1"/>
-              </a:solidFill>
-            </a:endParaRPr>
-          </a:p>
-          <a:p>
-            <a:pPr indent="-336550" lvl="0" marL="457200" rtl="0" algn="l">
-              <a:lnSpc>
-                <a:spcPct val="115000"/>
-              </a:lnSpc>
-              <a:spcBef>
-                <a:spcPts val="0"/>
-              </a:spcBef>
-              <a:spcAft>
-                <a:spcPts val="0"/>
-              </a:spcAft>
-              <a:buClr>
-                <a:schemeClr val="dk1"/>
-              </a:buClr>
-              <a:buSzPts val="1700"/>
-              <a:buAutoNum type="arabicPeriod"/>
-            </a:pPr>
-            <a:r>
-              <a:rPr lang="es-MX" sz="1700">
-                <a:solidFill>
-                  <a:schemeClr val="dk1"/>
-                </a:solidFill>
-              </a:rPr>
-              <a:t>La plataforma no tendrá integración con sistemas externos de gestión educativa (ej. Moodle, Canvas).</a:t>
-            </a:r>
-            <a:endParaRPr sz="1700">
-              <a:solidFill>
-                <a:schemeClr val="dk1"/>
-              </a:solidFill>
-            </a:endParaRPr>
-          </a:p>
-          <a:p>
-            <a:pPr indent="-336550" lvl="0" marL="457200" rtl="0" algn="l">
-              <a:lnSpc>
-                <a:spcPct val="115000"/>
-              </a:lnSpc>
-              <a:spcBef>
-                <a:spcPts val="0"/>
-              </a:spcBef>
-              <a:spcAft>
-                <a:spcPts val="0"/>
-              </a:spcAft>
-              <a:buClr>
-                <a:schemeClr val="dk1"/>
-              </a:buClr>
-              <a:buSzPts val="1700"/>
-              <a:buAutoNum type="arabicPeriod"/>
-            </a:pPr>
-            <a:r>
-              <a:rPr lang="es-MX" sz="1700">
-                <a:solidFill>
-                  <a:schemeClr val="dk1"/>
-                </a:solidFill>
-              </a:rPr>
-              <a:t>No se desarrollará un sistema de recomendación complejo; el seguimiento será limitado a métricas simples (ej. número de intentos, puntaje).</a:t>
-            </a:r>
-            <a:endParaRPr sz="1700">
-              <a:solidFill>
-                <a:schemeClr val="dk1"/>
-              </a:solidFill>
-            </a:endParaRPr>
-          </a:p>
-          <a:p>
-            <a:pPr indent="-336550" lvl="0" marL="457200" rtl="0" algn="l">
-              <a:lnSpc>
-                <a:spcPct val="115000"/>
-              </a:lnSpc>
-              <a:spcBef>
-                <a:spcPts val="0"/>
-              </a:spcBef>
-              <a:spcAft>
-                <a:spcPts val="0"/>
-              </a:spcAft>
-              <a:buClr>
-                <a:schemeClr val="dk1"/>
-              </a:buClr>
-              <a:buSzPts val="1700"/>
-              <a:buAutoNum type="arabicPeriod"/>
-            </a:pPr>
-            <a:r>
-              <a:rPr lang="es-MX" sz="1700">
-                <a:solidFill>
-                  <a:schemeClr val="dk1"/>
-                </a:solidFill>
-              </a:rPr>
-              <a:t>La solución dependerá de la disponibilidad y limitaciones técnicas de la API de IA utilizada (costos, cantidad de peticiones, latencia).</a:t>
-            </a:r>
-            <a:endParaRPr sz="1700">
-              <a:solidFill>
-                <a:schemeClr val="dk1"/>
-              </a:solidFill>
             </a:endParaRPr>
           </a:p>
         </p:txBody>
@@ -21700,12 +20237,12 @@
 </p:sld>
 </file>
 
-<file path=ppt/slides/slide7.xml><?xml version="1.0" encoding="utf-8"?>
+<file path=ppt/slides/slide6.xml><?xml version="1.0" encoding="utf-8"?>
 <p:sld xmlns:a="http://schemas.openxmlformats.org/drawingml/2006/main" xmlns:r="http://schemas.openxmlformats.org/officeDocument/2006/relationships" xmlns:mc="http://schemas.openxmlformats.org/markup-compatibility/2006" xmlns:mv="urn:schemas-microsoft-com:mac:vml" xmlns:p="http://schemas.openxmlformats.org/presentationml/2006/main" xmlns:c="http://schemas.openxmlformats.org/drawingml/2006/chart" xmlns:dgm="http://schemas.openxmlformats.org/drawingml/2006/diagram" xmlns:o="urn:schemas-microsoft-com:office:office" xmlns:v="urn:schemas-microsoft-com:vml" xmlns:pvml="urn:schemas-microsoft-com:office:powerpoint" xmlns:com="http://schemas.openxmlformats.org/drawingml/2006/compatibility" xmlns:p14="http://schemas.microsoft.com/office/powerpoint/2010/main" xmlns:p15="http://schemas.microsoft.com/office/powerpoint/2012/main" xmlns:ahyp="http://schemas.microsoft.com/office/drawing/2018/hyperlinkcolor">
   <p:cSld>
     <p:spTree>
       <p:nvGrpSpPr>
-        <p:cNvPr id="146" name="Shape 146"/>
+        <p:cNvPr id="140" name="Shape 140"/>
         <p:cNvGrpSpPr/>
         <p:nvPr/>
       </p:nvGrpSpPr>
@@ -21719,7 +20256,7 @@
       </p:grpSpPr>
       <p:pic>
         <p:nvPicPr>
-          <p:cNvPr descr="EscuelaIT Duoc UC - Escuela de Informática y Telecomunicaciones Duoc UC - Duoc  UC | LinkedIn" id="147" name="Google Shape;147;g37c31d335ee_0_63"/>
+          <p:cNvPr descr="EscuelaIT Duoc UC - Escuela de Informática y Telecomunicaciones Duoc UC - Duoc  UC | LinkedIn" id="141" name="Google Shape;141;g37c31d335ee_0_63"/>
           <p:cNvPicPr preferRelativeResize="0"/>
           <p:nvPr/>
         </p:nvPicPr>
@@ -21746,7 +20283,7 @@
       </p:pic>
       <p:sp>
         <p:nvSpPr>
-          <p:cNvPr id="148" name="Google Shape;148;g37c31d335ee_0_63"/>
+          <p:cNvPr id="142" name="Google Shape;142;g37c31d335ee_0_63"/>
           <p:cNvSpPr txBox="1"/>
           <p:nvPr/>
         </p:nvSpPr>
@@ -21812,7 +20349,7 @@
       </p:sp>
       <p:sp>
         <p:nvSpPr>
-          <p:cNvPr id="149" name="Google Shape;149;g37c31d335ee_0_63"/>
+          <p:cNvPr id="143" name="Google Shape;143;g37c31d335ee_0_63"/>
           <p:cNvSpPr txBox="1"/>
           <p:nvPr/>
         </p:nvSpPr>
@@ -21888,7 +20425,7 @@
       </p:sp>
       <p:cxnSp>
         <p:nvCxnSpPr>
-          <p:cNvPr id="150" name="Google Shape;150;g37c31d335ee_0_63"/>
+          <p:cNvPr id="144" name="Google Shape;144;g37c31d335ee_0_63"/>
           <p:cNvCxnSpPr/>
           <p:nvPr/>
         </p:nvCxnSpPr>
@@ -21914,14 +20451,14 @@
       </p:cxnSp>
       <p:sp>
         <p:nvSpPr>
-          <p:cNvPr id="151" name="Google Shape;151;g37c31d335ee_0_63"/>
+          <p:cNvPr id="145" name="Google Shape;145;g37c31d335ee_0_63"/>
           <p:cNvSpPr/>
           <p:nvPr/>
         </p:nvSpPr>
         <p:spPr>
           <a:xfrm>
-            <a:off x="1159195" y="2110500"/>
-            <a:ext cx="10146000" cy="4092600"/>
+            <a:off x="1159200" y="2110500"/>
+            <a:ext cx="10146000" cy="3950700"/>
           </a:xfrm>
           <a:prstGeom prst="roundRect">
             <a:avLst>
@@ -21942,12 +20479,12 @@
           </a:ln>
         </p:spPr>
         <p:txBody>
-          <a:bodyPr anchorCtr="0" anchor="t" bIns="45700" lIns="91425" spcFirstLastPara="1" rIns="91425" wrap="square" tIns="45700">
+          <a:bodyPr anchorCtr="0" anchor="ctr" bIns="45700" lIns="91425" spcFirstLastPara="1" rIns="91425" wrap="square" tIns="45700">
             <a:noAutofit/>
           </a:bodyPr>
           <a:lstStyle/>
           <a:p>
-            <a:pPr indent="0" lvl="0" marL="0" rtl="0" algn="l">
+            <a:pPr indent="0" lvl="0" marL="0" marR="0" rtl="0" algn="l">
               <a:lnSpc>
                 <a:spcPct val="115000"/>
               </a:lnSpc>
@@ -21957,82 +20494,85 @@
               <a:spcAft>
                 <a:spcPts val="0"/>
               </a:spcAft>
+              <a:buClr>
+                <a:srgbClr val="000000"/>
+              </a:buClr>
+              <a:buSzPts val="1700"/>
+              <a:buFont typeface="Arial"/>
               <a:buNone/>
             </a:pPr>
             <a:r>
-              <a:t/>
-            </a:r>
-            <a:endParaRPr sz="2800" u="sng">
-              <a:solidFill>
-                <a:schemeClr val="dk1"/>
-              </a:solidFill>
-              <a:latin typeface="Calibri"/>
-              <a:ea typeface="Calibri"/>
-              <a:cs typeface="Calibri"/>
-              <a:sym typeface="Calibri"/>
-            </a:endParaRPr>
-          </a:p>
-          <a:p>
-            <a:pPr indent="0" lvl="0" marL="0" rtl="0" algn="l">
-              <a:lnSpc>
-                <a:spcPct val="115000"/>
-              </a:lnSpc>
-              <a:spcBef>
-                <a:spcPts val="0"/>
-              </a:spcBef>
-              <a:spcAft>
-                <a:spcPts val="0"/>
-              </a:spcAft>
-              <a:buNone/>
-            </a:pPr>
-            <a:r>
-              <a:rPr lang="es-MX" sz="1700">
+              <a:rPr b="0" i="0" lang="es-MX" sz="1600" u="none" cap="none" strike="noStrike">
                 <a:solidFill>
                   <a:schemeClr val="dk1"/>
                 </a:solidFill>
+                <a:latin typeface="Arial"/>
+                <a:ea typeface="Arial"/>
+                <a:cs typeface="Arial"/>
+                <a:sym typeface="Arial"/>
               </a:rPr>
               <a:t>El desarrollo del proyecto </a:t>
             </a:r>
             <a:r>
-              <a:rPr b="1" lang="es-MX" sz="1700">
+              <a:rPr b="1" i="0" lang="es-MX" sz="1600" u="none" cap="none" strike="noStrike">
                 <a:solidFill>
                   <a:schemeClr val="dk1"/>
                 </a:solidFill>
+                <a:latin typeface="Arial"/>
+                <a:ea typeface="Arial"/>
+                <a:cs typeface="Arial"/>
+                <a:sym typeface="Arial"/>
               </a:rPr>
               <a:t>VGD Learn</a:t>
             </a:r>
             <a:r>
-              <a:rPr lang="es-MX" sz="1700">
+              <a:rPr b="0" i="0" lang="es-MX" sz="1600" u="none" cap="none" strike="noStrike">
                 <a:solidFill>
                   <a:schemeClr val="dk1"/>
                 </a:solidFill>
+                <a:latin typeface="Arial"/>
+                <a:ea typeface="Arial"/>
+                <a:cs typeface="Arial"/>
+                <a:sym typeface="Arial"/>
               </a:rPr>
               <a:t> se basa en la metodología ágil </a:t>
             </a:r>
             <a:r>
-              <a:rPr b="1" lang="es-MX" sz="1700">
+              <a:rPr b="1" i="0" lang="es-MX" sz="1600" u="none" cap="none" strike="noStrike">
                 <a:solidFill>
                   <a:schemeClr val="dk1"/>
                 </a:solidFill>
+                <a:latin typeface="Arial"/>
+                <a:ea typeface="Arial"/>
+                <a:cs typeface="Arial"/>
+                <a:sym typeface="Arial"/>
               </a:rPr>
               <a:t>SCRUM</a:t>
             </a:r>
             <a:r>
-              <a:rPr lang="es-MX" sz="1700">
+              <a:rPr b="0" i="0" lang="es-MX" sz="1600" u="none" cap="none" strike="noStrike">
                 <a:solidFill>
                   <a:schemeClr val="dk1"/>
                 </a:solidFill>
+                <a:latin typeface="Arial"/>
+                <a:ea typeface="Arial"/>
+                <a:cs typeface="Arial"/>
+                <a:sym typeface="Arial"/>
               </a:rPr>
               <a:t>, que permite trabajar de forma iterativa, colaborativa y con mejoras continuas en cada etapa.</a:t>
             </a:r>
-            <a:endParaRPr sz="1700">
+            <a:endParaRPr b="0" i="0" sz="1600" u="none" cap="none" strike="noStrike">
               <a:solidFill>
                 <a:schemeClr val="dk1"/>
               </a:solidFill>
+              <a:latin typeface="Arial"/>
+              <a:ea typeface="Arial"/>
+              <a:cs typeface="Arial"/>
+              <a:sym typeface="Arial"/>
             </a:endParaRPr>
           </a:p>
           <a:p>
-            <a:pPr indent="0" lvl="0" marL="0" rtl="0" algn="l">
+            <a:pPr indent="0" lvl="0" marL="0" marR="0" rtl="0" algn="l">
               <a:lnSpc>
                 <a:spcPct val="115000"/>
               </a:lnSpc>
@@ -22050,53 +20590,77 @@
               <a:buNone/>
             </a:pPr>
             <a:r>
-              <a:rPr lang="es-MX" sz="1700">
+              <a:rPr b="0" i="0" lang="es-MX" sz="1600" u="none" cap="none" strike="noStrike">
                 <a:solidFill>
                   <a:schemeClr val="dk1"/>
                 </a:solidFill>
+                <a:latin typeface="Arial"/>
+                <a:ea typeface="Arial"/>
+                <a:cs typeface="Arial"/>
+                <a:sym typeface="Arial"/>
               </a:rPr>
               <a:t>Cada </a:t>
             </a:r>
             <a:r>
-              <a:rPr b="1" lang="es-MX" sz="1700">
+              <a:rPr b="1" i="0" lang="es-MX" sz="1600" u="none" cap="none" strike="noStrike">
                 <a:solidFill>
                   <a:schemeClr val="dk1"/>
                 </a:solidFill>
+                <a:latin typeface="Arial"/>
+                <a:ea typeface="Arial"/>
+                <a:cs typeface="Arial"/>
+                <a:sym typeface="Arial"/>
               </a:rPr>
               <a:t>Sprint</a:t>
             </a:r>
             <a:r>
-              <a:rPr lang="es-MX" sz="1700">
+              <a:rPr b="0" i="0" lang="es-MX" sz="1600" u="none" cap="none" strike="noStrike">
                 <a:solidFill>
                   <a:schemeClr val="dk1"/>
                 </a:solidFill>
+                <a:latin typeface="Arial"/>
+                <a:ea typeface="Arial"/>
+                <a:cs typeface="Arial"/>
+                <a:sym typeface="Arial"/>
               </a:rPr>
               <a:t> tiene una duración de </a:t>
             </a:r>
             <a:r>
-              <a:rPr b="1" lang="es-MX" sz="1700">
+              <a:rPr b="1" i="0" lang="es-MX" sz="1600" u="none" cap="none" strike="noStrike">
                 <a:solidFill>
                   <a:schemeClr val="dk1"/>
                 </a:solidFill>
+                <a:latin typeface="Arial"/>
+                <a:ea typeface="Arial"/>
+                <a:cs typeface="Arial"/>
+                <a:sym typeface="Arial"/>
               </a:rPr>
               <a:t>tres semanas</a:t>
             </a:r>
             <a:r>
-              <a:rPr lang="es-MX" sz="1700">
+              <a:rPr b="0" i="0" lang="es-MX" sz="1600" u="none" cap="none" strike="noStrike">
                 <a:solidFill>
                   <a:schemeClr val="dk1"/>
                 </a:solidFill>
+                <a:latin typeface="Arial"/>
+                <a:ea typeface="Arial"/>
+                <a:cs typeface="Arial"/>
+                <a:sym typeface="Arial"/>
               </a:rPr>
               <a:t>, e incluye las siguientes instancias:</a:t>
             </a:r>
-            <a:endParaRPr sz="1700">
+            <a:endParaRPr b="0" i="0" sz="1600" u="none" cap="none" strike="noStrike">
               <a:solidFill>
                 <a:schemeClr val="dk1"/>
               </a:solidFill>
+              <a:latin typeface="Arial"/>
+              <a:ea typeface="Arial"/>
+              <a:cs typeface="Arial"/>
+              <a:sym typeface="Arial"/>
             </a:endParaRPr>
           </a:p>
           <a:p>
-            <a:pPr indent="-336550" lvl="0" marL="457200" rtl="0" algn="l">
+            <a:pPr indent="-330200" lvl="0" marL="457200" marR="0" rtl="0" algn="l">
               <a:lnSpc>
                 <a:spcPct val="115000"/>
               </a:lnSpc>
@@ -22109,33 +20673,42 @@
               <a:buClr>
                 <a:schemeClr val="dk1"/>
               </a:buClr>
-              <a:buSzPts val="1700"/>
+              <a:buSzPts val="1600"/>
+              <a:buFont typeface="Arial"/>
               <a:buChar char="●"/>
             </a:pPr>
             <a:r>
-              <a:rPr b="1" lang="es-MX" sz="1700">
+              <a:rPr b="1" i="0" lang="es-MX" sz="1600" u="none" cap="none" strike="noStrike">
                 <a:solidFill>
                   <a:schemeClr val="dk1"/>
                 </a:solidFill>
+                <a:latin typeface="Arial"/>
+                <a:ea typeface="Arial"/>
+                <a:cs typeface="Arial"/>
+                <a:sym typeface="Arial"/>
               </a:rPr>
-              <a:t>Sprint Planning:</a:t>
+              <a:t>Sprint Planning</a:t>
             </a:r>
             <a:r>
-              <a:rPr lang="es-MX" sz="1700">
+              <a:rPr b="1" lang="es-MX" sz="1600">
                 <a:solidFill>
                   <a:schemeClr val="dk1"/>
                 </a:solidFill>
               </a:rPr>
-              <a:t> planificación de objetivos y tareas del ciclo.</a:t>
+              <a:t>.</a:t>
             </a:r>
-            <a:endParaRPr sz="1700">
+            <a:endParaRPr b="0" i="0" sz="1600" u="none" cap="none" strike="noStrike">
               <a:solidFill>
                 <a:schemeClr val="dk1"/>
               </a:solidFill>
+              <a:latin typeface="Arial"/>
+              <a:ea typeface="Arial"/>
+              <a:cs typeface="Arial"/>
+              <a:sym typeface="Arial"/>
             </a:endParaRPr>
           </a:p>
           <a:p>
-            <a:pPr indent="-336550" lvl="0" marL="457200" rtl="0" algn="l">
+            <a:pPr indent="-330200" lvl="0" marL="457200" marR="0" rtl="0" algn="l">
               <a:lnSpc>
                 <a:spcPct val="115000"/>
               </a:lnSpc>
@@ -22148,33 +20721,66 @@
               <a:buClr>
                 <a:schemeClr val="dk1"/>
               </a:buClr>
-              <a:buSzPts val="1700"/>
+              <a:buSzPts val="1600"/>
+              <a:buFont typeface="Arial"/>
               <a:buChar char="●"/>
             </a:pPr>
             <a:r>
-              <a:rPr b="1" lang="es-MX" sz="1700">
+              <a:rPr b="1" i="0" lang="es-MX" sz="1600" u="none" cap="none" strike="noStrike">
                 <a:solidFill>
                   <a:schemeClr val="dk1"/>
                 </a:solidFill>
+                <a:latin typeface="Arial"/>
+                <a:ea typeface="Arial"/>
+                <a:cs typeface="Arial"/>
+                <a:sym typeface="Arial"/>
               </a:rPr>
               <a:t>Daily Meetings:</a:t>
             </a:r>
             <a:r>
-              <a:rPr lang="es-MX" sz="1700">
+              <a:rPr b="0" i="0" lang="es-MX" sz="1600" u="none" cap="none" strike="noStrike">
                 <a:solidFill>
                   <a:schemeClr val="dk1"/>
                 </a:solidFill>
+                <a:latin typeface="Arial"/>
+                <a:ea typeface="Arial"/>
+                <a:cs typeface="Arial"/>
+                <a:sym typeface="Arial"/>
               </a:rPr>
-              <a:t> reuniones breves de seguimiento (3 veces por semana).</a:t>
+              <a:t> (</a:t>
             </a:r>
-            <a:endParaRPr sz="1700">
+            <a:r>
+              <a:rPr lang="es-MX" sz="1600">
+                <a:solidFill>
+                  <a:schemeClr val="dk1"/>
+                </a:solidFill>
+              </a:rPr>
+              <a:t>2</a:t>
+            </a:r>
+            <a:r>
+              <a:rPr b="0" i="0" lang="es-MX" sz="1600" u="none" cap="none" strike="noStrike">
+                <a:solidFill>
+                  <a:schemeClr val="dk1"/>
+                </a:solidFill>
+                <a:latin typeface="Arial"/>
+                <a:ea typeface="Arial"/>
+                <a:cs typeface="Arial"/>
+                <a:sym typeface="Arial"/>
+              </a:rPr>
+              <a:t> veces por semana).</a:t>
+            </a:r>
+            <a:endParaRPr b="0" i="0" sz="1600" u="none" cap="none" strike="noStrike">
               <a:solidFill>
                 <a:schemeClr val="dk1"/>
               </a:solidFill>
+              <a:latin typeface="Arial"/>
+              <a:ea typeface="Arial"/>
+              <a:cs typeface="Arial"/>
+              <a:sym typeface="Arial"/>
             </a:endParaRPr>
           </a:p>
           <a:p>
-            <a:pPr indent="-336550" lvl="0" marL="457200" rtl="0" algn="l">
+            <a:pPr indent="-330200" lvl="0" marL="457200" marR="0" rtl="0" algn="l">
               <a:lnSpc>
                 <a:spcPct val="115000"/>
               </a:lnSpc>
@@ -22187,33 +20793,46 @@
               <a:buClr>
                 <a:schemeClr val="dk1"/>
               </a:buClr>
-              <a:buSzPts val="1700"/>
+              <a:buSzPts val="1600"/>
+              <a:buFont typeface="Arial"/>
               <a:buChar char="●"/>
             </a:pPr>
             <a:r>
-              <a:rPr b="1" lang="es-MX" sz="1700">
+              <a:rPr b="1" i="0" lang="es-MX" sz="1600" u="none" cap="none" strike="noStrike">
                 <a:solidFill>
                   <a:schemeClr val="dk1"/>
                 </a:solidFill>
+                <a:latin typeface="Arial"/>
+                <a:ea typeface="Arial"/>
+                <a:cs typeface="Arial"/>
+                <a:sym typeface="Arial"/>
               </a:rPr>
               <a:t>Sprint Review:</a:t>
             </a:r>
             <a:r>
-              <a:rPr lang="es-MX" sz="1700">
+              <a:rPr b="0" i="0" lang="es-MX" sz="1600" u="none" cap="none" strike="noStrike">
                 <a:solidFill>
                   <a:schemeClr val="dk1"/>
                 </a:solidFill>
+                <a:latin typeface="Arial"/>
+                <a:ea typeface="Arial"/>
+                <a:cs typeface="Arial"/>
+                <a:sym typeface="Arial"/>
               </a:rPr>
               <a:t> presentación de avances funcionales.</a:t>
             </a:r>
-            <a:endParaRPr sz="1700">
+            <a:endParaRPr b="0" i="0" sz="1600" u="none" cap="none" strike="noStrike">
               <a:solidFill>
                 <a:schemeClr val="dk1"/>
               </a:solidFill>
+              <a:latin typeface="Arial"/>
+              <a:ea typeface="Arial"/>
+              <a:cs typeface="Arial"/>
+              <a:sym typeface="Arial"/>
             </a:endParaRPr>
           </a:p>
           <a:p>
-            <a:pPr indent="-336550" lvl="0" marL="457200" rtl="0" algn="l">
+            <a:pPr indent="-330200" lvl="0" marL="457200" marR="0" rtl="0" algn="l">
               <a:lnSpc>
                 <a:spcPct val="115000"/>
               </a:lnSpc>
@@ -22226,33 +20845,46 @@
               <a:buClr>
                 <a:schemeClr val="dk1"/>
               </a:buClr>
-              <a:buSzPts val="1700"/>
+              <a:buSzPts val="1600"/>
+              <a:buFont typeface="Arial"/>
               <a:buChar char="●"/>
             </a:pPr>
             <a:r>
-              <a:rPr b="1" lang="es-MX" sz="1700">
+              <a:rPr b="1" i="0" lang="es-MX" sz="1600" u="none" cap="none" strike="noStrike">
                 <a:solidFill>
                   <a:schemeClr val="dk1"/>
                 </a:solidFill>
+                <a:latin typeface="Arial"/>
+                <a:ea typeface="Arial"/>
+                <a:cs typeface="Arial"/>
+                <a:sym typeface="Arial"/>
               </a:rPr>
               <a:t>Sprint Retrospective:</a:t>
             </a:r>
             <a:r>
-              <a:rPr lang="es-MX" sz="1700">
+              <a:rPr b="0" i="0" lang="es-MX" sz="1600" u="none" cap="none" strike="noStrike">
                 <a:solidFill>
                   <a:schemeClr val="dk1"/>
                 </a:solidFill>
+                <a:latin typeface="Arial"/>
+                <a:ea typeface="Arial"/>
+                <a:cs typeface="Arial"/>
+                <a:sym typeface="Arial"/>
               </a:rPr>
               <a:t> análisis de mejoras en la dinámica de trabajo.</a:t>
             </a:r>
-            <a:endParaRPr sz="1700">
+            <a:endParaRPr b="0" i="0" sz="1600" u="none" cap="none" strike="noStrike">
               <a:solidFill>
                 <a:schemeClr val="dk1"/>
               </a:solidFill>
+              <a:latin typeface="Arial"/>
+              <a:ea typeface="Arial"/>
+              <a:cs typeface="Arial"/>
+              <a:sym typeface="Arial"/>
             </a:endParaRPr>
           </a:p>
           <a:p>
-            <a:pPr indent="0" lvl="0" marL="0" rtl="0" algn="l">
+            <a:pPr indent="0" lvl="0" marL="0" marR="0" rtl="0" algn="l">
               <a:lnSpc>
                 <a:spcPct val="115000"/>
               </a:lnSpc>
@@ -22270,71 +20902,73 @@
               <a:buNone/>
             </a:pPr>
             <a:r>
-              <a:rPr lang="es-MX" sz="1700">
+              <a:rPr b="0" i="0" lang="es-MX" sz="1600" u="none" cap="none" strike="noStrike">
                 <a:solidFill>
                   <a:schemeClr val="dk1"/>
                 </a:solidFill>
+                <a:latin typeface="Arial"/>
+                <a:ea typeface="Arial"/>
+                <a:cs typeface="Arial"/>
+                <a:sym typeface="Arial"/>
               </a:rPr>
               <a:t>El proceso se apoya además en herramientas de control como </a:t>
             </a:r>
             <a:r>
-              <a:rPr b="1" lang="es-MX" sz="1700">
+              <a:rPr b="1" i="0" lang="es-MX" sz="1600" u="none" cap="none" strike="noStrike">
                 <a:solidFill>
                   <a:schemeClr val="dk1"/>
                 </a:solidFill>
+                <a:latin typeface="Arial"/>
+                <a:ea typeface="Arial"/>
+                <a:cs typeface="Arial"/>
+                <a:sym typeface="Arial"/>
               </a:rPr>
               <a:t>GitHub</a:t>
             </a:r>
             <a:r>
-              <a:rPr lang="es-MX" sz="1700">
+              <a:rPr b="0" i="0" lang="es-MX" sz="1600" u="none" cap="none" strike="noStrike">
                 <a:solidFill>
                   <a:schemeClr val="dk1"/>
                 </a:solidFill>
+                <a:latin typeface="Arial"/>
+                <a:ea typeface="Arial"/>
+                <a:cs typeface="Arial"/>
+                <a:sym typeface="Arial"/>
               </a:rPr>
               <a:t> (versionado y repositorio de código), </a:t>
             </a:r>
             <a:r>
-              <a:rPr b="1" lang="es-MX" sz="1700">
+              <a:rPr b="1" i="0" lang="es-MX" sz="1600" u="none" cap="none" strike="noStrike">
                 <a:solidFill>
                   <a:schemeClr val="dk1"/>
                 </a:solidFill>
+                <a:latin typeface="Arial"/>
+                <a:ea typeface="Arial"/>
+                <a:cs typeface="Arial"/>
+                <a:sym typeface="Arial"/>
               </a:rPr>
               <a:t>Figma</a:t>
             </a:r>
             <a:r>
-              <a:rPr lang="es-MX" sz="1700">
+              <a:rPr b="0" i="0" lang="es-MX" sz="1600" u="none" cap="none" strike="noStrike">
                 <a:solidFill>
                   <a:schemeClr val="dk1"/>
                 </a:solidFill>
+                <a:latin typeface="Arial"/>
+                <a:ea typeface="Arial"/>
+                <a:cs typeface="Arial"/>
+                <a:sym typeface="Arial"/>
               </a:rPr>
               <a:t> (diseño visual),</a:t>
             </a:r>
-            <a:endParaRPr sz="1700">
+            <a:endParaRPr b="0" i="0" sz="1700" u="none" cap="none" strike="noStrike">
               <a:solidFill>
                 <a:schemeClr val="dk1"/>
               </a:solidFill>
-            </a:endParaRPr>
-          </a:p>
-          <a:p>
-            <a:pPr indent="0" lvl="0" marL="0" rtl="0" algn="l">
-              <a:lnSpc>
-                <a:spcPct val="115000"/>
-              </a:lnSpc>
-              <a:spcBef>
-                <a:spcPts val="1200"/>
-              </a:spcBef>
-              <a:spcAft>
-                <a:spcPts val="0"/>
-              </a:spcAft>
-              <a:buNone/>
-            </a:pPr>
-            <a:r>
-              <a:t/>
-            </a:r>
-            <a:endParaRPr sz="1700">
-              <a:solidFill>
-                <a:schemeClr val="dk1"/>
-              </a:solidFill>
+              <a:latin typeface="Arial"/>
+              <a:ea typeface="Arial"/>
+              <a:cs typeface="Arial"/>
+              <a:sym typeface="Arial"/>
             </a:endParaRPr>
           </a:p>
         </p:txBody>
@@ -22347,12 +20981,12 @@
 </p:sld>
 </file>
 
-<file path=ppt/slides/slide8.xml><?xml version="1.0" encoding="utf-8"?>
+<file path=ppt/slides/slide7.xml><?xml version="1.0" encoding="utf-8"?>
 <p:sld xmlns:a="http://schemas.openxmlformats.org/drawingml/2006/main" xmlns:r="http://schemas.openxmlformats.org/officeDocument/2006/relationships" xmlns:mc="http://schemas.openxmlformats.org/markup-compatibility/2006" xmlns:mv="urn:schemas-microsoft-com:mac:vml" xmlns:p="http://schemas.openxmlformats.org/presentationml/2006/main" xmlns:c="http://schemas.openxmlformats.org/drawingml/2006/chart" xmlns:dgm="http://schemas.openxmlformats.org/drawingml/2006/diagram" xmlns:o="urn:schemas-microsoft-com:office:office" xmlns:v="urn:schemas-microsoft-com:vml" xmlns:pvml="urn:schemas-microsoft-com:office:powerpoint" xmlns:com="http://schemas.openxmlformats.org/drawingml/2006/compatibility" xmlns:p14="http://schemas.microsoft.com/office/powerpoint/2010/main" xmlns:p15="http://schemas.microsoft.com/office/powerpoint/2012/main" xmlns:ahyp="http://schemas.microsoft.com/office/drawing/2018/hyperlinkcolor">
   <p:cSld>
     <p:spTree>
       <p:nvGrpSpPr>
-        <p:cNvPr id="155" name="Shape 155"/>
+        <p:cNvPr id="149" name="Shape 149"/>
         <p:cNvGrpSpPr/>
         <p:nvPr/>
       </p:nvGrpSpPr>
@@ -22366,7 +21000,7 @@
       </p:grpSpPr>
       <p:pic>
         <p:nvPicPr>
-          <p:cNvPr descr="EscuelaIT Duoc UC - Escuela de Informática y Telecomunicaciones Duoc UC - Duoc  UC | LinkedIn" id="156" name="Google Shape;156;g38e2c4947a4_0_385"/>
+          <p:cNvPr descr="EscuelaIT Duoc UC - Escuela de Informática y Telecomunicaciones Duoc UC - Duoc  UC | LinkedIn" id="150" name="Google Shape;150;g38e2c4947a4_0_385"/>
           <p:cNvPicPr preferRelativeResize="0"/>
           <p:nvPr/>
         </p:nvPicPr>
@@ -22393,7 +21027,7 @@
       </p:pic>
       <p:sp>
         <p:nvSpPr>
-          <p:cNvPr id="157" name="Google Shape;157;g38e2c4947a4_0_385"/>
+          <p:cNvPr id="151" name="Google Shape;151;g38e2c4947a4_0_385"/>
           <p:cNvSpPr txBox="1"/>
           <p:nvPr/>
         </p:nvSpPr>
@@ -22459,13 +21093,13 @@
       </p:sp>
       <p:sp>
         <p:nvSpPr>
-          <p:cNvPr id="158" name="Google Shape;158;g38e2c4947a4_0_385"/>
+          <p:cNvPr id="152" name="Google Shape;152;g38e2c4947a4_0_385"/>
           <p:cNvSpPr txBox="1"/>
           <p:nvPr/>
         </p:nvSpPr>
         <p:spPr>
           <a:xfrm>
-            <a:off x="0" y="919799"/>
+            <a:off x="0" y="777824"/>
             <a:ext cx="12192000" cy="646500"/>
           </a:xfrm>
           <a:prstGeom prst="rect">
@@ -22482,7 +21116,10 @@
           </a:bodyPr>
           <a:lstStyle/>
           <a:p>
-            <a:pPr indent="0" lvl="0" marL="0" rtl="0" algn="ctr">
+            <a:pPr indent="0" lvl="0" marL="0" marR="0" rtl="0" algn="ctr">
+              <a:lnSpc>
+                <a:spcPct val="100000"/>
+              </a:lnSpc>
               <a:spcBef>
                 <a:spcPts val="0"/>
               </a:spcBef>
@@ -22497,7 +21134,7 @@
               <a:buNone/>
             </a:pPr>
             <a:r>
-              <a:rPr lang="es-MX" sz="3600">
+              <a:rPr b="0" i="0" lang="es-MX" sz="3600" u="none" cap="none" strike="noStrike">
                 <a:solidFill>
                   <a:schemeClr val="dk1"/>
                 </a:solidFill>
@@ -22518,7 +21155,7 @@
               </a:rPr>
               <a:t>Metodología de trabajo para el desarrollo del proyecto</a:t>
             </a:r>
-            <a:endParaRPr sz="3600">
+            <a:endParaRPr b="0" i="0" sz="3600" u="none" cap="none" strike="noStrike">
               <a:solidFill>
                 <a:schemeClr val="dk1"/>
               </a:solidFill>
@@ -22532,7 +21169,7 @@
       </p:sp>
       <p:cxnSp>
         <p:nvCxnSpPr>
-          <p:cNvPr id="159" name="Google Shape;159;g38e2c4947a4_0_385"/>
+          <p:cNvPr id="153" name="Google Shape;153;g38e2c4947a4_0_385"/>
           <p:cNvCxnSpPr/>
           <p:nvPr/>
         </p:nvCxnSpPr>
@@ -22556,341 +21193,32 @@
           </a:ln>
         </p:spPr>
       </p:cxnSp>
-      <p:sp>
-        <p:nvSpPr>
-          <p:cNvPr id="160" name="Google Shape;160;g38e2c4947a4_0_385"/>
-          <p:cNvSpPr/>
+      <p:pic>
+        <p:nvPicPr>
+          <p:cNvPr id="154" name="Google Shape;154;g38e2c4947a4_0_385"/>
+          <p:cNvPicPr preferRelativeResize="0"/>
           <p:nvPr/>
-        </p:nvSpPr>
+        </p:nvPicPr>
+        <p:blipFill>
+          <a:blip r:embed="rId5">
+            <a:alphaModFix/>
+          </a:blip>
+          <a:stretch>
+            <a:fillRect/>
+          </a:stretch>
+        </p:blipFill>
         <p:spPr>
           <a:xfrm>
-            <a:off x="898950" y="2169800"/>
-            <a:ext cx="10394100" cy="4092600"/>
-          </a:xfrm>
-          <a:prstGeom prst="roundRect">
-            <a:avLst>
-              <a:gd fmla="val 10901" name="adj"/>
-            </a:avLst>
-          </a:prstGeom>
-          <a:solidFill>
-            <a:schemeClr val="lt1"/>
-          </a:solidFill>
-          <a:ln cap="flat" cmpd="sng" w="19050">
-            <a:solidFill>
-              <a:schemeClr val="accent1"/>
-            </a:solidFill>
-            <a:prstDash val="solid"/>
-            <a:miter lim="800000"/>
-            <a:headEnd len="sm" w="sm" type="none"/>
-            <a:tailEnd len="sm" w="sm" type="none"/>
-          </a:ln>
-        </p:spPr>
-        <p:txBody>
-          <a:bodyPr anchorCtr="0" anchor="ctr" bIns="45700" lIns="91425" spcFirstLastPara="1" rIns="91425" wrap="square" tIns="45700">
-            <a:noAutofit/>
-          </a:bodyPr>
-          <a:lstStyle/>
-          <a:p>
-            <a:pPr indent="0" lvl="0" marL="0" rtl="0" algn="l">
-              <a:lnSpc>
-                <a:spcPct val="115000"/>
-              </a:lnSpc>
-              <a:spcBef>
-                <a:spcPts val="1200"/>
-              </a:spcBef>
-              <a:spcAft>
-                <a:spcPts val="0"/>
-              </a:spcAft>
-              <a:buClr>
-                <a:schemeClr val="dk1"/>
-              </a:buClr>
-              <a:buSzPts val="1100"/>
-              <a:buFont typeface="Arial"/>
-              <a:buNone/>
-            </a:pPr>
-            <a:r>
-              <a:t/>
-            </a:r>
-            <a:endParaRPr sz="1700">
-              <a:solidFill>
-                <a:schemeClr val="dk1"/>
-              </a:solidFill>
-            </a:endParaRPr>
-          </a:p>
-          <a:p>
-            <a:pPr indent="0" lvl="0" marL="0" rtl="0" algn="l">
-              <a:lnSpc>
-                <a:spcPct val="115000"/>
-              </a:lnSpc>
-              <a:spcBef>
-                <a:spcPts val="1200"/>
-              </a:spcBef>
-              <a:spcAft>
-                <a:spcPts val="0"/>
-              </a:spcAft>
-              <a:buClr>
-                <a:schemeClr val="dk1"/>
-              </a:buClr>
-              <a:buSzPts val="1100"/>
-              <a:buFont typeface="Arial"/>
-              <a:buNone/>
-            </a:pPr>
-            <a:r>
-              <a:rPr lang="es-MX" sz="1700">
-                <a:solidFill>
-                  <a:schemeClr val="dk1"/>
-                </a:solidFill>
-              </a:rPr>
-              <a:t>En los dos primeros releases del proyecto </a:t>
-            </a:r>
-            <a:r>
-              <a:rPr b="1" lang="es-MX" sz="1700">
-                <a:solidFill>
-                  <a:schemeClr val="dk1"/>
-                </a:solidFill>
-              </a:rPr>
-              <a:t>VGD Learn</a:t>
-            </a:r>
-            <a:r>
-              <a:rPr lang="es-MX" sz="1700">
-                <a:solidFill>
-                  <a:schemeClr val="dk1"/>
-                </a:solidFill>
-              </a:rPr>
-              <a:t>, el equipo se enfocó en desarrollar la </a:t>
-            </a:r>
-            <a:r>
-              <a:rPr b="1" lang="es-MX" sz="1700">
-                <a:solidFill>
-                  <a:schemeClr val="dk1"/>
-                </a:solidFill>
-              </a:rPr>
-              <a:t>estructura base del sistema</a:t>
-            </a:r>
-            <a:r>
-              <a:rPr lang="es-MX" sz="1700">
-                <a:solidFill>
-                  <a:schemeClr val="dk1"/>
-                </a:solidFill>
-              </a:rPr>
-              <a:t> y las </a:t>
-            </a:r>
-            <a:r>
-              <a:rPr b="1" lang="es-MX" sz="1700">
-                <a:solidFill>
-                  <a:schemeClr val="dk1"/>
-                </a:solidFill>
-              </a:rPr>
-              <a:t>funcionalidades principales de gestión</a:t>
-            </a:r>
-            <a:r>
-              <a:rPr lang="es-MX" sz="1700">
-                <a:solidFill>
-                  <a:schemeClr val="dk1"/>
-                </a:solidFill>
-              </a:rPr>
-              <a:t>.</a:t>
-            </a:r>
-            <a:br>
-              <a:rPr lang="es-MX" sz="1700">
-                <a:solidFill>
-                  <a:schemeClr val="dk1"/>
-                </a:solidFill>
-              </a:rPr>
-            </a:br>
-            <a:r>
-              <a:rPr lang="es-MX" sz="1700">
-                <a:solidFill>
-                  <a:schemeClr val="dk1"/>
-                </a:solidFill>
-              </a:rPr>
-              <a:t>En el </a:t>
-            </a:r>
-            <a:r>
-              <a:rPr b="1" lang="es-MX" sz="1700">
-                <a:solidFill>
-                  <a:schemeClr val="dk1"/>
-                </a:solidFill>
-              </a:rPr>
-              <a:t>Release 1</a:t>
-            </a:r>
-            <a:r>
-              <a:rPr lang="es-MX" sz="1700">
-                <a:solidFill>
-                  <a:schemeClr val="dk1"/>
-                </a:solidFill>
-              </a:rPr>
-              <a:t>, se implementó el sistema de </a:t>
-            </a:r>
-            <a:r>
-              <a:rPr b="1" lang="es-MX" sz="1700">
-                <a:solidFill>
-                  <a:schemeClr val="dk1"/>
-                </a:solidFill>
-              </a:rPr>
-              <a:t>autenticación de usuarios</a:t>
-            </a:r>
-            <a:r>
-              <a:rPr lang="es-MX" sz="1700">
-                <a:solidFill>
-                  <a:schemeClr val="dk1"/>
-                </a:solidFill>
-              </a:rPr>
-              <a:t>, que permite registrarse con cuenta de Google, verificar el correo, iniciar y mantener sesión activa. Esta etapa aseguró la conexión estable entre backend y frontend para el control de acceso.</a:t>
-            </a:r>
-            <a:endParaRPr sz="1700">
-              <a:solidFill>
-                <a:schemeClr val="dk1"/>
-              </a:solidFill>
-            </a:endParaRPr>
-          </a:p>
-          <a:p>
-            <a:pPr indent="0" lvl="0" marL="0" rtl="0" algn="l">
-              <a:lnSpc>
-                <a:spcPct val="115000"/>
-              </a:lnSpc>
-              <a:spcBef>
-                <a:spcPts val="1200"/>
-              </a:spcBef>
-              <a:spcAft>
-                <a:spcPts val="0"/>
-              </a:spcAft>
-              <a:buClr>
-                <a:schemeClr val="dk1"/>
-              </a:buClr>
-              <a:buSzPts val="1100"/>
-              <a:buFont typeface="Arial"/>
-              <a:buNone/>
-            </a:pPr>
-            <a:r>
-              <a:rPr lang="es-MX" sz="1700">
-                <a:solidFill>
-                  <a:schemeClr val="dk1"/>
-                </a:solidFill>
-              </a:rPr>
-              <a:t>En el </a:t>
-            </a:r>
-            <a:r>
-              <a:rPr b="1" lang="es-MX" sz="1700">
-                <a:solidFill>
-                  <a:schemeClr val="dk1"/>
-                </a:solidFill>
-              </a:rPr>
-              <a:t>Release 2</a:t>
-            </a:r>
-            <a:r>
-              <a:rPr lang="es-MX" sz="1700">
-                <a:solidFill>
-                  <a:schemeClr val="dk1"/>
-                </a:solidFill>
-              </a:rPr>
-              <a:t>, se desarrolló la </a:t>
-            </a:r>
-            <a:r>
-              <a:rPr b="1" lang="es-MX" sz="1700">
-                <a:solidFill>
-                  <a:schemeClr val="dk1"/>
-                </a:solidFill>
-              </a:rPr>
-              <a:t>gestión de módulos de estudio</a:t>
-            </a:r>
-            <a:r>
-              <a:rPr lang="es-MX" sz="1700">
-                <a:solidFill>
-                  <a:schemeClr val="dk1"/>
-                </a:solidFill>
-              </a:rPr>
-              <a:t>, habilitando la creación, edición y eliminación de materiales dentro de la plataforma. Los datos se almacenan correctamente en la base de datos y se sincronizan con el backend, garantizando un flujo funcional y estable.</a:t>
-            </a:r>
-            <a:endParaRPr sz="1700">
-              <a:solidFill>
-                <a:schemeClr val="dk1"/>
-              </a:solidFill>
-            </a:endParaRPr>
-          </a:p>
-          <a:p>
-            <a:pPr indent="0" lvl="0" marL="0" rtl="0" algn="l">
-              <a:lnSpc>
-                <a:spcPct val="115000"/>
-              </a:lnSpc>
-              <a:spcBef>
-                <a:spcPts val="1200"/>
-              </a:spcBef>
-              <a:spcAft>
-                <a:spcPts val="0"/>
-              </a:spcAft>
-              <a:buClr>
-                <a:schemeClr val="dk1"/>
-              </a:buClr>
-              <a:buSzPts val="1100"/>
-              <a:buFont typeface="Arial"/>
-              <a:buNone/>
-            </a:pPr>
-            <a:r>
-              <a:rPr lang="es-MX" sz="1700">
-                <a:solidFill>
-                  <a:schemeClr val="dk1"/>
-                </a:solidFill>
-              </a:rPr>
-              <a:t>Ambos releases consolidaron la base técnica del proyecto, sentando las condiciones necesarias para avanzar hacia la integración del módulo de inteligencia artificial en los siguientes ciclos de desarrollo.</a:t>
-            </a:r>
-            <a:endParaRPr b="1" sz="2100">
-              <a:solidFill>
-                <a:schemeClr val="dk1"/>
-              </a:solidFill>
-            </a:endParaRPr>
-          </a:p>
-          <a:p>
-            <a:pPr indent="0" lvl="0" marL="0" marR="0" rtl="0" algn="l">
-              <a:lnSpc>
-                <a:spcPct val="100000"/>
-              </a:lnSpc>
-              <a:spcBef>
-                <a:spcPts val="1200"/>
-              </a:spcBef>
-              <a:spcAft>
-                <a:spcPts val="0"/>
-              </a:spcAft>
-              <a:buClr>
-                <a:srgbClr val="000000"/>
-              </a:buClr>
-              <a:buSzPts val="1800"/>
-              <a:buFont typeface="Arial"/>
-              <a:buNone/>
-            </a:pPr>
-            <a:r>
-              <a:t/>
-            </a:r>
-            <a:endParaRPr b="0" i="0" sz="1800" u="sng" cap="none" strike="noStrike">
-              <a:solidFill>
-                <a:schemeClr val="dk1"/>
-              </a:solidFill>
-              <a:latin typeface="Calibri"/>
-              <a:ea typeface="Calibri"/>
-              <a:cs typeface="Calibri"/>
-              <a:sym typeface="Calibri"/>
-            </a:endParaRPr>
-          </a:p>
-        </p:txBody>
-      </p:sp>
-      <p:sp>
-        <p:nvSpPr>
-          <p:cNvPr id="161" name="Google Shape;161;g38e2c4947a4_0_385"/>
-          <p:cNvSpPr txBox="1"/>
-          <p:nvPr/>
-        </p:nvSpPr>
-        <p:spPr>
-          <a:xfrm>
-            <a:off x="5062200" y="1667938"/>
-            <a:ext cx="2067600" cy="400200"/>
+            <a:off x="2127975" y="1444124"/>
+            <a:ext cx="7128707" cy="5128876"/>
           </a:xfrm>
           <a:prstGeom prst="rect">
             <a:avLst/>
           </a:prstGeom>
           <a:noFill/>
-          <a:ln cap="flat" cmpd="sng" w="9525">
+          <a:ln cap="flat" cmpd="sng" w="19050">
             <a:solidFill>
-              <a:schemeClr val="lt1"/>
+              <a:schemeClr val="dk2"/>
             </a:solidFill>
             <a:prstDash val="solid"/>
             <a:round/>
@@ -22898,53 +21226,7 @@
             <a:tailEnd len="sm" w="sm" type="none"/>
           </a:ln>
         </p:spPr>
-        <p:txBody>
-          <a:bodyPr anchorCtr="0" anchor="t" bIns="45700" lIns="91425" spcFirstLastPara="1" rIns="91425" wrap="square" tIns="45700">
-            <a:spAutoFit/>
-          </a:bodyPr>
-          <a:lstStyle/>
-          <a:p>
-            <a:pPr indent="0" lvl="0" marL="0" marR="0" rtl="0" algn="ctr">
-              <a:lnSpc>
-                <a:spcPct val="100000"/>
-              </a:lnSpc>
-              <a:spcBef>
-                <a:spcPts val="0"/>
-              </a:spcBef>
-              <a:spcAft>
-                <a:spcPts val="0"/>
-              </a:spcAft>
-              <a:buClr>
-                <a:srgbClr val="000000"/>
-              </a:buClr>
-              <a:buSzPts val="3600"/>
-              <a:buFont typeface="Arial"/>
-              <a:buNone/>
-            </a:pPr>
-            <a:r>
-              <a:rPr b="1" lang="es-MX" sz="2000">
-                <a:solidFill>
-                  <a:schemeClr val="dk1"/>
-                </a:solidFill>
-                <a:latin typeface="Calibri"/>
-                <a:ea typeface="Calibri"/>
-                <a:cs typeface="Calibri"/>
-                <a:sym typeface="Calibri"/>
-              </a:rPr>
-              <a:t>RELEASE</a:t>
-            </a:r>
-            <a:endParaRPr b="1" sz="2000">
-              <a:solidFill>
-                <a:schemeClr val="dk1"/>
-              </a:solidFill>
-              <a:latin typeface="Calibri"/>
-              <a:ea typeface="Calibri"/>
-              <a:cs typeface="Calibri"/>
-              <a:sym typeface="Calibri"/>
-            </a:endParaRPr>
-          </a:p>
-        </p:txBody>
-      </p:sp>
+      </p:pic>
     </p:spTree>
   </p:cSld>
   <p:clrMapOvr>
@@ -22953,12 +21235,12 @@
 </p:sld>
 </file>
 
-<file path=ppt/slides/slide9.xml><?xml version="1.0" encoding="utf-8"?>
+<file path=ppt/slides/slide8.xml><?xml version="1.0" encoding="utf-8"?>
 <p:sld xmlns:a="http://schemas.openxmlformats.org/drawingml/2006/main" xmlns:r="http://schemas.openxmlformats.org/officeDocument/2006/relationships" xmlns:mc="http://schemas.openxmlformats.org/markup-compatibility/2006" xmlns:mv="urn:schemas-microsoft-com:mac:vml" xmlns:p="http://schemas.openxmlformats.org/presentationml/2006/main" xmlns:c="http://schemas.openxmlformats.org/drawingml/2006/chart" xmlns:dgm="http://schemas.openxmlformats.org/drawingml/2006/diagram" xmlns:o="urn:schemas-microsoft-com:office:office" xmlns:v="urn:schemas-microsoft-com:vml" xmlns:pvml="urn:schemas-microsoft-com:office:powerpoint" xmlns:com="http://schemas.openxmlformats.org/drawingml/2006/compatibility" xmlns:p14="http://schemas.microsoft.com/office/powerpoint/2010/main" xmlns:p15="http://schemas.microsoft.com/office/powerpoint/2012/main" xmlns:ahyp="http://schemas.microsoft.com/office/drawing/2018/hyperlinkcolor">
   <p:cSld>
     <p:spTree>
       <p:nvGrpSpPr>
-        <p:cNvPr id="165" name="Shape 165"/>
+        <p:cNvPr id="158" name="Shape 158"/>
         <p:cNvGrpSpPr/>
         <p:nvPr/>
       </p:nvGrpSpPr>
@@ -22972,7 +21254,7 @@
       </p:grpSpPr>
       <p:pic>
         <p:nvPicPr>
-          <p:cNvPr descr="EscuelaIT Duoc UC - Escuela de Informática y Telecomunicaciones Duoc UC - Duoc  UC | LinkedIn" id="166" name="Google Shape;166;g38e2c4947a4_0_20"/>
+          <p:cNvPr descr="EscuelaIT Duoc UC - Escuela de Informática y Telecomunicaciones Duoc UC - Duoc  UC | LinkedIn" id="159" name="Google Shape;159;p8"/>
           <p:cNvPicPr preferRelativeResize="0"/>
           <p:nvPr/>
         </p:nvPicPr>
@@ -22999,7 +21281,7 @@
       </p:pic>
       <p:sp>
         <p:nvSpPr>
-          <p:cNvPr id="167" name="Google Shape;167;g38e2c4947a4_0_20"/>
+          <p:cNvPr id="160" name="Google Shape;160;p8"/>
           <p:cNvSpPr txBox="1"/>
           <p:nvPr/>
         </p:nvSpPr>
@@ -23065,14 +21347,409 @@
       </p:sp>
       <p:sp>
         <p:nvSpPr>
-          <p:cNvPr id="168" name="Google Shape;168;g38e2c4947a4_0_20"/>
+          <p:cNvPr id="161" name="Google Shape;161;p8"/>
+          <p:cNvSpPr txBox="1"/>
+          <p:nvPr/>
+        </p:nvSpPr>
+        <p:spPr>
+          <a:xfrm>
+            <a:off x="533650" y="2470400"/>
+            <a:ext cx="2852700" cy="1754700"/>
+          </a:xfrm>
+          <a:prstGeom prst="rect">
+            <a:avLst/>
+          </a:prstGeom>
+          <a:noFill/>
+          <a:ln>
+            <a:noFill/>
+          </a:ln>
+        </p:spPr>
+        <p:txBody>
+          <a:bodyPr anchorCtr="0" anchor="t" bIns="45700" lIns="91425" spcFirstLastPara="1" rIns="91425" wrap="square" tIns="45700">
+            <a:spAutoFit/>
+          </a:bodyPr>
+          <a:lstStyle/>
+          <a:p>
+            <a:pPr indent="0" lvl="0" marL="0" marR="0" rtl="0" algn="l">
+              <a:lnSpc>
+                <a:spcPct val="100000"/>
+              </a:lnSpc>
+              <a:spcBef>
+                <a:spcPts val="0"/>
+              </a:spcBef>
+              <a:spcAft>
+                <a:spcPts val="0"/>
+              </a:spcAft>
+              <a:buClr>
+                <a:srgbClr val="000000"/>
+              </a:buClr>
+              <a:buSzPts val="3600"/>
+              <a:buFont typeface="Arial"/>
+              <a:buNone/>
+            </a:pPr>
+            <a:r>
+              <a:rPr b="0" i="0" lang="es-MX" sz="3600" u="none" cap="none" strike="noStrike">
+                <a:solidFill>
+                  <a:schemeClr val="dk1"/>
+                </a:solidFill>
+                <a:latin typeface="Calibri"/>
+                <a:ea typeface="Calibri"/>
+                <a:cs typeface="Calibri"/>
+                <a:sym typeface="Calibri"/>
+              </a:rPr>
+              <a:t>Arquitectura </a:t>
+            </a:r>
+            <a:endParaRPr b="0" i="0" sz="3600" u="none" cap="none" strike="noStrike">
+              <a:solidFill>
+                <a:schemeClr val="dk1"/>
+              </a:solidFill>
+              <a:latin typeface="Calibri"/>
+              <a:ea typeface="Calibri"/>
+              <a:cs typeface="Calibri"/>
+              <a:sym typeface="Calibri"/>
+            </a:endParaRPr>
+          </a:p>
+          <a:p>
+            <a:pPr indent="457200" lvl="0" marL="457200" marR="0" rtl="0" algn="l">
+              <a:lnSpc>
+                <a:spcPct val="100000"/>
+              </a:lnSpc>
+              <a:spcBef>
+                <a:spcPts val="0"/>
+              </a:spcBef>
+              <a:spcAft>
+                <a:spcPts val="0"/>
+              </a:spcAft>
+              <a:buClr>
+                <a:srgbClr val="000000"/>
+              </a:buClr>
+              <a:buSzPts val="3600"/>
+              <a:buFont typeface="Arial"/>
+              <a:buNone/>
+            </a:pPr>
+            <a:r>
+              <a:rPr b="0" i="0" lang="es-MX" sz="3600" u="none" cap="none" strike="noStrike">
+                <a:solidFill>
+                  <a:schemeClr val="dk1"/>
+                </a:solidFill>
+                <a:latin typeface="Calibri"/>
+                <a:ea typeface="Calibri"/>
+                <a:cs typeface="Calibri"/>
+                <a:sym typeface="Calibri"/>
+              </a:rPr>
+              <a:t>del </a:t>
+            </a:r>
+            <a:endParaRPr b="0" i="0" sz="3600" u="none" cap="none" strike="noStrike">
+              <a:solidFill>
+                <a:schemeClr val="dk1"/>
+              </a:solidFill>
+              <a:latin typeface="Calibri"/>
+              <a:ea typeface="Calibri"/>
+              <a:cs typeface="Calibri"/>
+              <a:sym typeface="Calibri"/>
+            </a:endParaRPr>
+          </a:p>
+          <a:p>
+            <a:pPr indent="457200" lvl="0" marL="0" marR="0" rtl="0" algn="l">
+              <a:lnSpc>
+                <a:spcPct val="100000"/>
+              </a:lnSpc>
+              <a:spcBef>
+                <a:spcPts val="0"/>
+              </a:spcBef>
+              <a:spcAft>
+                <a:spcPts val="0"/>
+              </a:spcAft>
+              <a:buClr>
+                <a:srgbClr val="000000"/>
+              </a:buClr>
+              <a:buSzPts val="3600"/>
+              <a:buFont typeface="Arial"/>
+              <a:buNone/>
+            </a:pPr>
+            <a:r>
+              <a:rPr b="0" i="0" lang="es-MX" sz="3600" u="none" cap="none" strike="noStrike">
+                <a:solidFill>
+                  <a:schemeClr val="dk1"/>
+                </a:solidFill>
+                <a:latin typeface="Calibri"/>
+                <a:ea typeface="Calibri"/>
+                <a:cs typeface="Calibri"/>
+                <a:sym typeface="Calibri"/>
+              </a:rPr>
+              <a:t>software</a:t>
+            </a:r>
+            <a:endParaRPr b="0" i="0" sz="3600" u="none" cap="none" strike="noStrike">
+              <a:solidFill>
+                <a:schemeClr val="dk1"/>
+              </a:solidFill>
+              <a:latin typeface="Calibri"/>
+              <a:ea typeface="Calibri"/>
+              <a:cs typeface="Calibri"/>
+              <a:sym typeface="Calibri"/>
+            </a:endParaRPr>
+          </a:p>
+        </p:txBody>
+      </p:sp>
+      <p:cxnSp>
+        <p:nvCxnSpPr>
+          <p:cNvPr id="162" name="Google Shape;162;p8"/>
+          <p:cNvCxnSpPr/>
+          <p:nvPr/>
+        </p:nvCxnSpPr>
+        <p:spPr>
+          <a:xfrm>
+            <a:off x="0" y="758027"/>
+            <a:ext cx="4085617" cy="0"/>
+          </a:xfrm>
+          <a:prstGeom prst="straightConnector1">
+            <a:avLst/>
+          </a:prstGeom>
+          <a:noFill/>
+          <a:ln cap="flat" cmpd="sng" w="15875">
+            <a:solidFill>
+              <a:srgbClr val="F5F7FC"/>
+            </a:solidFill>
+            <a:prstDash val="solid"/>
+            <a:miter lim="800000"/>
+            <a:headEnd len="sm" w="sm" type="none"/>
+            <a:tailEnd len="sm" w="sm" type="none"/>
+          </a:ln>
+        </p:spPr>
+      </p:cxnSp>
+      <p:sp>
+        <p:nvSpPr>
+          <p:cNvPr id="163" name="Google Shape;163;p8"/>
+          <p:cNvSpPr/>
+          <p:nvPr/>
+        </p:nvSpPr>
+        <p:spPr>
+          <a:xfrm>
+            <a:off x="6103050" y="2470400"/>
+            <a:ext cx="720900" cy="214500"/>
+          </a:xfrm>
+          <a:prstGeom prst="rect">
+            <a:avLst/>
+          </a:prstGeom>
+          <a:solidFill>
+            <a:schemeClr val="lt1"/>
+          </a:solidFill>
+          <a:ln cap="flat" cmpd="sng" w="9525">
+            <a:solidFill>
+              <a:schemeClr val="lt1"/>
+            </a:solidFill>
+            <a:prstDash val="solid"/>
+            <a:round/>
+            <a:headEnd len="sm" w="sm" type="none"/>
+            <a:tailEnd len="sm" w="sm" type="none"/>
+          </a:ln>
+        </p:spPr>
+        <p:txBody>
+          <a:bodyPr anchorCtr="0" anchor="ctr" bIns="91425" lIns="91425" spcFirstLastPara="1" rIns="91425" wrap="square" tIns="91425">
+            <a:noAutofit/>
+          </a:bodyPr>
+          <a:lstStyle/>
+          <a:p>
+            <a:pPr indent="0" lvl="0" marL="0" marR="0" rtl="0" algn="ctr">
+              <a:lnSpc>
+                <a:spcPct val="100000"/>
+              </a:lnSpc>
+              <a:spcBef>
+                <a:spcPts val="0"/>
+              </a:spcBef>
+              <a:spcAft>
+                <a:spcPts val="0"/>
+              </a:spcAft>
+              <a:buClr>
+                <a:srgbClr val="000000"/>
+              </a:buClr>
+              <a:buSzPts val="1400"/>
+              <a:buFont typeface="Arial"/>
+              <a:buNone/>
+            </a:pPr>
+            <a:r>
+              <a:t/>
+            </a:r>
+            <a:endParaRPr b="0" i="0" sz="1400" u="none" cap="none" strike="noStrike">
+              <a:solidFill>
+                <a:schemeClr val="lt1"/>
+              </a:solidFill>
+              <a:highlight>
+                <a:schemeClr val="lt1"/>
+              </a:highlight>
+              <a:latin typeface="Calibri"/>
+              <a:ea typeface="Calibri"/>
+              <a:cs typeface="Calibri"/>
+              <a:sym typeface="Calibri"/>
+            </a:endParaRPr>
+          </a:p>
+        </p:txBody>
+      </p:sp>
+      <p:pic>
+        <p:nvPicPr>
+          <p:cNvPr id="164" name="Google Shape;164;p8" title="lalal.drawio.png"/>
+          <p:cNvPicPr preferRelativeResize="0"/>
+          <p:nvPr/>
+        </p:nvPicPr>
+        <p:blipFill>
+          <a:blip r:embed="rId4">
+            <a:alphaModFix/>
+          </a:blip>
+          <a:stretch>
+            <a:fillRect/>
+          </a:stretch>
+        </p:blipFill>
+        <p:spPr>
+          <a:xfrm>
+            <a:off x="3464625" y="738225"/>
+            <a:ext cx="6512351" cy="6056951"/>
+          </a:xfrm>
+          <a:prstGeom prst="rect">
+            <a:avLst/>
+          </a:prstGeom>
+          <a:noFill/>
+          <a:ln cap="flat" cmpd="sng" w="19050">
+            <a:solidFill>
+              <a:schemeClr val="dk2"/>
+            </a:solidFill>
+            <a:prstDash val="solid"/>
+            <a:round/>
+            <a:headEnd len="sm" w="sm" type="none"/>
+            <a:tailEnd len="sm" w="sm" type="none"/>
+          </a:ln>
+        </p:spPr>
+      </p:pic>
+    </p:spTree>
+  </p:cSld>
+  <p:clrMapOvr>
+    <a:masterClrMapping/>
+  </p:clrMapOvr>
+  <p:transition spd="slow">
+    <p:wipe dir="l"/>
+  </p:transition>
+</p:sld>
+</file>
+
+<file path=ppt/slides/slide9.xml><?xml version="1.0" encoding="utf-8"?>
+<p:sld xmlns:a="http://schemas.openxmlformats.org/drawingml/2006/main" xmlns:r="http://schemas.openxmlformats.org/officeDocument/2006/relationships" xmlns:mc="http://schemas.openxmlformats.org/markup-compatibility/2006" xmlns:mv="urn:schemas-microsoft-com:mac:vml" xmlns:p="http://schemas.openxmlformats.org/presentationml/2006/main" xmlns:c="http://schemas.openxmlformats.org/drawingml/2006/chart" xmlns:dgm="http://schemas.openxmlformats.org/drawingml/2006/diagram" xmlns:o="urn:schemas-microsoft-com:office:office" xmlns:v="urn:schemas-microsoft-com:vml" xmlns:pvml="urn:schemas-microsoft-com:office:powerpoint" xmlns:com="http://schemas.openxmlformats.org/drawingml/2006/compatibility" xmlns:p14="http://schemas.microsoft.com/office/powerpoint/2010/main" xmlns:p15="http://schemas.microsoft.com/office/powerpoint/2012/main" xmlns:ahyp="http://schemas.microsoft.com/office/drawing/2018/hyperlinkcolor">
+  <p:cSld>
+    <p:spTree>
+      <p:nvGrpSpPr>
+        <p:cNvPr id="168" name="Shape 168"/>
+        <p:cNvGrpSpPr/>
+        <p:nvPr/>
+      </p:nvGrpSpPr>
+      <p:grpSpPr>
+        <a:xfrm>
+          <a:off x="0" y="0"/>
+          <a:ext cx="0" cy="0"/>
+          <a:chOff x="0" y="0"/>
+          <a:chExt cx="0" cy="0"/>
+        </a:xfrm>
+      </p:grpSpPr>
+      <p:pic>
+        <p:nvPicPr>
+          <p:cNvPr descr="EscuelaIT Duoc UC - Escuela de Informática y Telecomunicaciones Duoc UC - Duoc  UC | LinkedIn" id="169" name="Google Shape;169;g39d9aee7fe7_0_0"/>
+          <p:cNvPicPr preferRelativeResize="0"/>
+          <p:nvPr/>
+        </p:nvPicPr>
+        <p:blipFill rotWithShape="1">
+          <a:blip r:embed="rId3">
+            <a:alphaModFix/>
+          </a:blip>
+          <a:srcRect b="0" l="0" r="0" t="0"/>
+          <a:stretch/>
+        </p:blipFill>
+        <p:spPr>
+          <a:xfrm>
+            <a:off x="8772152" y="207550"/>
+            <a:ext cx="3141406" cy="785352"/>
+          </a:xfrm>
+          <a:prstGeom prst="rect">
+            <a:avLst/>
+          </a:prstGeom>
+          <a:noFill/>
+          <a:ln>
+            <a:noFill/>
+          </a:ln>
+        </p:spPr>
+      </p:pic>
+      <p:sp>
+        <p:nvSpPr>
+          <p:cNvPr id="170" name="Google Shape;170;g39d9aee7fe7_0_0"/>
+          <p:cNvSpPr txBox="1"/>
+          <p:nvPr/>
+        </p:nvSpPr>
+        <p:spPr>
+          <a:xfrm>
+            <a:off x="136188" y="368928"/>
+            <a:ext cx="12192000" cy="369300"/>
+          </a:xfrm>
+          <a:prstGeom prst="rect">
+            <a:avLst/>
+          </a:prstGeom>
+          <a:noFill/>
+          <a:ln>
+            <a:noFill/>
+          </a:ln>
+        </p:spPr>
+        <p:txBody>
+          <a:bodyPr anchorCtr="0" anchor="t" bIns="45700" lIns="91425" spcFirstLastPara="1" rIns="91425" wrap="square" tIns="45700">
+            <a:spAutoFit/>
+          </a:bodyPr>
+          <a:lstStyle/>
+          <a:p>
+            <a:pPr indent="0" lvl="0" marL="0" marR="0" rtl="0" algn="l">
+              <a:lnSpc>
+                <a:spcPct val="100000"/>
+              </a:lnSpc>
+              <a:spcBef>
+                <a:spcPts val="0"/>
+              </a:spcBef>
+              <a:spcAft>
+                <a:spcPts val="0"/>
+              </a:spcAft>
+              <a:buClr>
+                <a:srgbClr val="000000"/>
+              </a:buClr>
+              <a:buSzPts val="1800"/>
+              <a:buFont typeface="Arial"/>
+              <a:buNone/>
+            </a:pPr>
+            <a:r>
+              <a:rPr b="0" i="0" lang="es-MX" sz="1800" u="none" cap="none" strike="noStrike">
+                <a:solidFill>
+                  <a:srgbClr val="757070"/>
+                </a:solidFill>
+                <a:latin typeface="Calibri"/>
+                <a:ea typeface="Calibri"/>
+                <a:cs typeface="Calibri"/>
+                <a:sym typeface="Calibri"/>
+              </a:rPr>
+              <a:t>PROYECTO VGD LEARN</a:t>
+            </a:r>
+            <a:endParaRPr b="0" i="0" sz="1400" u="none" cap="none" strike="noStrike">
+              <a:solidFill>
+                <a:srgbClr val="000000"/>
+              </a:solidFill>
+              <a:latin typeface="Arial"/>
+              <a:ea typeface="Arial"/>
+              <a:cs typeface="Arial"/>
+              <a:sym typeface="Arial"/>
+            </a:endParaRPr>
+          </a:p>
+        </p:txBody>
+      </p:sp>
+      <p:sp>
+        <p:nvSpPr>
+          <p:cNvPr id="171" name="Google Shape;171;g39d9aee7fe7_0_0"/>
           <p:cNvSpPr txBox="1"/>
           <p:nvPr/>
         </p:nvSpPr>
         <p:spPr>
           <a:xfrm>
             <a:off x="2410075" y="738225"/>
-            <a:ext cx="6870300" cy="646500"/>
+            <a:ext cx="6870300" cy="446400"/>
           </a:xfrm>
           <a:prstGeom prst="rect">
             <a:avLst/>
@@ -23106,7 +21783,7 @@
               <a:buNone/>
             </a:pPr>
             <a:r>
-              <a:rPr lang="es-MX" sz="3600">
+              <a:rPr b="0" i="0" lang="es-MX" sz="2300" u="none" cap="none" strike="noStrike">
                 <a:solidFill>
                   <a:schemeClr val="dk1"/>
                 </a:solidFill>
@@ -23115,9 +21792,9 @@
                 <a:cs typeface="Calibri"/>
                 <a:sym typeface="Calibri"/>
               </a:rPr>
-              <a:t>Modelo de datos</a:t>
+              <a:t>Modelo de datos </a:t>
             </a:r>
-            <a:endParaRPr b="0" i="0" sz="1800" u="none" cap="none" strike="noStrike">
+            <a:endParaRPr b="0" i="0" sz="2300" u="none" cap="none" strike="noStrike">
               <a:solidFill>
                 <a:schemeClr val="dk1"/>
               </a:solidFill>
@@ -23131,7 +21808,7 @@
       </p:sp>
       <p:cxnSp>
         <p:nvCxnSpPr>
-          <p:cNvPr id="169" name="Google Shape;169;g38e2c4947a4_0_20"/>
+          <p:cNvPr id="172" name="Google Shape;172;g39d9aee7fe7_0_0"/>
           <p:cNvCxnSpPr/>
           <p:nvPr/>
         </p:nvCxnSpPr>
@@ -23157,7 +21834,7 @@
       </p:cxnSp>
       <p:pic>
         <p:nvPicPr>
-          <p:cNvPr id="170" name="Google Shape;170;g38e2c4947a4_0_20"/>
+          <p:cNvPr id="173" name="Google Shape;173;g39d9aee7fe7_0_0"/>
           <p:cNvPicPr preferRelativeResize="0"/>
           <p:nvPr/>
         </p:nvPicPr>
@@ -23171,71 +21848,21 @@
         </p:blipFill>
         <p:spPr>
           <a:xfrm>
-            <a:off x="303050" y="1340313"/>
-            <a:ext cx="6269445" cy="3381075"/>
+            <a:off x="786437" y="1435800"/>
+            <a:ext cx="10117577" cy="4949075"/>
           </a:xfrm>
           <a:prstGeom prst="rect">
             <a:avLst/>
           </a:prstGeom>
           <a:noFill/>
-          <a:ln>
-            <a:noFill/>
-          </a:ln>
-        </p:spPr>
-      </p:pic>
-      <p:pic>
-        <p:nvPicPr>
-          <p:cNvPr id="171" name="Google Shape;171;g38e2c4947a4_0_20"/>
-          <p:cNvPicPr preferRelativeResize="0"/>
-          <p:nvPr/>
-        </p:nvPicPr>
-        <p:blipFill>
-          <a:blip r:embed="rId5">
-            <a:alphaModFix/>
-          </a:blip>
-          <a:stretch>
-            <a:fillRect/>
-          </a:stretch>
-        </p:blipFill>
-        <p:spPr>
-          <a:xfrm>
-            <a:off x="6725450" y="1360113"/>
-            <a:ext cx="5163501" cy="3381063"/>
-          </a:xfrm>
-          <a:prstGeom prst="rect">
-            <a:avLst/>
-          </a:prstGeom>
-          <a:noFill/>
-          <a:ln>
-            <a:noFill/>
-          </a:ln>
-        </p:spPr>
-      </p:pic>
-      <p:pic>
-        <p:nvPicPr>
-          <p:cNvPr id="172" name="Google Shape;172;g38e2c4947a4_0_20"/>
-          <p:cNvPicPr preferRelativeResize="0"/>
-          <p:nvPr/>
-        </p:nvPicPr>
-        <p:blipFill>
-          <a:blip r:embed="rId6">
-            <a:alphaModFix/>
-          </a:blip>
-          <a:stretch>
-            <a:fillRect/>
-          </a:stretch>
-        </p:blipFill>
-        <p:spPr>
-          <a:xfrm>
-            <a:off x="5233725" y="4721400"/>
-            <a:ext cx="2239200" cy="2218975"/>
-          </a:xfrm>
-          <a:prstGeom prst="rect">
-            <a:avLst/>
-          </a:prstGeom>
-          <a:noFill/>
-          <a:ln>
-            <a:noFill/>
+          <a:ln cap="flat" cmpd="sng" w="19050">
+            <a:solidFill>
+              <a:schemeClr val="dk2"/>
+            </a:solidFill>
+            <a:prstDash val="solid"/>
+            <a:round/>
+            <a:headEnd len="sm" w="sm" type="none"/>
+            <a:tailEnd len="sm" w="sm" type="none"/>
           </a:ln>
         </p:spPr>
       </p:pic>
@@ -23248,6 +21875,285 @@
 </file>
 
 <file path=ppt/theme/theme1.xml><?xml version="1.0" encoding="utf-8"?>
+<a:theme xmlns:a="http://schemas.openxmlformats.org/drawingml/2006/main" xmlns:r="http://schemas.openxmlformats.org/officeDocument/2006/relationships" name="Tema de Office">
+  <a:themeElements>
+    <a:clrScheme name="Office">
+      <a:dk1>
+        <a:srgbClr val="000000"/>
+      </a:dk1>
+      <a:lt1>
+        <a:srgbClr val="FFFFFF"/>
+      </a:lt1>
+      <a:dk2>
+        <a:srgbClr val="44546A"/>
+      </a:dk2>
+      <a:lt2>
+        <a:srgbClr val="E7E6E6"/>
+      </a:lt2>
+      <a:accent1>
+        <a:srgbClr val="4472C4"/>
+      </a:accent1>
+      <a:accent2>
+        <a:srgbClr val="ED7D31"/>
+      </a:accent2>
+      <a:accent3>
+        <a:srgbClr val="A5A5A5"/>
+      </a:accent3>
+      <a:accent4>
+        <a:srgbClr val="FFC000"/>
+      </a:accent4>
+      <a:accent5>
+        <a:srgbClr val="5B9BD5"/>
+      </a:accent5>
+      <a:accent6>
+        <a:srgbClr val="70AD47"/>
+      </a:accent6>
+      <a:hlink>
+        <a:srgbClr val="0563C1"/>
+      </a:hlink>
+      <a:folHlink>
+        <a:srgbClr val="954F72"/>
+      </a:folHlink>
+    </a:clrScheme>
+    <a:fontScheme name="Office">
+      <a:majorFont>
+        <a:latin typeface="Arial"/>
+        <a:ea typeface=""/>
+        <a:cs typeface=""/>
+        <a:font script="Jpan" typeface="ＭＳ Ｐゴシック"/>
+        <a:font script="Hang" typeface="맑은 고딕"/>
+        <a:font script="Hans" typeface="宋体"/>
+        <a:font script="Hant" typeface="新細明體"/>
+        <a:font script="Arab" typeface="Times New Roman"/>
+        <a:font script="Hebr" typeface="Times New Roman"/>
+        <a:font script="Thai" typeface="Angsana New"/>
+        <a:font script="Ethi" typeface="Nyala"/>
+        <a:font script="Beng" typeface="Vrinda"/>
+        <a:font script="Gujr" typeface="Shruti"/>
+        <a:font script="Khmr" typeface="MoolBoran"/>
+        <a:font script="Knda" typeface="Tunga"/>
+        <a:font script="Guru" typeface="Raavi"/>
+        <a:font script="Cans" typeface="Euphemia"/>
+        <a:font script="Cher" typeface="Plantagenet Cherokee"/>
+        <a:font script="Yiii" typeface="Microsoft Yi Baiti"/>
+        <a:font script="Tibt" typeface="Microsoft Himalaya"/>
+        <a:font script="Thaa" typeface="MV Boli"/>
+        <a:font script="Deva" typeface="Mangal"/>
+        <a:font script="Telu" typeface="Gautami"/>
+        <a:font script="Taml" typeface="Latha"/>
+        <a:font script="Syrc" typeface="Estrangelo Edessa"/>
+        <a:font script="Orya" typeface="Kalinga"/>
+        <a:font script="Mlym" typeface="Kartika"/>
+        <a:font script="Laoo" typeface="DokChampa"/>
+        <a:font script="Sinh" typeface="Iskoola Pota"/>
+        <a:font script="Mong" typeface="Mongolian Baiti"/>
+        <a:font script="Viet" typeface="Times New Roman"/>
+        <a:font script="Uigh" typeface="Microsoft Uighur"/>
+        <a:font script="Geor" typeface="Sylfaen"/>
+      </a:majorFont>
+      <a:minorFont>
+        <a:latin typeface="Arial"/>
+        <a:ea typeface=""/>
+        <a:cs typeface=""/>
+        <a:font script="Jpan" typeface="ＭＳ Ｐゴシック"/>
+        <a:font script="Hang" typeface="맑은 고딕"/>
+        <a:font script="Hans" typeface="宋体"/>
+        <a:font script="Hant" typeface="新細明體"/>
+        <a:font script="Arab" typeface="Arial"/>
+        <a:font script="Hebr" typeface="Arial"/>
+        <a:font script="Thai" typeface="Cordia New"/>
+        <a:font script="Ethi" typeface="Nyala"/>
+        <a:font script="Beng" typeface="Vrinda"/>
+        <a:font script="Gujr" typeface="Shruti"/>
+        <a:font script="Khmr" typeface="DaunPenh"/>
+        <a:font script="Knda" typeface="Tunga"/>
+        <a:font script="Guru" typeface="Raavi"/>
+        <a:font script="Cans" typeface="Euphemia"/>
+        <a:font script="Cher" typeface="Plantagenet Cherokee"/>
+        <a:font script="Yiii" typeface="Microsoft Yi Baiti"/>
+        <a:font script="Tibt" typeface="Microsoft Himalaya"/>
+        <a:font script="Thaa" typeface="MV Boli"/>
+        <a:font script="Deva" typeface="Mangal"/>
+        <a:font script="Telu" typeface="Gautami"/>
+        <a:font script="Taml" typeface="Latha"/>
+        <a:font script="Syrc" typeface="Estrangelo Edessa"/>
+        <a:font script="Orya" typeface="Kalinga"/>
+        <a:font script="Mlym" typeface="Kartika"/>
+        <a:font script="Laoo" typeface="DokChampa"/>
+        <a:font script="Sinh" typeface="Iskoola Pota"/>
+        <a:font script="Mong" typeface="Mongolian Baiti"/>
+        <a:font script="Viet" typeface="Arial"/>
+        <a:font script="Uigh" typeface="Microsoft Uighur"/>
+        <a:font script="Geor" typeface="Sylfaen"/>
+      </a:minorFont>
+    </a:fontScheme>
+    <a:fmtScheme name="Office">
+      <a:fillStyleLst>
+        <a:solidFill>
+          <a:schemeClr val="phClr"/>
+        </a:solidFill>
+        <a:gradFill rotWithShape="1">
+          <a:gsLst>
+            <a:gs pos="0">
+              <a:schemeClr val="phClr">
+                <a:tint val="50000"/>
+                <a:satMod val="300000"/>
+              </a:schemeClr>
+            </a:gs>
+            <a:gs pos="35000">
+              <a:schemeClr val="phClr">
+                <a:tint val="37000"/>
+                <a:satMod val="300000"/>
+              </a:schemeClr>
+            </a:gs>
+            <a:gs pos="100000">
+              <a:schemeClr val="phClr">
+                <a:tint val="15000"/>
+                <a:satMod val="350000"/>
+              </a:schemeClr>
+            </a:gs>
+          </a:gsLst>
+          <a:lin ang="16200000" scaled="1"/>
+        </a:gradFill>
+        <a:gradFill rotWithShape="1">
+          <a:gsLst>
+            <a:gs pos="0">
+              <a:schemeClr val="phClr">
+                <a:tint val="100000"/>
+                <a:shade val="100000"/>
+                <a:satMod val="130000"/>
+              </a:schemeClr>
+            </a:gs>
+            <a:gs pos="100000">
+              <a:schemeClr val="phClr">
+                <a:tint val="50000"/>
+                <a:shade val="100000"/>
+                <a:satMod val="350000"/>
+              </a:schemeClr>
+            </a:gs>
+          </a:gsLst>
+          <a:lin ang="16200000" scaled="0"/>
+        </a:gradFill>
+      </a:fillStyleLst>
+      <a:lnStyleLst>
+        <a:ln w="9525" cap="flat" cmpd="sng" algn="ctr">
+          <a:solidFill>
+            <a:schemeClr val="phClr">
+              <a:shade val="95000"/>
+              <a:satMod val="105000"/>
+            </a:schemeClr>
+          </a:solidFill>
+          <a:prstDash val="solid"/>
+        </a:ln>
+        <a:ln w="25400" cap="flat" cmpd="sng" algn="ctr">
+          <a:solidFill>
+            <a:schemeClr val="phClr"/>
+          </a:solidFill>
+          <a:prstDash val="solid"/>
+        </a:ln>
+        <a:ln w="38100" cap="flat" cmpd="sng" algn="ctr">
+          <a:solidFill>
+            <a:schemeClr val="phClr"/>
+          </a:solidFill>
+          <a:prstDash val="solid"/>
+        </a:ln>
+      </a:lnStyleLst>
+      <a:effectStyleLst>
+        <a:effectStyle>
+          <a:effectLst>
+            <a:outerShdw blurRad="40000" dist="20000" dir="5400000" rotWithShape="0">
+              <a:srgbClr val="000000">
+                <a:alpha val="38000"/>
+              </a:srgbClr>
+            </a:outerShdw>
+          </a:effectLst>
+        </a:effectStyle>
+        <a:effectStyle>
+          <a:effectLst>
+            <a:outerShdw blurRad="40000" dist="23000" dir="5400000" rotWithShape="0">
+              <a:srgbClr val="000000">
+                <a:alpha val="35000"/>
+              </a:srgbClr>
+            </a:outerShdw>
+          </a:effectLst>
+        </a:effectStyle>
+        <a:effectStyle>
+          <a:effectLst>
+            <a:outerShdw blurRad="40000" dist="23000" dir="5400000" rotWithShape="0">
+              <a:srgbClr val="000000">
+                <a:alpha val="35000"/>
+              </a:srgbClr>
+            </a:outerShdw>
+          </a:effectLst>
+          <a:scene3d>
+            <a:camera prst="orthographicFront">
+              <a:rot lat="0" lon="0" rev="0"/>
+            </a:camera>
+            <a:lightRig rig="threePt" dir="t">
+              <a:rot lat="0" lon="0" rev="1200000"/>
+            </a:lightRig>
+          </a:scene3d>
+          <a:sp3d>
+            <a:bevelT w="63500" h="25400"/>
+          </a:sp3d>
+        </a:effectStyle>
+      </a:effectStyleLst>
+      <a:bgFillStyleLst>
+        <a:solidFill>
+          <a:schemeClr val="phClr"/>
+        </a:solidFill>
+        <a:gradFill rotWithShape="1">
+          <a:gsLst>
+            <a:gs pos="0">
+              <a:schemeClr val="phClr">
+                <a:tint val="40000"/>
+                <a:satMod val="350000"/>
+              </a:schemeClr>
+            </a:gs>
+            <a:gs pos="40000">
+              <a:schemeClr val="phClr">
+                <a:tint val="45000"/>
+                <a:shade val="99000"/>
+                <a:satMod val="350000"/>
+              </a:schemeClr>
+            </a:gs>
+            <a:gs pos="100000">
+              <a:schemeClr val="phClr">
+                <a:shade val="20000"/>
+                <a:satMod val="255000"/>
+              </a:schemeClr>
+            </a:gs>
+          </a:gsLst>
+          <a:path path="circle">
+            <a:fillToRect l="50000" t="-80000" r="50000" b="180000"/>
+          </a:path>
+        </a:gradFill>
+        <a:gradFill rotWithShape="1">
+          <a:gsLst>
+            <a:gs pos="0">
+              <a:schemeClr val="phClr">
+                <a:tint val="80000"/>
+                <a:satMod val="300000"/>
+              </a:schemeClr>
+            </a:gs>
+            <a:gs pos="100000">
+              <a:schemeClr val="phClr">
+                <a:shade val="30000"/>
+                <a:satMod val="200000"/>
+              </a:schemeClr>
+            </a:gs>
+          </a:gsLst>
+          <a:path path="circle">
+            <a:fillToRect l="50000" t="50000" r="50000" b="50000"/>
+          </a:path>
+        </a:gradFill>
+      </a:bgFillStyleLst>
+    </a:fmtScheme>
+  </a:themeElements>
+</a:theme>
+</file>
+
+<file path=ppt/theme/theme2.xml><?xml version="1.0" encoding="utf-8"?>
 <a:theme xmlns:a="http://schemas.openxmlformats.org/drawingml/2006/main" xmlns:r="http://schemas.openxmlformats.org/officeDocument/2006/relationships">
   <a:themeElements>
     <a:clrScheme name="Default">
@@ -23524,283 +22430,4 @@
     </a:fmtScheme>
   </a:themeElements>
 </a:theme>
-</file>
-
-<file path=ppt/theme/theme2.xml><?xml version="1.0" encoding="utf-8"?>
-<a:theme xmlns:a="http://schemas.openxmlformats.org/drawingml/2006/main" xmlns:r="http://schemas.openxmlformats.org/officeDocument/2006/relationships" name="Tema de Office">
-  <a:themeElements>
-    <a:clrScheme name="Office">
-      <a:dk1>
-        <a:srgbClr val="000000"/>
-      </a:dk1>
-      <a:lt1>
-        <a:srgbClr val="FFFFFF"/>
-      </a:lt1>
-      <a:dk2>
-        <a:srgbClr val="44546A"/>
-      </a:dk2>
-      <a:lt2>
-        <a:srgbClr val="E7E6E6"/>
-      </a:lt2>
-      <a:accent1>
-        <a:srgbClr val="4472C4"/>
-      </a:accent1>
-      <a:accent2>
-        <a:srgbClr val="ED7D31"/>
-      </a:accent2>
-      <a:accent3>
-        <a:srgbClr val="A5A5A5"/>
-      </a:accent3>
-      <a:accent4>
-        <a:srgbClr val="FFC000"/>
-      </a:accent4>
-      <a:accent5>
-        <a:srgbClr val="5B9BD5"/>
-      </a:accent5>
-      <a:accent6>
-        <a:srgbClr val="70AD47"/>
-      </a:accent6>
-      <a:hlink>
-        <a:srgbClr val="0563C1"/>
-      </a:hlink>
-      <a:folHlink>
-        <a:srgbClr val="954F72"/>
-      </a:folHlink>
-    </a:clrScheme>
-    <a:fontScheme name="Office">
-      <a:majorFont>
-        <a:latin typeface="Arial"/>
-        <a:ea typeface=""/>
-        <a:cs typeface=""/>
-        <a:font script="Jpan" typeface="ＭＳ Ｐゴシック"/>
-        <a:font script="Hang" typeface="맑은 고딕"/>
-        <a:font script="Hans" typeface="宋体"/>
-        <a:font script="Hant" typeface="新細明體"/>
-        <a:font script="Arab" typeface="Times New Roman"/>
-        <a:font script="Hebr" typeface="Times New Roman"/>
-        <a:font script="Thai" typeface="Angsana New"/>
-        <a:font script="Ethi" typeface="Nyala"/>
-        <a:font script="Beng" typeface="Vrinda"/>
-        <a:font script="Gujr" typeface="Shruti"/>
-        <a:font script="Khmr" typeface="MoolBoran"/>
-        <a:font script="Knda" typeface="Tunga"/>
-        <a:font script="Guru" typeface="Raavi"/>
-        <a:font script="Cans" typeface="Euphemia"/>
-        <a:font script="Cher" typeface="Plantagenet Cherokee"/>
-        <a:font script="Yiii" typeface="Microsoft Yi Baiti"/>
-        <a:font script="Tibt" typeface="Microsoft Himalaya"/>
-        <a:font script="Thaa" typeface="MV Boli"/>
-        <a:font script="Deva" typeface="Mangal"/>
-        <a:font script="Telu" typeface="Gautami"/>
-        <a:font script="Taml" typeface="Latha"/>
-        <a:font script="Syrc" typeface="Estrangelo Edessa"/>
-        <a:font script="Orya" typeface="Kalinga"/>
-        <a:font script="Mlym" typeface="Kartika"/>
-        <a:font script="Laoo" typeface="DokChampa"/>
-        <a:font script="Sinh" typeface="Iskoola Pota"/>
-        <a:font script="Mong" typeface="Mongolian Baiti"/>
-        <a:font script="Viet" typeface="Times New Roman"/>
-        <a:font script="Uigh" typeface="Microsoft Uighur"/>
-        <a:font script="Geor" typeface="Sylfaen"/>
-      </a:majorFont>
-      <a:minorFont>
-        <a:latin typeface="Arial"/>
-        <a:ea typeface=""/>
-        <a:cs typeface=""/>
-        <a:font script="Jpan" typeface="ＭＳ Ｐゴシック"/>
-        <a:font script="Hang" typeface="맑은 고딕"/>
-        <a:font script="Hans" typeface="宋体"/>
-        <a:font script="Hant" typeface="新細明體"/>
-        <a:font script="Arab" typeface="Arial"/>
-        <a:font script="Hebr" typeface="Arial"/>
-        <a:font script="Thai" typeface="Cordia New"/>
-        <a:font script="Ethi" typeface="Nyala"/>
-        <a:font script="Beng" typeface="Vrinda"/>
-        <a:font script="Gujr" typeface="Shruti"/>
-        <a:font script="Khmr" typeface="DaunPenh"/>
-        <a:font script="Knda" typeface="Tunga"/>
-        <a:font script="Guru" typeface="Raavi"/>
-        <a:font script="Cans" typeface="Euphemia"/>
-        <a:font script="Cher" typeface="Plantagenet Cherokee"/>
-        <a:font script="Yiii" typeface="Microsoft Yi Baiti"/>
-        <a:font script="Tibt" typeface="Microsoft Himalaya"/>
-        <a:font script="Thaa" typeface="MV Boli"/>
-        <a:font script="Deva" typeface="Mangal"/>
-        <a:font script="Telu" typeface="Gautami"/>
-        <a:font script="Taml" typeface="Latha"/>
-        <a:font script="Syrc" typeface="Estrangelo Edessa"/>
-        <a:font script="Orya" typeface="Kalinga"/>
-        <a:font script="Mlym" typeface="Kartika"/>
-        <a:font script="Laoo" typeface="DokChampa"/>
-        <a:font script="Sinh" typeface="Iskoola Pota"/>
-        <a:font script="Mong" typeface="Mongolian Baiti"/>
-        <a:font script="Viet" typeface="Arial"/>
-        <a:font script="Uigh" typeface="Microsoft Uighur"/>
-        <a:font script="Geor" typeface="Sylfaen"/>
-      </a:minorFont>
-    </a:fontScheme>
-    <a:fmtScheme name="Office">
-      <a:fillStyleLst>
-        <a:solidFill>
-          <a:schemeClr val="phClr"/>
-        </a:solidFill>
-        <a:gradFill rotWithShape="1">
-          <a:gsLst>
-            <a:gs pos="0">
-              <a:schemeClr val="phClr">
-                <a:tint val="50000"/>
-                <a:satMod val="300000"/>
-              </a:schemeClr>
-            </a:gs>
-            <a:gs pos="35000">
-              <a:schemeClr val="phClr">
-                <a:tint val="37000"/>
-                <a:satMod val="300000"/>
-              </a:schemeClr>
-            </a:gs>
-            <a:gs pos="100000">
-              <a:schemeClr val="phClr">
-                <a:tint val="15000"/>
-                <a:satMod val="350000"/>
-              </a:schemeClr>
-            </a:gs>
-          </a:gsLst>
-          <a:lin ang="16200000" scaled="1"/>
-        </a:gradFill>
-        <a:gradFill rotWithShape="1">
-          <a:gsLst>
-            <a:gs pos="0">
-              <a:schemeClr val="phClr">
-                <a:tint val="100000"/>
-                <a:shade val="100000"/>
-                <a:satMod val="130000"/>
-              </a:schemeClr>
-            </a:gs>
-            <a:gs pos="100000">
-              <a:schemeClr val="phClr">
-                <a:tint val="50000"/>
-                <a:shade val="100000"/>
-                <a:satMod val="350000"/>
-              </a:schemeClr>
-            </a:gs>
-          </a:gsLst>
-          <a:lin ang="16200000" scaled="0"/>
-        </a:gradFill>
-      </a:fillStyleLst>
-      <a:lnStyleLst>
-        <a:ln w="9525" cap="flat" cmpd="sng" algn="ctr">
-          <a:solidFill>
-            <a:schemeClr val="phClr">
-              <a:shade val="95000"/>
-              <a:satMod val="105000"/>
-            </a:schemeClr>
-          </a:solidFill>
-          <a:prstDash val="solid"/>
-        </a:ln>
-        <a:ln w="25400" cap="flat" cmpd="sng" algn="ctr">
-          <a:solidFill>
-            <a:schemeClr val="phClr"/>
-          </a:solidFill>
-          <a:prstDash val="solid"/>
-        </a:ln>
-        <a:ln w="38100" cap="flat" cmpd="sng" algn="ctr">
-          <a:solidFill>
-            <a:schemeClr val="phClr"/>
-          </a:solidFill>
-          <a:prstDash val="solid"/>
-        </a:ln>
-      </a:lnStyleLst>
-      <a:effectStyleLst>
-        <a:effectStyle>
-          <a:effectLst>
-            <a:outerShdw blurRad="40000" dist="20000" dir="5400000" rotWithShape="0">
-              <a:srgbClr val="000000">
-                <a:alpha val="38000"/>
-              </a:srgbClr>
-            </a:outerShdw>
-          </a:effectLst>
-        </a:effectStyle>
-        <a:effectStyle>
-          <a:effectLst>
-            <a:outerShdw blurRad="40000" dist="23000" dir="5400000" rotWithShape="0">
-              <a:srgbClr val="000000">
-                <a:alpha val="35000"/>
-              </a:srgbClr>
-            </a:outerShdw>
-          </a:effectLst>
-        </a:effectStyle>
-        <a:effectStyle>
-          <a:effectLst>
-            <a:outerShdw blurRad="40000" dist="23000" dir="5400000" rotWithShape="0">
-              <a:srgbClr val="000000">
-                <a:alpha val="35000"/>
-              </a:srgbClr>
-            </a:outerShdw>
-          </a:effectLst>
-          <a:scene3d>
-            <a:camera prst="orthographicFront">
-              <a:rot lat="0" lon="0" rev="0"/>
-            </a:camera>
-            <a:lightRig rig="threePt" dir="t">
-              <a:rot lat="0" lon="0" rev="1200000"/>
-            </a:lightRig>
-          </a:scene3d>
-          <a:sp3d>
-            <a:bevelT w="63500" h="25400"/>
-          </a:sp3d>
-        </a:effectStyle>
-      </a:effectStyleLst>
-      <a:bgFillStyleLst>
-        <a:solidFill>
-          <a:schemeClr val="phClr"/>
-        </a:solidFill>
-        <a:gradFill rotWithShape="1">
-          <a:gsLst>
-            <a:gs pos="0">
-              <a:schemeClr val="phClr">
-                <a:tint val="40000"/>
-                <a:satMod val="350000"/>
-              </a:schemeClr>
-            </a:gs>
-            <a:gs pos="40000">
-              <a:schemeClr val="phClr">
-                <a:tint val="45000"/>
-                <a:shade val="99000"/>
-                <a:satMod val="350000"/>
-              </a:schemeClr>
-            </a:gs>
-            <a:gs pos="100000">
-              <a:schemeClr val="phClr">
-                <a:shade val="20000"/>
-                <a:satMod val="255000"/>
-              </a:schemeClr>
-            </a:gs>
-          </a:gsLst>
-          <a:path path="circle">
-            <a:fillToRect l="50000" t="-80000" r="50000" b="180000"/>
-          </a:path>
-        </a:gradFill>
-        <a:gradFill rotWithShape="1">
-          <a:gsLst>
-            <a:gs pos="0">
-              <a:schemeClr val="phClr">
-                <a:tint val="80000"/>
-                <a:satMod val="300000"/>
-              </a:schemeClr>
-            </a:gs>
-            <a:gs pos="100000">
-              <a:schemeClr val="phClr">
-                <a:shade val="30000"/>
-                <a:satMod val="200000"/>
-              </a:schemeClr>
-            </a:gs>
-          </a:gsLst>
-          <a:path path="circle">
-            <a:fillToRect l="50000" t="50000" r="50000" b="50000"/>
-          </a:path>
-        </a:gradFill>
-      </a:bgFillStyleLst>
-    </a:fmtScheme>
-  </a:themeElements>
-</a:theme>
 </file>
--- a/Fase 2/Evidencias_Proyecto/Presentación proyecto.pptx
+++ b/Fase 2/Evidencias_Proyecto/Presentación proyecto.pptx
@@ -255,7 +255,7 @@
   </p:defaultTextStyle>
   <p:extLst>
     <p:ext uri="GoogleSlidesCustomDataVersion2">
-      <go:slidesCustomData xmlns:go="http://customooxmlschemas.google.com/" r:id="rId18" roundtripDataSignature="AMtx7mjuOc72F35r0PB9vUquEX6QqAx9vQ=="/>
+      <go:slidesCustomData xmlns:go="http://customooxmlschemas.google.com/" r:id="rId18" roundtripDataSignature="AMtx7mhUa0R95mwLrvk5c32ad9jINseXLA=="/>
     </p:ext>
   </p:extLst>
 </p:presentation>
@@ -18800,7 +18800,7 @@
                 <a:cs typeface="Arial"/>
                 <a:sym typeface="Arial"/>
               </a:rPr>
-              <a:t> y personalizado usando inteligencia artificial, y el contenido que ellos subirán. También se mostrarán gráficas con los resultados para ver qué temas dominan y cuáles necesitan reforzar.</a:t>
+              <a:t> y personalizado usando inteligencia artificial, y el contenido que ellos subirán. También se mostrarán los resultados para ver qué temas dominan y cuáles necesitan reforzar.</a:t>
             </a:r>
             <a:endParaRPr b="0" i="0" sz="2400" u="none" cap="none" strike="noStrike">
               <a:solidFill>
@@ -19283,7 +19283,7 @@
                   <a:schemeClr val="dk1"/>
                 </a:solidFill>
               </a:rPr>
-              <a:t>Organizar materiales de estudio de forma simple y accesible.</a:t>
+              <a:t>Mejorar la organización de materiales de estudio de manera simple y accesible en comparación a la forma en cómo lo hacen los colegios/instituciones actualmente, que es de forma manual.</a:t>
             </a:r>
             <a:endParaRPr sz="1600">
               <a:solidFill>
@@ -19311,7 +19311,39 @@
                   <a:schemeClr val="dk1"/>
                 </a:solidFill>
               </a:rPr>
-              <a:t>Generar evaluaciones según el nivel del estudiante.</a:t>
+              <a:t>Disponer de evaluaciones personalizadas según el nivel del estudiante, para que </a:t>
+            </a:r>
+            <a:r>
+              <a:rPr lang="es-MX" sz="1600">
+                <a:solidFill>
+                  <a:schemeClr val="dk1"/>
+                </a:solidFill>
+              </a:rPr>
+              <a:t>este</a:t>
+            </a:r>
+            <a:r>
+              <a:rPr lang="es-MX" sz="1600">
+                <a:solidFill>
+                  <a:schemeClr val="dk1"/>
+                </a:solidFill>
+              </a:rPr>
+              <a:t> </a:t>
+            </a:r>
+            <a:r>
+              <a:rPr lang="es-MX" sz="1600">
+                <a:solidFill>
+                  <a:schemeClr val="dk1"/>
+                </a:solidFill>
+              </a:rPr>
+              <a:t>realmente</a:t>
+            </a:r>
+            <a:r>
+              <a:rPr lang="es-MX" sz="1600">
+                <a:solidFill>
+                  <a:schemeClr val="dk1"/>
+                </a:solidFill>
+              </a:rPr>
+              <a:t> refuerce sus conocimientos.</a:t>
             </a:r>
             <a:endParaRPr sz="1600">
               <a:solidFill>
@@ -19325,7 +19357,7 @@
                 <a:spcPts val="800"/>
               </a:spcBef>
               <a:spcAft>
-                <a:spcPts val="0"/>
+                <a:spcPts val="800"/>
               </a:spcAft>
               <a:buClr>
                 <a:schemeClr val="dk1"/>
@@ -19339,35 +19371,7 @@
                   <a:schemeClr val="dk1"/>
                 </a:solidFill>
               </a:rPr>
-              <a:t>Estructurar módulos automáticamente a partir de la documentación.</a:t>
-            </a:r>
-            <a:endParaRPr sz="1600">
-              <a:solidFill>
-                <a:schemeClr val="dk1"/>
-              </a:solidFill>
-            </a:endParaRPr>
-          </a:p>
-          <a:p>
-            <a:pPr indent="-330200" lvl="0" marL="457200" rtl="0" algn="just">
-              <a:spcBef>
-                <a:spcPts val="800"/>
-              </a:spcBef>
-              <a:spcAft>
-                <a:spcPts val="800"/>
-              </a:spcAft>
-              <a:buClr>
-                <a:schemeClr val="dk1"/>
-              </a:buClr>
-              <a:buSzPts val="1600"/>
-              <a:buChar char="●"/>
-            </a:pPr>
-            <a:r>
-              <a:rPr lang="es-MX" sz="1600">
-                <a:solidFill>
-                  <a:schemeClr val="dk1"/>
-                </a:solidFill>
-              </a:rPr>
-              <a:t>Mantener los estudios ordenados y libres de distracciones.</a:t>
+              <a:t>Transformar los apuntes o documentos en módulos de estudios listos para usar, con el fin de facilitar el aprendizaje autónomo.</a:t>
             </a:r>
             <a:endParaRPr sz="1600">
               <a:solidFill>
@@ -19657,7 +19661,7 @@
                   <a:schemeClr val="lt1"/>
                 </a:highlight>
               </a:rPr>
-              <a:t>Las actividades generadas por la plataforma (quizzes, flashcards, autocompletado) se limitan a contenido textual, sin incluir componentes gráficos ni multimedia.</a:t>
+              <a:t>Las actividades generadas por la plataforma (quizzes, flashcards, autocompletado) se limitan a contenido textual, sin incluir componentes gráficos.</a:t>
             </a:r>
             <a:endParaRPr sz="1500">
               <a:solidFill>
@@ -19694,7 +19698,7 @@
                   <a:schemeClr val="lt1"/>
                 </a:highlight>
               </a:rPr>
-              <a:t>La personalización del contenido no ocurre en tiempo real; la IA trabaja con un análisis estático del material previamente cargado</a:t>
+              <a:t>La personalización del contenido no ocurre en tiempo real; la IA trabaja con un análisis estático del material previamente cargado.</a:t>
             </a:r>
             <a:endParaRPr sz="1500">
               <a:solidFill>
@@ -19731,7 +19735,7 @@
                   <a:schemeClr val="lt1"/>
                 </a:highlight>
               </a:rPr>
-              <a:t>El alcance del proyecto se centra exclusivamente en aprendizaje individual autónomo y no contempla dinámicas colaborativas.</a:t>
+              <a:t>El alcance del proyecto se centra exclusivamente en aprendizaje individual autónomo.</a:t>
             </a:r>
             <a:endParaRPr sz="1500">
               <a:solidFill>
@@ -19768,7 +19772,7 @@
                   <a:schemeClr val="lt1"/>
                 </a:highlight>
               </a:rPr>
-              <a:t>La versión inicial está optimizada para entorno web de escritorio; no se garantiza compatibilidad plena con dispositivos móviles.</a:t>
+              <a:t>La versión inicial está optimizada para entorno web de escritorio.</a:t>
             </a:r>
             <a:endParaRPr sz="1500">
               <a:solidFill>
@@ -19969,7 +19973,7 @@
                   <a:schemeClr val="dk1"/>
                 </a:solidFill>
               </a:rPr>
-              <a:t>El proyecto VGD Learn tendrá como alcance el desarrollo de una plataforma educativa digital que integre inteligencia artificial y procesamiento de lenguaje natural (NLP) para apoyar el aprendizaje autónomo. La plataforma permitirá:</a:t>
+              <a:t>El proyecto VGD Learn tendrá como alcance el desarrollo de una plataforma educativa digital. La plataforma permitirá:</a:t>
             </a:r>
             <a:endParaRPr sz="1500">
               <a:solidFill>
@@ -20000,7 +20004,7 @@
                   <a:schemeClr val="dk1"/>
                 </a:solidFill>
               </a:rPr>
-              <a:t>Subir y organizar materiales de estudio.</a:t>
+              <a:t>Incluir un quiz inicial para diagnosticar el estilo de pensamiento del estudiante.</a:t>
             </a:r>
             <a:endParaRPr sz="1500">
               <a:solidFill>
@@ -20079,7 +20083,7 @@
                   <a:schemeClr val="dk1"/>
                 </a:solidFill>
               </a:rPr>
-              <a:t> y actividades interactivas.</a:t>
+              <a:t>.</a:t>
             </a:r>
             <a:endParaRPr sz="1500">
               <a:solidFill>
@@ -20158,37 +20162,6 @@
                 </a:solidFill>
               </a:rPr>
               <a:t>Adaptar las actividades al nivel y necesidades del estudiante.</a:t>
-            </a:r>
-            <a:endParaRPr sz="1500">
-              <a:solidFill>
-                <a:schemeClr val="dk1"/>
-              </a:solidFill>
-            </a:endParaRPr>
-          </a:p>
-          <a:p>
-            <a:pPr indent="-323850" lvl="0" marL="457200" rtl="0" algn="l">
-              <a:lnSpc>
-                <a:spcPct val="115000"/>
-              </a:lnSpc>
-              <a:spcBef>
-                <a:spcPts val="0"/>
-              </a:spcBef>
-              <a:spcAft>
-                <a:spcPts val="0"/>
-              </a:spcAft>
-              <a:buClr>
-                <a:schemeClr val="dk1"/>
-              </a:buClr>
-              <a:buSzPts val="1500"/>
-              <a:buChar char="●"/>
-            </a:pPr>
-            <a:r>
-              <a:rPr lang="es-MX" sz="1500">
-                <a:solidFill>
-                  <a:schemeClr val="dk1"/>
-                </a:solidFill>
-              </a:rPr>
-              <a:t>Proporcionar métricas claras sobre el progreso académico.</a:t>
             </a:r>
             <a:endParaRPr sz="1500">
               <a:solidFill>
@@ -20959,7 +20932,15 @@
                 <a:cs typeface="Arial"/>
                 <a:sym typeface="Arial"/>
               </a:rPr>
-              <a:t> (diseño visual),</a:t>
+              <a:t> (diseño visual)</a:t>
+            </a:r>
+            <a:r>
+              <a:rPr lang="es-MX" sz="1600">
+                <a:solidFill>
+                  <a:schemeClr val="dk1"/>
+                </a:solidFill>
+              </a:rPr>
+              <a:t>.</a:t>
             </a:r>
             <a:endParaRPr b="0" i="0" sz="1700" u="none" cap="none" strike="noStrike">
               <a:solidFill>
@@ -21209,8 +21190,8 @@
         </p:blipFill>
         <p:spPr>
           <a:xfrm>
-            <a:off x="2127975" y="1444124"/>
-            <a:ext cx="7128707" cy="5128876"/>
+            <a:off x="2415738" y="1587249"/>
+            <a:ext cx="7360523" cy="5128875"/>
           </a:xfrm>
           <a:prstGeom prst="rect">
             <a:avLst/>
@@ -21601,7 +21582,7 @@
         </p:blipFill>
         <p:spPr>
           <a:xfrm>
-            <a:off x="3464625" y="738225"/>
+            <a:off x="3548500" y="738225"/>
             <a:ext cx="6512351" cy="6056951"/>
           </a:xfrm>
           <a:prstGeom prst="rect">
